--- a/Document/일정표(임시)_12_08.pptx
+++ b/Document/일정표(임시)_12_08.pptx
@@ -1,11 +1,11 @@
 
 <file path=ppt/presentation.xml><?xml version="1.0" encoding="utf-8"?>
-<p:presentation xmlns:a="http://schemas.openxmlformats.org/drawingml/2006/main" xmlns:r="http://schemas.openxmlformats.org/officeDocument/2006/relationships" xmlns:p="http://schemas.openxmlformats.org/presentationml/2006/main" xmlns:p14="http://schemas.microsoft.com/office/powerpoint/2010/main" saveSubsetFonts="1">
+<p:presentation xmlns:a="http://schemas.openxmlformats.org/drawingml/2006/main" xmlns:r="http://schemas.openxmlformats.org/officeDocument/2006/relationships" xmlns:p="http://schemas.openxmlformats.org/presentationml/2006/main" saveSubsetFonts="1">
   <p:sldMasterIdLst>
-    <p:sldMasterId id="2147483666" r:id="rId13"/>
+    <p:sldMasterId id="2147483666" r:id="rId1"/>
   </p:sldMasterIdLst>
   <p:sldIdLst>
-    <p:sldId id="257" r:id="rId15"/>
+    <p:sldId id="257" r:id="rId2"/>
   </p:sldIdLst>
   <p:sldSz cx="12192000" cy="6858000"/>
   <p:notesSz cx="6858000" cy="9144000"/>
@@ -36,8 +36,65 @@
       <a:defRPr lang="ko-KR" smtClean="0"/>
     </a:lvl5pPr>
   </p:defaultTextStyle>
-  <p:extLst/>
+  <p:extLst>
+    <p:ext uri="{EFAFB233-063F-42B5-8137-9DF3F51BA10A}">
+      <p15:sldGuideLst xmlns:p15="http://schemas.microsoft.com/office/powerpoint/2012/main"/>
+    </p:ext>
+  </p:extLst>
 </p:presentation>
+</file>
+
+<file path=ppt/changesInfos/changesInfo1.xml><?xml version="1.0" encoding="utf-8"?>
+<pc:chgInfo xmlns:a="http://schemas.openxmlformats.org/drawingml/2006/main" xmlns:r="http://schemas.openxmlformats.org/officeDocument/2006/relationships" xmlns:ac="http://schemas.microsoft.com/office/drawing/2013/main/command" xmlns:pc="http://schemas.microsoft.com/office/powerpoint/2013/main/command">
+  <pc:docChgLst>
+    <pc:chgData name="DongHyeon Ko" userId="113be3d24099a8d3" providerId="LiveId" clId="{B0AE214C-4972-442B-B067-5505BD5300C9}"/>
+    <pc:docChg chg="undo custSel modSld">
+      <pc:chgData name="DongHyeon Ko" userId="113be3d24099a8d3" providerId="LiveId" clId="{B0AE214C-4972-442B-B067-5505BD5300C9}" dt="2017-12-09T15:22:02.790" v="12" actId="571"/>
+      <pc:docMkLst>
+        <pc:docMk/>
+      </pc:docMkLst>
+      <pc:sldChg chg="addSp delSp modSp">
+        <pc:chgData name="DongHyeon Ko" userId="113be3d24099a8d3" providerId="LiveId" clId="{B0AE214C-4972-442B-B067-5505BD5300C9}" dt="2017-12-09T15:22:02.790" v="12" actId="571"/>
+        <pc:sldMkLst>
+          <pc:docMk/>
+          <pc:sldMk cId="0" sldId="257"/>
+        </pc:sldMkLst>
+        <pc:spChg chg="del mod">
+          <ac:chgData name="DongHyeon Ko" userId="113be3d24099a8d3" providerId="LiveId" clId="{B0AE214C-4972-442B-B067-5505BD5300C9}" dt="2017-12-09T15:21:44.462" v="9" actId="478"/>
+          <ac:spMkLst>
+            <pc:docMk/>
+            <pc:sldMk cId="0" sldId="257"/>
+            <ac:spMk id="15" creationId="{00000000-0000-0000-0000-000000000000}"/>
+          </ac:spMkLst>
+        </pc:spChg>
+        <pc:spChg chg="add mod">
+          <ac:chgData name="DongHyeon Ko" userId="113be3d24099a8d3" providerId="LiveId" clId="{B0AE214C-4972-442B-B067-5505BD5300C9}" dt="2017-12-09T15:21:24.810" v="0" actId="571"/>
+          <ac:spMkLst>
+            <pc:docMk/>
+            <pc:sldMk cId="0" sldId="257"/>
+            <ac:spMk id="16" creationId="{E6C53EEE-F5A7-4480-B4C4-FEFDAB724590}"/>
+          </ac:spMkLst>
+        </pc:spChg>
+        <pc:spChg chg="add mod">
+          <ac:chgData name="DongHyeon Ko" userId="113be3d24099a8d3" providerId="LiveId" clId="{B0AE214C-4972-442B-B067-5505BD5300C9}" dt="2017-12-09T15:21:54.719" v="11"/>
+          <ac:spMkLst>
+            <pc:docMk/>
+            <pc:sldMk cId="0" sldId="257"/>
+            <ac:spMk id="17" creationId="{C047BBF5-0ECC-4AB8-8F59-B12B29F0C778}"/>
+          </ac:spMkLst>
+        </pc:spChg>
+        <pc:spChg chg="add mod">
+          <ac:chgData name="DongHyeon Ko" userId="113be3d24099a8d3" providerId="LiveId" clId="{B0AE214C-4972-442B-B067-5505BD5300C9}" dt="2017-12-09T15:22:02.790" v="12" actId="571"/>
+          <ac:spMkLst>
+            <pc:docMk/>
+            <pc:sldMk cId="0" sldId="257"/>
+            <ac:spMk id="18" creationId="{1C28C65C-0225-45AA-B82E-5188B4712B0F}"/>
+          </ac:spMkLst>
+        </pc:spChg>
+      </pc:sldChg>
+    </pc:docChg>
+  </pc:docChgLst>
+</pc:chgInfo>
 </file>
 
 <file path=ppt/slideLayouts/slideLayout1.xml><?xml version="1.0" encoding="utf-8"?>
@@ -96,7 +153,7 @@
               <a:buNone/>
             </a:pPr>
             <a:r>
-              <a:rPr lang="en-US" altLang="ko-KR" sz="5900" b="0" cap="none" dirty="0" smtClean="0">
+              <a:rPr lang="en-US" altLang="ko-KR" sz="5900" b="0" cap="none" dirty="0">
                 <a:solidFill>
                   <a:schemeClr val="tx1"/>
                 </a:solidFill>
@@ -105,7 +162,7 @@
               </a:rPr>
               <a:t>마스터 제목 스타일 편집</a:t>
             </a:r>
-            <a:endParaRPr lang="ko-KR" altLang="en-US" sz="5900" b="0" cap="none" dirty="0" smtClean="0">
+            <a:endParaRPr lang="ko-KR" altLang="en-US" sz="5900" b="0" cap="none" dirty="0">
               <a:solidFill>
                 <a:schemeClr val="tx1"/>
               </a:solidFill>
@@ -154,7 +211,7 @@
               <a:buNone/>
             </a:pPr>
             <a:r>
-              <a:rPr lang="en-US" altLang="ko-KR" sz="3200" b="0" cap="none" dirty="0" smtClean="0">
+              <a:rPr lang="en-US" altLang="ko-KR" sz="3200" b="0" cap="none" dirty="0">
                 <a:solidFill>
                   <a:schemeClr val="tx1"/>
                 </a:solidFill>
@@ -163,7 +220,7 @@
               </a:rPr>
               <a:t>마스터 부제목 스타일 편집</a:t>
             </a:r>
-            <a:endParaRPr lang="ko-KR" altLang="en-US" sz="3200" b="0" cap="none" dirty="0" smtClean="0">
+            <a:endParaRPr lang="ko-KR" altLang="en-US" sz="3200" b="0" cap="none" dirty="0">
               <a:solidFill>
                 <a:schemeClr val="tx1"/>
               </a:solidFill>
@@ -221,7 +278,7 @@
               </a:rPr>
               <a:t>‹#›</a:t>
             </a:fld>
-            <a:endParaRPr lang="ko-KR" altLang="en-US" sz="1200" b="0" cap="none" dirty="0" smtClean="0">
+            <a:endParaRPr lang="ko-KR" altLang="en-US" sz="1200" b="0" cap="none" dirty="0">
               <a:solidFill>
                 <a:srgbClr val="898989"/>
               </a:solidFill>
@@ -277,9 +334,9 @@
                 <a:latin typeface="맑은 고딕" charset="0"/>
                 <a:ea typeface="맑은 고딕" charset="0"/>
               </a:rPr>
-              <a:t>2016-08-19</a:t>
+              <a:t>2017-12-09</a:t>
             </a:fld>
-            <a:endParaRPr lang="ko-KR" altLang="en-US" sz="1200" b="0" cap="none" dirty="0" smtClean="0">
+            <a:endParaRPr lang="ko-KR" altLang="en-US" sz="1200" b="0" cap="none" dirty="0">
               <a:solidFill>
                 <a:srgbClr val="898989"/>
               </a:solidFill>
@@ -327,7 +384,7 @@
               <a:buFontTx/>
               <a:buNone/>
             </a:pPr>
-            <a:endParaRPr lang="ko-KR" altLang="en-US" sz="1200" b="0" cap="none" dirty="0" smtClean="0">
+            <a:endParaRPr lang="ko-KR" altLang="en-US" sz="1200" b="0" cap="none" dirty="0">
               <a:solidFill>
                 <a:srgbClr val="898989"/>
               </a:solidFill>
@@ -342,14 +399,6 @@
   <p:clrMapOvr>
     <a:masterClrMapping/>
   </p:clrMapOvr>
-  <mc:AlternateContent xmlns:mc="http://schemas.openxmlformats.org/markup-compatibility/2006" xmlns:p14="http://schemas.microsoft.com/office/powerpoint/2010/main">
-    <mc:Choice Requires="p14">
-      <p:transition p14:dur="0"/>
-    </mc:Choice>
-    <mc:Fallback xmlns="">
-      <p:transition spd="slow"/>
-    </mc:Fallback>
-  </mc:AlternateContent>
 </p:sldLayout>
 </file>
 
@@ -409,7 +458,7 @@
               <a:buNone/>
             </a:pPr>
             <a:r>
-              <a:rPr lang="en-US" altLang="ko-KR" sz="5900" b="0" cap="none" dirty="0" smtClean="0">
+              <a:rPr lang="en-US" altLang="ko-KR" sz="5900" b="0" cap="none" dirty="0">
                 <a:solidFill>
                   <a:schemeClr val="tx1"/>
                 </a:solidFill>
@@ -418,7 +467,7 @@
               </a:rPr>
               <a:t>마스터 제목 스타일 편집</a:t>
             </a:r>
-            <a:endParaRPr lang="ko-KR" altLang="en-US" sz="5900" b="0" cap="none" dirty="0" smtClean="0">
+            <a:endParaRPr lang="ko-KR" altLang="en-US" sz="5900" b="0" cap="none" dirty="0">
               <a:solidFill>
                 <a:schemeClr val="tx1"/>
               </a:solidFill>
@@ -467,7 +516,7 @@
               <a:buChar char="•"/>
             </a:pPr>
             <a:r>
-              <a:rPr lang="en-US" altLang="ko-KR" sz="2800" b="0" cap="none" dirty="0" smtClean="0">
+              <a:rPr lang="en-US" altLang="ko-KR" sz="2800" b="0" cap="none" dirty="0">
                 <a:solidFill>
                   <a:schemeClr val="tx1"/>
                 </a:solidFill>
@@ -476,7 +525,7 @@
               </a:rPr>
               <a:t>마스터 텍스트 스타일을 편집합니다</a:t>
             </a:r>
-            <a:endParaRPr lang="ko-KR" altLang="en-US" sz="2800" b="0" cap="none" dirty="0" smtClean="0">
+            <a:endParaRPr lang="ko-KR" altLang="en-US" sz="2800" b="0" cap="none" dirty="0">
               <a:solidFill>
                 <a:schemeClr val="tx1"/>
               </a:solidFill>
@@ -499,7 +548,7 @@
               <a:buChar char="•"/>
             </a:pPr>
             <a:r>
-              <a:rPr lang="en-US" altLang="ko-KR" sz="2400" b="0" cap="none" dirty="0" smtClean="0">
+              <a:rPr lang="en-US" altLang="ko-KR" sz="2400" b="0" cap="none" dirty="0">
                 <a:solidFill>
                   <a:schemeClr val="tx1"/>
                 </a:solidFill>
@@ -508,7 +557,7 @@
               </a:rPr>
               <a:t>둘째 수준</a:t>
             </a:r>
-            <a:endParaRPr lang="ko-KR" altLang="en-US" sz="2400" b="0" cap="none" dirty="0" smtClean="0">
+            <a:endParaRPr lang="ko-KR" altLang="en-US" sz="2400" b="0" cap="none" dirty="0">
               <a:solidFill>
                 <a:schemeClr val="tx1"/>
               </a:solidFill>
@@ -531,7 +580,7 @@
               <a:buChar char="•"/>
             </a:pPr>
             <a:r>
-              <a:rPr lang="en-US" altLang="ko-KR" sz="2000" b="0" cap="none" dirty="0" smtClean="0">
+              <a:rPr lang="en-US" altLang="ko-KR" sz="2000" b="0" cap="none" dirty="0">
                 <a:solidFill>
                   <a:schemeClr val="tx1"/>
                 </a:solidFill>
@@ -540,7 +589,7 @@
               </a:rPr>
               <a:t>셋째 수준</a:t>
             </a:r>
-            <a:endParaRPr lang="ko-KR" altLang="en-US" sz="2000" b="0" cap="none" dirty="0" smtClean="0">
+            <a:endParaRPr lang="ko-KR" altLang="en-US" sz="2000" b="0" cap="none" dirty="0">
               <a:solidFill>
                 <a:schemeClr val="tx1"/>
               </a:solidFill>
@@ -563,7 +612,7 @@
               <a:buChar char="•"/>
             </a:pPr>
             <a:r>
-              <a:rPr lang="en-US" altLang="ko-KR" sz="1800" b="0" cap="none" dirty="0" smtClean="0">
+              <a:rPr lang="en-US" altLang="ko-KR" sz="1800" b="0" cap="none" dirty="0">
                 <a:solidFill>
                   <a:schemeClr val="tx1"/>
                 </a:solidFill>
@@ -572,7 +621,7 @@
               </a:rPr>
               <a:t>넷째 수준</a:t>
             </a:r>
-            <a:endParaRPr lang="ko-KR" altLang="en-US" sz="1800" b="0" cap="none" dirty="0" smtClean="0">
+            <a:endParaRPr lang="ko-KR" altLang="en-US" sz="1800" b="0" cap="none" dirty="0">
               <a:solidFill>
                 <a:schemeClr val="tx1"/>
               </a:solidFill>
@@ -595,7 +644,7 @@
               <a:buChar char="•"/>
             </a:pPr>
             <a:r>
-              <a:rPr lang="en-US" altLang="ko-KR" sz="1600" b="0" cap="none" dirty="0" smtClean="0">
+              <a:rPr lang="en-US" altLang="ko-KR" sz="1600" b="0" cap="none" dirty="0">
                 <a:solidFill>
                   <a:schemeClr val="tx1"/>
                 </a:solidFill>
@@ -604,7 +653,7 @@
               </a:rPr>
               <a:t>다섯째 수준</a:t>
             </a:r>
-            <a:endParaRPr lang="ko-KR" altLang="en-US" sz="1600" b="0" cap="none" dirty="0" smtClean="0">
+            <a:endParaRPr lang="ko-KR" altLang="en-US" sz="1600" b="0" cap="none" dirty="0">
               <a:solidFill>
                 <a:schemeClr val="tx1"/>
               </a:solidFill>
@@ -662,7 +711,7 @@
               </a:rPr>
               <a:t>‹#›</a:t>
             </a:fld>
-            <a:endParaRPr lang="ko-KR" altLang="en-US" sz="1200" b="0" cap="none" dirty="0" smtClean="0">
+            <a:endParaRPr lang="ko-KR" altLang="en-US" sz="1200" b="0" cap="none" dirty="0">
               <a:solidFill>
                 <a:srgbClr val="898989"/>
               </a:solidFill>
@@ -718,9 +767,9 @@
                 <a:latin typeface="맑은 고딕" charset="0"/>
                 <a:ea typeface="맑은 고딕" charset="0"/>
               </a:rPr>
-              <a:t>2016-08-19</a:t>
+              <a:t>2017-12-09</a:t>
             </a:fld>
-            <a:endParaRPr lang="ko-KR" altLang="en-US" sz="1200" b="0" cap="none" dirty="0" smtClean="0">
+            <a:endParaRPr lang="ko-KR" altLang="en-US" sz="1200" b="0" cap="none" dirty="0">
               <a:solidFill>
                 <a:srgbClr val="898989"/>
               </a:solidFill>
@@ -768,7 +817,7 @@
               <a:buFontTx/>
               <a:buNone/>
             </a:pPr>
-            <a:endParaRPr lang="ko-KR" altLang="en-US" sz="1200" b="0" cap="none" dirty="0" smtClean="0">
+            <a:endParaRPr lang="ko-KR" altLang="en-US" sz="1200" b="0" cap="none" dirty="0">
               <a:solidFill>
                 <a:srgbClr val="898989"/>
               </a:solidFill>
@@ -783,14 +832,6 @@
   <p:clrMapOvr>
     <a:masterClrMapping/>
   </p:clrMapOvr>
-  <mc:AlternateContent xmlns:mc="http://schemas.openxmlformats.org/markup-compatibility/2006" xmlns:p14="http://schemas.microsoft.com/office/powerpoint/2010/main">
-    <mc:Choice Requires="p14">
-      <p:transition p14:dur="0"/>
-    </mc:Choice>
-    <mc:Fallback xmlns="">
-      <p:transition spd="slow"/>
-    </mc:Fallback>
-  </mc:AlternateContent>
 </p:sldLayout>
 </file>
 
@@ -850,7 +891,7 @@
               <a:buNone/>
             </a:pPr>
             <a:r>
-              <a:rPr lang="en-US" altLang="ko-KR" sz="5900" b="0" cap="none" dirty="0" smtClean="0">
+              <a:rPr lang="en-US" altLang="ko-KR" sz="5900" b="0" cap="none" dirty="0">
                 <a:solidFill>
                   <a:schemeClr val="tx1"/>
                 </a:solidFill>
@@ -859,7 +900,7 @@
               </a:rPr>
               <a:t>마스터 부제목 스타일 편집</a:t>
             </a:r>
-            <a:endParaRPr lang="ko-KR" altLang="en-US" sz="5900" b="0" cap="none" dirty="0" smtClean="0">
+            <a:endParaRPr lang="ko-KR" altLang="en-US" sz="5900" b="0" cap="none" dirty="0">
               <a:solidFill>
                 <a:schemeClr val="tx1"/>
               </a:solidFill>
@@ -908,7 +949,7 @@
               <a:buNone/>
             </a:pPr>
             <a:r>
-              <a:rPr lang="en-US" altLang="ko-KR" sz="2800" b="0" cap="none" dirty="0" smtClean="0">
+              <a:rPr lang="en-US" altLang="ko-KR" sz="2800" b="0" cap="none" dirty="0">
                 <a:solidFill>
                   <a:schemeClr val="tx1"/>
                 </a:solidFill>
@@ -917,7 +958,7 @@
               </a:rPr>
               <a:t>마스터 텍스트 스타일을 편집합니다</a:t>
             </a:r>
-            <a:endParaRPr lang="ko-KR" altLang="en-US" sz="2800" b="0" cap="none" dirty="0" smtClean="0">
+            <a:endParaRPr lang="ko-KR" altLang="en-US" sz="2800" b="0" cap="none" dirty="0">
               <a:solidFill>
                 <a:schemeClr val="tx1"/>
               </a:solidFill>
@@ -940,7 +981,7 @@
               <a:buChar char="•"/>
             </a:pPr>
             <a:r>
-              <a:rPr lang="en-US" altLang="ko-KR" sz="2400" b="0" cap="none" dirty="0" smtClean="0">
+              <a:rPr lang="en-US" altLang="ko-KR" sz="2400" b="0" cap="none" dirty="0">
                 <a:solidFill>
                   <a:schemeClr val="tx1"/>
                 </a:solidFill>
@@ -949,7 +990,7 @@
               </a:rPr>
               <a:t>둘째 수준</a:t>
             </a:r>
-            <a:endParaRPr lang="ko-KR" altLang="en-US" sz="2400" b="0" cap="none" dirty="0" smtClean="0">
+            <a:endParaRPr lang="ko-KR" altLang="en-US" sz="2400" b="0" cap="none" dirty="0">
               <a:solidFill>
                 <a:schemeClr val="tx1"/>
               </a:solidFill>
@@ -972,7 +1013,7 @@
               <a:buChar char="•"/>
             </a:pPr>
             <a:r>
-              <a:rPr lang="en-US" altLang="ko-KR" sz="2000" b="0" cap="none" dirty="0" smtClean="0">
+              <a:rPr lang="en-US" altLang="ko-KR" sz="2000" b="0" cap="none" dirty="0">
                 <a:solidFill>
                   <a:schemeClr val="tx1"/>
                 </a:solidFill>
@@ -981,7 +1022,7 @@
               </a:rPr>
               <a:t>셋째 수준</a:t>
             </a:r>
-            <a:endParaRPr lang="ko-KR" altLang="en-US" sz="2000" b="0" cap="none" dirty="0" smtClean="0">
+            <a:endParaRPr lang="ko-KR" altLang="en-US" sz="2000" b="0" cap="none" dirty="0">
               <a:solidFill>
                 <a:schemeClr val="tx1"/>
               </a:solidFill>
@@ -1004,7 +1045,7 @@
               <a:buChar char="•"/>
             </a:pPr>
             <a:r>
-              <a:rPr lang="en-US" altLang="ko-KR" sz="1800" b="0" cap="none" dirty="0" smtClean="0">
+              <a:rPr lang="en-US" altLang="ko-KR" sz="1800" b="0" cap="none" dirty="0">
                 <a:solidFill>
                   <a:schemeClr val="tx1"/>
                 </a:solidFill>
@@ -1013,7 +1054,7 @@
               </a:rPr>
               <a:t>넷째 수준</a:t>
             </a:r>
-            <a:endParaRPr lang="ko-KR" altLang="en-US" sz="1800" b="0" cap="none" dirty="0" smtClean="0">
+            <a:endParaRPr lang="ko-KR" altLang="en-US" sz="1800" b="0" cap="none" dirty="0">
               <a:solidFill>
                 <a:schemeClr val="tx1"/>
               </a:solidFill>
@@ -1036,7 +1077,7 @@
               <a:buChar char="•"/>
             </a:pPr>
             <a:r>
-              <a:rPr lang="en-US" altLang="ko-KR" sz="1600" b="0" cap="none" dirty="0" smtClean="0">
+              <a:rPr lang="en-US" altLang="ko-KR" sz="1600" b="0" cap="none" dirty="0">
                 <a:solidFill>
                   <a:schemeClr val="tx1"/>
                 </a:solidFill>
@@ -1045,7 +1086,7 @@
               </a:rPr>
               <a:t>다섯째 수준</a:t>
             </a:r>
-            <a:endParaRPr lang="ko-KR" altLang="en-US" sz="1600" b="0" cap="none" dirty="0" smtClean="0">
+            <a:endParaRPr lang="ko-KR" altLang="en-US" sz="1600" b="0" cap="none" dirty="0">
               <a:solidFill>
                 <a:schemeClr val="tx1"/>
               </a:solidFill>
@@ -1103,7 +1144,7 @@
               </a:rPr>
               <a:t>‹#›</a:t>
             </a:fld>
-            <a:endParaRPr lang="ko-KR" altLang="en-US" sz="1200" b="0" cap="none" dirty="0" smtClean="0">
+            <a:endParaRPr lang="ko-KR" altLang="en-US" sz="1200" b="0" cap="none" dirty="0">
               <a:solidFill>
                 <a:srgbClr val="898989"/>
               </a:solidFill>
@@ -1159,9 +1200,9 @@
                 <a:latin typeface="맑은 고딕" charset="0"/>
                 <a:ea typeface="맑은 고딕" charset="0"/>
               </a:rPr>
-              <a:t>2016-08-19</a:t>
+              <a:t>2017-12-09</a:t>
             </a:fld>
-            <a:endParaRPr lang="ko-KR" altLang="en-US" sz="1200" b="0" cap="none" dirty="0" smtClean="0">
+            <a:endParaRPr lang="ko-KR" altLang="en-US" sz="1200" b="0" cap="none" dirty="0">
               <a:solidFill>
                 <a:srgbClr val="898989"/>
               </a:solidFill>
@@ -1209,7 +1250,7 @@
               <a:buFontTx/>
               <a:buNone/>
             </a:pPr>
-            <a:endParaRPr lang="ko-KR" altLang="en-US" sz="1200" b="0" cap="none" dirty="0" smtClean="0">
+            <a:endParaRPr lang="ko-KR" altLang="en-US" sz="1200" b="0" cap="none" dirty="0">
               <a:solidFill>
                 <a:srgbClr val="898989"/>
               </a:solidFill>
@@ -1224,14 +1265,6 @@
   <p:clrMapOvr>
     <a:masterClrMapping/>
   </p:clrMapOvr>
-  <mc:AlternateContent xmlns:mc="http://schemas.openxmlformats.org/markup-compatibility/2006" xmlns:p14="http://schemas.microsoft.com/office/powerpoint/2010/main">
-    <mc:Choice Requires="p14">
-      <p:transition p14:dur="0"/>
-    </mc:Choice>
-    <mc:Fallback xmlns="">
-      <p:transition spd="slow"/>
-    </mc:Fallback>
-  </mc:AlternateContent>
 </p:sldLayout>
 </file>
 
@@ -1291,7 +1324,7 @@
               <a:buNone/>
             </a:pPr>
             <a:r>
-              <a:rPr lang="en-US" altLang="ko-KR" sz="5900" b="0" cap="none" dirty="0" smtClean="0">
+              <a:rPr lang="en-US" altLang="ko-KR" sz="5900" b="0" cap="none" dirty="0">
                 <a:solidFill>
                   <a:schemeClr val="tx1"/>
                 </a:solidFill>
@@ -1300,7 +1333,7 @@
               </a:rPr>
               <a:t>마스터 제목 스타일 편집</a:t>
             </a:r>
-            <a:endParaRPr lang="ko-KR" altLang="en-US" sz="5900" b="0" cap="none" dirty="0" smtClean="0">
+            <a:endParaRPr lang="ko-KR" altLang="en-US" sz="5900" b="0" cap="none" dirty="0">
               <a:solidFill>
                 <a:schemeClr val="tx1"/>
               </a:solidFill>
@@ -1349,7 +1382,7 @@
               <a:buChar char="•"/>
             </a:pPr>
             <a:r>
-              <a:rPr lang="en-US" altLang="ko-KR" sz="2800" b="0" cap="none" dirty="0" smtClean="0">
+              <a:rPr lang="en-US" altLang="ko-KR" sz="2800" b="0" cap="none" dirty="0">
                 <a:solidFill>
                   <a:schemeClr val="tx1"/>
                 </a:solidFill>
@@ -1358,7 +1391,7 @@
               </a:rPr>
               <a:t>마스터 텍스트 스타일을 편집합니다</a:t>
             </a:r>
-            <a:endParaRPr lang="ko-KR" altLang="en-US" sz="2800" b="0" cap="none" dirty="0" smtClean="0">
+            <a:endParaRPr lang="ko-KR" altLang="en-US" sz="2800" b="0" cap="none" dirty="0">
               <a:solidFill>
                 <a:schemeClr val="tx1"/>
               </a:solidFill>
@@ -1381,7 +1414,7 @@
               <a:buChar char="•"/>
             </a:pPr>
             <a:r>
-              <a:rPr lang="en-US" altLang="ko-KR" sz="2400" b="0" cap="none" dirty="0" smtClean="0">
+              <a:rPr lang="en-US" altLang="ko-KR" sz="2400" b="0" cap="none" dirty="0">
                 <a:solidFill>
                   <a:schemeClr val="tx1"/>
                 </a:solidFill>
@@ -1390,7 +1423,7 @@
               </a:rPr>
               <a:t>둘째 수준</a:t>
             </a:r>
-            <a:endParaRPr lang="ko-KR" altLang="en-US" sz="2400" b="0" cap="none" dirty="0" smtClean="0">
+            <a:endParaRPr lang="ko-KR" altLang="en-US" sz="2400" b="0" cap="none" dirty="0">
               <a:solidFill>
                 <a:schemeClr val="tx1"/>
               </a:solidFill>
@@ -1413,7 +1446,7 @@
               <a:buChar char="•"/>
             </a:pPr>
             <a:r>
-              <a:rPr lang="en-US" altLang="ko-KR" sz="2000" b="0" cap="none" dirty="0" smtClean="0">
+              <a:rPr lang="en-US" altLang="ko-KR" sz="2000" b="0" cap="none" dirty="0">
                 <a:solidFill>
                   <a:schemeClr val="tx1"/>
                 </a:solidFill>
@@ -1422,7 +1455,7 @@
               </a:rPr>
               <a:t>셋째 수준</a:t>
             </a:r>
-            <a:endParaRPr lang="ko-KR" altLang="en-US" sz="2000" b="0" cap="none" dirty="0" smtClean="0">
+            <a:endParaRPr lang="ko-KR" altLang="en-US" sz="2000" b="0" cap="none" dirty="0">
               <a:solidFill>
                 <a:schemeClr val="tx1"/>
               </a:solidFill>
@@ -1445,7 +1478,7 @@
               <a:buChar char="•"/>
             </a:pPr>
             <a:r>
-              <a:rPr lang="en-US" altLang="ko-KR" sz="1800" b="0" cap="none" dirty="0" smtClean="0">
+              <a:rPr lang="en-US" altLang="ko-KR" sz="1800" b="0" cap="none" dirty="0">
                 <a:solidFill>
                   <a:schemeClr val="tx1"/>
                 </a:solidFill>
@@ -1454,7 +1487,7 @@
               </a:rPr>
               <a:t>넷째 수준</a:t>
             </a:r>
-            <a:endParaRPr lang="ko-KR" altLang="en-US" sz="1800" b="0" cap="none" dirty="0" smtClean="0">
+            <a:endParaRPr lang="ko-KR" altLang="en-US" sz="1800" b="0" cap="none" dirty="0">
               <a:solidFill>
                 <a:schemeClr val="tx1"/>
               </a:solidFill>
@@ -1477,7 +1510,7 @@
               <a:buChar char="•"/>
             </a:pPr>
             <a:r>
-              <a:rPr lang="en-US" altLang="ko-KR" sz="1600" b="0" cap="none" dirty="0" smtClean="0">
+              <a:rPr lang="en-US" altLang="ko-KR" sz="1600" b="0" cap="none" dirty="0">
                 <a:solidFill>
                   <a:schemeClr val="tx1"/>
                 </a:solidFill>
@@ -1486,7 +1519,7 @@
               </a:rPr>
               <a:t>다섯째 수준</a:t>
             </a:r>
-            <a:endParaRPr lang="ko-KR" altLang="en-US" sz="1600" b="0" cap="none" dirty="0" smtClean="0">
+            <a:endParaRPr lang="ko-KR" altLang="en-US" sz="1600" b="0" cap="none" dirty="0">
               <a:solidFill>
                 <a:schemeClr val="tx1"/>
               </a:solidFill>
@@ -1544,7 +1577,7 @@
               </a:rPr>
               <a:t>‹#›</a:t>
             </a:fld>
-            <a:endParaRPr lang="ko-KR" altLang="en-US" sz="1200" b="0" cap="none" dirty="0" smtClean="0">
+            <a:endParaRPr lang="ko-KR" altLang="en-US" sz="1200" b="0" cap="none" dirty="0">
               <a:solidFill>
                 <a:srgbClr val="898989"/>
               </a:solidFill>
@@ -1600,9 +1633,9 @@
                 <a:latin typeface="맑은 고딕" charset="0"/>
                 <a:ea typeface="맑은 고딕" charset="0"/>
               </a:rPr>
-              <a:t>2016-08-19</a:t>
+              <a:t>2017-12-09</a:t>
             </a:fld>
-            <a:endParaRPr lang="ko-KR" altLang="en-US" sz="1200" b="0" cap="none" dirty="0" smtClean="0">
+            <a:endParaRPr lang="ko-KR" altLang="en-US" sz="1200" b="0" cap="none" dirty="0">
               <a:solidFill>
                 <a:srgbClr val="898989"/>
               </a:solidFill>
@@ -1650,7 +1683,7 @@
               <a:buFontTx/>
               <a:buNone/>
             </a:pPr>
-            <a:endParaRPr lang="ko-KR" altLang="en-US" sz="1200" b="0" cap="none" dirty="0" smtClean="0">
+            <a:endParaRPr lang="ko-KR" altLang="en-US" sz="1200" b="0" cap="none" dirty="0">
               <a:solidFill>
                 <a:srgbClr val="898989"/>
               </a:solidFill>
@@ -1665,14 +1698,6 @@
   <p:clrMapOvr>
     <a:masterClrMapping/>
   </p:clrMapOvr>
-  <mc:AlternateContent xmlns:mc="http://schemas.openxmlformats.org/markup-compatibility/2006" xmlns:p14="http://schemas.microsoft.com/office/powerpoint/2010/main">
-    <mc:Choice Requires="p14">
-      <p:transition p14:dur="0"/>
-    </mc:Choice>
-    <mc:Fallback xmlns="">
-      <p:transition spd="slow"/>
-    </mc:Fallback>
-  </mc:AlternateContent>
 </p:sldLayout>
 </file>
 
@@ -1732,7 +1757,7 @@
               <a:buNone/>
             </a:pPr>
             <a:r>
-              <a:rPr lang="en-US" altLang="ko-KR" sz="5300" b="0" cap="none" dirty="0" smtClean="0">
+              <a:rPr lang="en-US" altLang="ko-KR" sz="5300" b="0" cap="none" dirty="0">
                 <a:solidFill>
                   <a:schemeClr val="tx1"/>
                 </a:solidFill>
@@ -1741,7 +1766,7 @@
               </a:rPr>
               <a:t>마스터 부제목 스타일 편집</a:t>
             </a:r>
-            <a:endParaRPr lang="ko-KR" altLang="en-US" sz="5300" b="0" cap="none" dirty="0" smtClean="0">
+            <a:endParaRPr lang="ko-KR" altLang="en-US" sz="5300" b="0" cap="none" dirty="0">
               <a:solidFill>
                 <a:schemeClr val="tx1"/>
               </a:solidFill>
@@ -1790,7 +1815,7 @@
               <a:buNone/>
             </a:pPr>
             <a:r>
-              <a:rPr lang="en-US" altLang="ko-KR" sz="2700" b="0" cap="none" dirty="0" smtClean="0">
+              <a:rPr lang="en-US" altLang="ko-KR" sz="2700" b="0" cap="none" dirty="0">
                 <a:solidFill>
                   <a:schemeClr val="tx1"/>
                 </a:solidFill>
@@ -1799,7 +1824,7 @@
               </a:rPr>
               <a:t>마스터 부제목 스타일 편집</a:t>
             </a:r>
-            <a:endParaRPr lang="ko-KR" altLang="en-US" sz="2700" b="0" cap="none" dirty="0" smtClean="0">
+            <a:endParaRPr lang="ko-KR" altLang="en-US" sz="2700" b="0" cap="none" dirty="0">
               <a:solidFill>
                 <a:schemeClr val="tx1"/>
               </a:solidFill>
@@ -1857,7 +1882,7 @@
               </a:rPr>
               <a:t>‹#›</a:t>
             </a:fld>
-            <a:endParaRPr lang="ko-KR" altLang="en-US" sz="1200" b="0" cap="none" dirty="0" smtClean="0">
+            <a:endParaRPr lang="ko-KR" altLang="en-US" sz="1200" b="0" cap="none" dirty="0">
               <a:solidFill>
                 <a:srgbClr val="898989"/>
               </a:solidFill>
@@ -1913,9 +1938,9 @@
                 <a:latin typeface="맑은 고딕" charset="0"/>
                 <a:ea typeface="맑은 고딕" charset="0"/>
               </a:rPr>
-              <a:t>2016-08-19</a:t>
+              <a:t>2017-12-09</a:t>
             </a:fld>
-            <a:endParaRPr lang="ko-KR" altLang="en-US" sz="1200" b="0" cap="none" dirty="0" smtClean="0">
+            <a:endParaRPr lang="ko-KR" altLang="en-US" sz="1200" b="0" cap="none" dirty="0">
               <a:solidFill>
                 <a:srgbClr val="898989"/>
               </a:solidFill>
@@ -1963,7 +1988,7 @@
               <a:buFontTx/>
               <a:buNone/>
             </a:pPr>
-            <a:endParaRPr lang="ko-KR" altLang="en-US" sz="1200" b="0" cap="none" dirty="0" smtClean="0">
+            <a:endParaRPr lang="ko-KR" altLang="en-US" sz="1200" b="0" cap="none" dirty="0">
               <a:solidFill>
                 <a:srgbClr val="898989"/>
               </a:solidFill>
@@ -1978,14 +2003,6 @@
   <p:clrMapOvr>
     <a:masterClrMapping/>
   </p:clrMapOvr>
-  <mc:AlternateContent xmlns:mc="http://schemas.openxmlformats.org/markup-compatibility/2006" xmlns:p14="http://schemas.microsoft.com/office/powerpoint/2010/main">
-    <mc:Choice Requires="p14">
-      <p:transition p14:dur="0"/>
-    </mc:Choice>
-    <mc:Fallback xmlns="">
-      <p:transition spd="slow"/>
-    </mc:Fallback>
-  </mc:AlternateContent>
 </p:sldLayout>
 </file>
 
@@ -2045,7 +2062,7 @@
               <a:buNone/>
             </a:pPr>
             <a:r>
-              <a:rPr lang="en-US" altLang="ko-KR" sz="5900" b="0" cap="none" dirty="0" smtClean="0">
+              <a:rPr lang="en-US" altLang="ko-KR" sz="5900" b="0" cap="none" dirty="0">
                 <a:solidFill>
                   <a:schemeClr val="tx1"/>
                 </a:solidFill>
@@ -2054,7 +2071,7 @@
               </a:rPr>
               <a:t>마스터 제목 스타일 편집</a:t>
             </a:r>
-            <a:endParaRPr lang="ko-KR" altLang="en-US" sz="5900" b="0" cap="none" dirty="0" smtClean="0">
+            <a:endParaRPr lang="ko-KR" altLang="en-US" sz="5900" b="0" cap="none" dirty="0">
               <a:solidFill>
                 <a:schemeClr val="tx1"/>
               </a:solidFill>
@@ -2103,7 +2120,7 @@
               <a:buChar char="•"/>
             </a:pPr>
             <a:r>
-              <a:rPr lang="en-US" altLang="ko-KR" sz="2800" b="0" cap="none" dirty="0" smtClean="0">
+              <a:rPr lang="en-US" altLang="ko-KR" sz="2800" b="0" cap="none" dirty="0">
                 <a:solidFill>
                   <a:schemeClr val="tx1"/>
                 </a:solidFill>
@@ -2112,7 +2129,7 @@
               </a:rPr>
               <a:t>마스터 텍스트 스타일을 편집합니다</a:t>
             </a:r>
-            <a:endParaRPr lang="ko-KR" altLang="en-US" sz="2800" b="0" cap="none" dirty="0" smtClean="0">
+            <a:endParaRPr lang="ko-KR" altLang="en-US" sz="2800" b="0" cap="none" dirty="0">
               <a:solidFill>
                 <a:schemeClr val="tx1"/>
               </a:solidFill>
@@ -2135,7 +2152,7 @@
               <a:buChar char="•"/>
             </a:pPr>
             <a:r>
-              <a:rPr lang="en-US" altLang="ko-KR" sz="2400" b="0" cap="none" dirty="0" smtClean="0">
+              <a:rPr lang="en-US" altLang="ko-KR" sz="2400" b="0" cap="none" dirty="0">
                 <a:solidFill>
                   <a:schemeClr val="tx1"/>
                 </a:solidFill>
@@ -2144,7 +2161,7 @@
               </a:rPr>
               <a:t>둘째 수준</a:t>
             </a:r>
-            <a:endParaRPr lang="ko-KR" altLang="en-US" sz="2400" b="0" cap="none" dirty="0" smtClean="0">
+            <a:endParaRPr lang="ko-KR" altLang="en-US" sz="2400" b="0" cap="none" dirty="0">
               <a:solidFill>
                 <a:schemeClr val="tx1"/>
               </a:solidFill>
@@ -2167,7 +2184,7 @@
               <a:buChar char="•"/>
             </a:pPr>
             <a:r>
-              <a:rPr lang="en-US" altLang="ko-KR" sz="2000" b="0" cap="none" dirty="0" smtClean="0">
+              <a:rPr lang="en-US" altLang="ko-KR" sz="2000" b="0" cap="none" dirty="0">
                 <a:solidFill>
                   <a:schemeClr val="tx1"/>
                 </a:solidFill>
@@ -2176,7 +2193,7 @@
               </a:rPr>
               <a:t>셋째 수준</a:t>
             </a:r>
-            <a:endParaRPr lang="ko-KR" altLang="en-US" sz="2000" b="0" cap="none" dirty="0" smtClean="0">
+            <a:endParaRPr lang="ko-KR" altLang="en-US" sz="2000" b="0" cap="none" dirty="0">
               <a:solidFill>
                 <a:schemeClr val="tx1"/>
               </a:solidFill>
@@ -2199,7 +2216,7 @@
               <a:buChar char="•"/>
             </a:pPr>
             <a:r>
-              <a:rPr lang="en-US" altLang="ko-KR" sz="1800" b="0" cap="none" dirty="0" smtClean="0">
+              <a:rPr lang="en-US" altLang="ko-KR" sz="1800" b="0" cap="none" dirty="0">
                 <a:solidFill>
                   <a:schemeClr val="tx1"/>
                 </a:solidFill>
@@ -2208,7 +2225,7 @@
               </a:rPr>
               <a:t>넷째 수준</a:t>
             </a:r>
-            <a:endParaRPr lang="ko-KR" altLang="en-US" sz="1800" b="0" cap="none" dirty="0" smtClean="0">
+            <a:endParaRPr lang="ko-KR" altLang="en-US" sz="1800" b="0" cap="none" dirty="0">
               <a:solidFill>
                 <a:schemeClr val="tx1"/>
               </a:solidFill>
@@ -2231,7 +2248,7 @@
               <a:buChar char="•"/>
             </a:pPr>
             <a:r>
-              <a:rPr lang="en-US" altLang="ko-KR" sz="1600" b="0" cap="none" dirty="0" smtClean="0">
+              <a:rPr lang="en-US" altLang="ko-KR" sz="1600" b="0" cap="none" dirty="0">
                 <a:solidFill>
                   <a:schemeClr val="tx1"/>
                 </a:solidFill>
@@ -2240,7 +2257,7 @@
               </a:rPr>
               <a:t>다섯째 수준</a:t>
             </a:r>
-            <a:endParaRPr lang="ko-KR" altLang="en-US" sz="1600" b="0" cap="none" dirty="0" smtClean="0">
+            <a:endParaRPr lang="ko-KR" altLang="en-US" sz="1600" b="0" cap="none" dirty="0">
               <a:solidFill>
                 <a:schemeClr val="tx1"/>
               </a:solidFill>
@@ -2289,7 +2306,7 @@
               <a:buChar char="•"/>
             </a:pPr>
             <a:r>
-              <a:rPr lang="en-US" altLang="ko-KR" sz="2800" b="0" cap="none" dirty="0" smtClean="0">
+              <a:rPr lang="en-US" altLang="ko-KR" sz="2800" b="0" cap="none" dirty="0">
                 <a:solidFill>
                   <a:schemeClr val="tx1"/>
                 </a:solidFill>
@@ -2298,7 +2315,7 @@
               </a:rPr>
               <a:t>마스터 텍스트 스타일을 편집합니다</a:t>
             </a:r>
-            <a:endParaRPr lang="ko-KR" altLang="en-US" sz="2800" b="0" cap="none" dirty="0" smtClean="0">
+            <a:endParaRPr lang="ko-KR" altLang="en-US" sz="2800" b="0" cap="none" dirty="0">
               <a:solidFill>
                 <a:schemeClr val="tx1"/>
               </a:solidFill>
@@ -2321,7 +2338,7 @@
               <a:buChar char="•"/>
             </a:pPr>
             <a:r>
-              <a:rPr lang="en-US" altLang="ko-KR" sz="2400" b="0" cap="none" dirty="0" smtClean="0">
+              <a:rPr lang="en-US" altLang="ko-KR" sz="2400" b="0" cap="none" dirty="0">
                 <a:solidFill>
                   <a:schemeClr val="tx1"/>
                 </a:solidFill>
@@ -2330,7 +2347,7 @@
               </a:rPr>
               <a:t>둘째 수준</a:t>
             </a:r>
-            <a:endParaRPr lang="ko-KR" altLang="en-US" sz="2400" b="0" cap="none" dirty="0" smtClean="0">
+            <a:endParaRPr lang="ko-KR" altLang="en-US" sz="2400" b="0" cap="none" dirty="0">
               <a:solidFill>
                 <a:schemeClr val="tx1"/>
               </a:solidFill>
@@ -2353,7 +2370,7 @@
               <a:buChar char="•"/>
             </a:pPr>
             <a:r>
-              <a:rPr lang="en-US" altLang="ko-KR" sz="2000" b="0" cap="none" dirty="0" smtClean="0">
+              <a:rPr lang="en-US" altLang="ko-KR" sz="2000" b="0" cap="none" dirty="0">
                 <a:solidFill>
                   <a:schemeClr val="tx1"/>
                 </a:solidFill>
@@ -2362,7 +2379,7 @@
               </a:rPr>
               <a:t>셋째 수준</a:t>
             </a:r>
-            <a:endParaRPr lang="ko-KR" altLang="en-US" sz="2000" b="0" cap="none" dirty="0" smtClean="0">
+            <a:endParaRPr lang="ko-KR" altLang="en-US" sz="2000" b="0" cap="none" dirty="0">
               <a:solidFill>
                 <a:schemeClr val="tx1"/>
               </a:solidFill>
@@ -2385,7 +2402,7 @@
               <a:buChar char="•"/>
             </a:pPr>
             <a:r>
-              <a:rPr lang="en-US" altLang="ko-KR" sz="1800" b="0" cap="none" dirty="0" smtClean="0">
+              <a:rPr lang="en-US" altLang="ko-KR" sz="1800" b="0" cap="none" dirty="0">
                 <a:solidFill>
                   <a:schemeClr val="tx1"/>
                 </a:solidFill>
@@ -2394,7 +2411,7 @@
               </a:rPr>
               <a:t>넷째 수준</a:t>
             </a:r>
-            <a:endParaRPr lang="ko-KR" altLang="en-US" sz="1800" b="0" cap="none" dirty="0" smtClean="0">
+            <a:endParaRPr lang="ko-KR" altLang="en-US" sz="1800" b="0" cap="none" dirty="0">
               <a:solidFill>
                 <a:schemeClr val="tx1"/>
               </a:solidFill>
@@ -2417,7 +2434,7 @@
               <a:buChar char="•"/>
             </a:pPr>
             <a:r>
-              <a:rPr lang="en-US" altLang="ko-KR" sz="1600" b="0" cap="none" dirty="0" smtClean="0">
+              <a:rPr lang="en-US" altLang="ko-KR" sz="1600" b="0" cap="none" dirty="0">
                 <a:solidFill>
                   <a:schemeClr val="tx1"/>
                 </a:solidFill>
@@ -2426,7 +2443,7 @@
               </a:rPr>
               <a:t>다섯째 수준</a:t>
             </a:r>
-            <a:endParaRPr lang="ko-KR" altLang="en-US" sz="1600" b="0" cap="none" dirty="0" smtClean="0">
+            <a:endParaRPr lang="ko-KR" altLang="en-US" sz="1600" b="0" cap="none" dirty="0">
               <a:solidFill>
                 <a:schemeClr val="tx1"/>
               </a:solidFill>
@@ -2484,7 +2501,7 @@
               </a:rPr>
               <a:t>‹#›</a:t>
             </a:fld>
-            <a:endParaRPr lang="ko-KR" altLang="en-US" sz="1200" b="0" cap="none" dirty="0" smtClean="0">
+            <a:endParaRPr lang="ko-KR" altLang="en-US" sz="1200" b="0" cap="none" dirty="0">
               <a:solidFill>
                 <a:srgbClr val="898989"/>
               </a:solidFill>
@@ -2540,9 +2557,9 @@
                 <a:latin typeface="맑은 고딕" charset="0"/>
                 <a:ea typeface="맑은 고딕" charset="0"/>
               </a:rPr>
-              <a:t>2016-08-19</a:t>
+              <a:t>2017-12-09</a:t>
             </a:fld>
-            <a:endParaRPr lang="ko-KR" altLang="en-US" sz="1200" b="0" cap="none" dirty="0" smtClean="0">
+            <a:endParaRPr lang="ko-KR" altLang="en-US" sz="1200" b="0" cap="none" dirty="0">
               <a:solidFill>
                 <a:srgbClr val="898989"/>
               </a:solidFill>
@@ -2590,7 +2607,7 @@
               <a:buFontTx/>
               <a:buNone/>
             </a:pPr>
-            <a:endParaRPr lang="ko-KR" altLang="en-US" sz="1200" b="0" cap="none" dirty="0" smtClean="0">
+            <a:endParaRPr lang="ko-KR" altLang="en-US" sz="1200" b="0" cap="none" dirty="0">
               <a:solidFill>
                 <a:srgbClr val="898989"/>
               </a:solidFill>
@@ -2605,14 +2622,6 @@
   <p:clrMapOvr>
     <a:masterClrMapping/>
   </p:clrMapOvr>
-  <mc:AlternateContent xmlns:mc="http://schemas.openxmlformats.org/markup-compatibility/2006" xmlns:p14="http://schemas.microsoft.com/office/powerpoint/2010/main">
-    <mc:Choice Requires="p14">
-      <p:transition p14:dur="0"/>
-    </mc:Choice>
-    <mc:Fallback xmlns="">
-      <p:transition spd="slow"/>
-    </mc:Fallback>
-  </mc:AlternateContent>
 </p:sldLayout>
 </file>
 
@@ -2672,7 +2681,7 @@
               <a:buNone/>
             </a:pPr>
             <a:r>
-              <a:rPr lang="en-US" altLang="ko-KR" sz="5900" b="0" cap="none" dirty="0" smtClean="0">
+              <a:rPr lang="en-US" altLang="ko-KR" sz="5900" b="0" cap="none" dirty="0">
                 <a:solidFill>
                   <a:schemeClr val="tx1"/>
                 </a:solidFill>
@@ -2681,7 +2690,7 @@
               </a:rPr>
               <a:t>마스터 제목 스타일 편집</a:t>
             </a:r>
-            <a:endParaRPr lang="ko-KR" altLang="en-US" sz="5900" b="0" cap="none" dirty="0" smtClean="0">
+            <a:endParaRPr lang="ko-KR" altLang="en-US" sz="5900" b="0" cap="none" dirty="0">
               <a:solidFill>
                 <a:schemeClr val="tx1"/>
               </a:solidFill>
@@ -2730,7 +2739,7 @@
               <a:buNone/>
             </a:pPr>
             <a:r>
-              <a:rPr lang="en-US" altLang="ko-KR" sz="3200" b="0" cap="none" dirty="0" smtClean="0">
+              <a:rPr lang="en-US" altLang="ko-KR" sz="3200" b="0" cap="none" dirty="0">
                 <a:solidFill>
                   <a:schemeClr val="tx1"/>
                 </a:solidFill>
@@ -2739,7 +2748,7 @@
               </a:rPr>
               <a:t>마스터 부제목 스타일 편집</a:t>
             </a:r>
-            <a:endParaRPr lang="ko-KR" altLang="en-US" sz="3200" b="0" cap="none" dirty="0" smtClean="0">
+            <a:endParaRPr lang="ko-KR" altLang="en-US" sz="3200" b="0" cap="none" dirty="0">
               <a:solidFill>
                 <a:schemeClr val="tx1"/>
               </a:solidFill>
@@ -2788,7 +2797,7 @@
               <a:buNone/>
             </a:pPr>
             <a:r>
-              <a:rPr lang="en-US" altLang="ko-KR" sz="3200" b="0" cap="none" dirty="0" smtClean="0">
+              <a:rPr lang="en-US" altLang="ko-KR" sz="3200" b="0" cap="none" dirty="0">
                 <a:solidFill>
                   <a:schemeClr val="tx1"/>
                 </a:solidFill>
@@ -2797,7 +2806,7 @@
               </a:rPr>
               <a:t>마스터 부제목 스타일 편집</a:t>
             </a:r>
-            <a:endParaRPr lang="ko-KR" altLang="en-US" sz="3200" b="0" cap="none" dirty="0" smtClean="0">
+            <a:endParaRPr lang="ko-KR" altLang="en-US" sz="3200" b="0" cap="none" dirty="0">
               <a:solidFill>
                 <a:schemeClr val="tx1"/>
               </a:solidFill>
@@ -2846,7 +2855,7 @@
               <a:buChar char="•"/>
             </a:pPr>
             <a:r>
-              <a:rPr lang="en-US" altLang="ko-KR" sz="2800" b="0" cap="none" dirty="0" smtClean="0">
+              <a:rPr lang="en-US" altLang="ko-KR" sz="2800" b="0" cap="none" dirty="0">
                 <a:solidFill>
                   <a:schemeClr val="tx1"/>
                 </a:solidFill>
@@ -2855,7 +2864,7 @@
               </a:rPr>
               <a:t>마스터 텍스트 스타일을 편집합니다</a:t>
             </a:r>
-            <a:endParaRPr lang="ko-KR" altLang="en-US" sz="2800" b="0" cap="none" dirty="0" smtClean="0">
+            <a:endParaRPr lang="ko-KR" altLang="en-US" sz="2800" b="0" cap="none" dirty="0">
               <a:solidFill>
                 <a:schemeClr val="tx1"/>
               </a:solidFill>
@@ -2878,7 +2887,7 @@
               <a:buChar char="•"/>
             </a:pPr>
             <a:r>
-              <a:rPr lang="en-US" altLang="ko-KR" sz="2400" b="0" cap="none" dirty="0" smtClean="0">
+              <a:rPr lang="en-US" altLang="ko-KR" sz="2400" b="0" cap="none" dirty="0">
                 <a:solidFill>
                   <a:schemeClr val="tx1"/>
                 </a:solidFill>
@@ -2887,7 +2896,7 @@
               </a:rPr>
               <a:t>둘째 수준</a:t>
             </a:r>
-            <a:endParaRPr lang="ko-KR" altLang="en-US" sz="2400" b="0" cap="none" dirty="0" smtClean="0">
+            <a:endParaRPr lang="ko-KR" altLang="en-US" sz="2400" b="0" cap="none" dirty="0">
               <a:solidFill>
                 <a:schemeClr val="tx1"/>
               </a:solidFill>
@@ -2910,7 +2919,7 @@
               <a:buChar char="•"/>
             </a:pPr>
             <a:r>
-              <a:rPr lang="en-US" altLang="ko-KR" sz="2000" b="0" cap="none" dirty="0" smtClean="0">
+              <a:rPr lang="en-US" altLang="ko-KR" sz="2000" b="0" cap="none" dirty="0">
                 <a:solidFill>
                   <a:schemeClr val="tx1"/>
                 </a:solidFill>
@@ -2919,7 +2928,7 @@
               </a:rPr>
               <a:t>셋째 수준</a:t>
             </a:r>
-            <a:endParaRPr lang="ko-KR" altLang="en-US" sz="2000" b="0" cap="none" dirty="0" smtClean="0">
+            <a:endParaRPr lang="ko-KR" altLang="en-US" sz="2000" b="0" cap="none" dirty="0">
               <a:solidFill>
                 <a:schemeClr val="tx1"/>
               </a:solidFill>
@@ -2942,7 +2951,7 @@
               <a:buChar char="•"/>
             </a:pPr>
             <a:r>
-              <a:rPr lang="en-US" altLang="ko-KR" sz="1800" b="0" cap="none" dirty="0" smtClean="0">
+              <a:rPr lang="en-US" altLang="ko-KR" sz="1800" b="0" cap="none" dirty="0">
                 <a:solidFill>
                   <a:schemeClr val="tx1"/>
                 </a:solidFill>
@@ -2951,7 +2960,7 @@
               </a:rPr>
               <a:t>넷째 수준</a:t>
             </a:r>
-            <a:endParaRPr lang="ko-KR" altLang="en-US" sz="1800" b="0" cap="none" dirty="0" smtClean="0">
+            <a:endParaRPr lang="ko-KR" altLang="en-US" sz="1800" b="0" cap="none" dirty="0">
               <a:solidFill>
                 <a:schemeClr val="tx1"/>
               </a:solidFill>
@@ -2974,7 +2983,7 @@
               <a:buChar char="•"/>
             </a:pPr>
             <a:r>
-              <a:rPr lang="en-US" altLang="ko-KR" sz="1600" b="0" cap="none" dirty="0" smtClean="0">
+              <a:rPr lang="en-US" altLang="ko-KR" sz="1600" b="0" cap="none" dirty="0">
                 <a:solidFill>
                   <a:schemeClr val="tx1"/>
                 </a:solidFill>
@@ -2983,7 +2992,7 @@
               </a:rPr>
               <a:t>다섯째 수준</a:t>
             </a:r>
-            <a:endParaRPr lang="ko-KR" altLang="en-US" sz="1600" b="0" cap="none" dirty="0" smtClean="0">
+            <a:endParaRPr lang="ko-KR" altLang="en-US" sz="1600" b="0" cap="none" dirty="0">
               <a:solidFill>
                 <a:schemeClr val="tx1"/>
               </a:solidFill>
@@ -3032,7 +3041,7 @@
               <a:buChar char="•"/>
             </a:pPr>
             <a:r>
-              <a:rPr lang="en-US" altLang="ko-KR" sz="2800" b="0" cap="none" dirty="0" smtClean="0">
+              <a:rPr lang="en-US" altLang="ko-KR" sz="2800" b="0" cap="none" dirty="0">
                 <a:solidFill>
                   <a:schemeClr val="tx1"/>
                 </a:solidFill>
@@ -3041,7 +3050,7 @@
               </a:rPr>
               <a:t>마스터 텍스트 스타일을 편집합니다</a:t>
             </a:r>
-            <a:endParaRPr lang="ko-KR" altLang="en-US" sz="2800" b="0" cap="none" dirty="0" smtClean="0">
+            <a:endParaRPr lang="ko-KR" altLang="en-US" sz="2800" b="0" cap="none" dirty="0">
               <a:solidFill>
                 <a:schemeClr val="tx1"/>
               </a:solidFill>
@@ -3064,7 +3073,7 @@
               <a:buChar char="•"/>
             </a:pPr>
             <a:r>
-              <a:rPr lang="en-US" altLang="ko-KR" sz="2400" b="0" cap="none" dirty="0" smtClean="0">
+              <a:rPr lang="en-US" altLang="ko-KR" sz="2400" b="0" cap="none" dirty="0">
                 <a:solidFill>
                   <a:schemeClr val="tx1"/>
                 </a:solidFill>
@@ -3073,7 +3082,7 @@
               </a:rPr>
               <a:t>둘째 수준</a:t>
             </a:r>
-            <a:endParaRPr lang="ko-KR" altLang="en-US" sz="2400" b="0" cap="none" dirty="0" smtClean="0">
+            <a:endParaRPr lang="ko-KR" altLang="en-US" sz="2400" b="0" cap="none" dirty="0">
               <a:solidFill>
                 <a:schemeClr val="tx1"/>
               </a:solidFill>
@@ -3096,7 +3105,7 @@
               <a:buChar char="•"/>
             </a:pPr>
             <a:r>
-              <a:rPr lang="en-US" altLang="ko-KR" sz="2000" b="0" cap="none" dirty="0" smtClean="0">
+              <a:rPr lang="en-US" altLang="ko-KR" sz="2000" b="0" cap="none" dirty="0">
                 <a:solidFill>
                   <a:schemeClr val="tx1"/>
                 </a:solidFill>
@@ -3105,7 +3114,7 @@
               </a:rPr>
               <a:t>셋째 수준</a:t>
             </a:r>
-            <a:endParaRPr lang="ko-KR" altLang="en-US" sz="2000" b="0" cap="none" dirty="0" smtClean="0">
+            <a:endParaRPr lang="ko-KR" altLang="en-US" sz="2000" b="0" cap="none" dirty="0">
               <a:solidFill>
                 <a:schemeClr val="tx1"/>
               </a:solidFill>
@@ -3128,7 +3137,7 @@
               <a:buChar char="•"/>
             </a:pPr>
             <a:r>
-              <a:rPr lang="en-US" altLang="ko-KR" sz="1800" b="0" cap="none" dirty="0" smtClean="0">
+              <a:rPr lang="en-US" altLang="ko-KR" sz="1800" b="0" cap="none" dirty="0">
                 <a:solidFill>
                   <a:schemeClr val="tx1"/>
                 </a:solidFill>
@@ -3137,7 +3146,7 @@
               </a:rPr>
               <a:t>넷째 수준</a:t>
             </a:r>
-            <a:endParaRPr lang="ko-KR" altLang="en-US" sz="1800" b="0" cap="none" dirty="0" smtClean="0">
+            <a:endParaRPr lang="ko-KR" altLang="en-US" sz="1800" b="0" cap="none" dirty="0">
               <a:solidFill>
                 <a:schemeClr val="tx1"/>
               </a:solidFill>
@@ -3160,7 +3169,7 @@
               <a:buChar char="•"/>
             </a:pPr>
             <a:r>
-              <a:rPr lang="en-US" altLang="ko-KR" sz="1600" b="0" cap="none" dirty="0" smtClean="0">
+              <a:rPr lang="en-US" altLang="ko-KR" sz="1600" b="0" cap="none" dirty="0">
                 <a:solidFill>
                   <a:schemeClr val="tx1"/>
                 </a:solidFill>
@@ -3169,7 +3178,7 @@
               </a:rPr>
               <a:t>다섯째 수준</a:t>
             </a:r>
-            <a:endParaRPr lang="ko-KR" altLang="en-US" sz="1600" b="0" cap="none" dirty="0" smtClean="0">
+            <a:endParaRPr lang="ko-KR" altLang="en-US" sz="1600" b="0" cap="none" dirty="0">
               <a:solidFill>
                 <a:schemeClr val="tx1"/>
               </a:solidFill>
@@ -3227,7 +3236,7 @@
               </a:rPr>
               <a:t>‹#›</a:t>
             </a:fld>
-            <a:endParaRPr lang="ko-KR" altLang="en-US" sz="1200" b="0" cap="none" dirty="0" smtClean="0">
+            <a:endParaRPr lang="ko-KR" altLang="en-US" sz="1200" b="0" cap="none" dirty="0">
               <a:solidFill>
                 <a:srgbClr val="898989"/>
               </a:solidFill>
@@ -3283,9 +3292,9 @@
                 <a:latin typeface="맑은 고딕" charset="0"/>
                 <a:ea typeface="맑은 고딕" charset="0"/>
               </a:rPr>
-              <a:t>2016-08-19</a:t>
+              <a:t>2017-12-09</a:t>
             </a:fld>
-            <a:endParaRPr lang="ko-KR" altLang="en-US" sz="1200" b="0" cap="none" dirty="0" smtClean="0">
+            <a:endParaRPr lang="ko-KR" altLang="en-US" sz="1200" b="0" cap="none" dirty="0">
               <a:solidFill>
                 <a:srgbClr val="898989"/>
               </a:solidFill>
@@ -3333,7 +3342,7 @@
               <a:buFontTx/>
               <a:buNone/>
             </a:pPr>
-            <a:endParaRPr lang="ko-KR" altLang="en-US" sz="1200" b="0" cap="none" dirty="0" smtClean="0">
+            <a:endParaRPr lang="ko-KR" altLang="en-US" sz="1200" b="0" cap="none" dirty="0">
               <a:solidFill>
                 <a:srgbClr val="898989"/>
               </a:solidFill>
@@ -3348,14 +3357,6 @@
   <p:clrMapOvr>
     <a:masterClrMapping/>
   </p:clrMapOvr>
-  <mc:AlternateContent xmlns:mc="http://schemas.openxmlformats.org/markup-compatibility/2006" xmlns:p14="http://schemas.microsoft.com/office/powerpoint/2010/main">
-    <mc:Choice Requires="p14">
-      <p:transition p14:dur="0"/>
-    </mc:Choice>
-    <mc:Fallback xmlns="">
-      <p:transition spd="slow"/>
-    </mc:Fallback>
-  </mc:AlternateContent>
 </p:sldLayout>
 </file>
 
@@ -3415,7 +3416,7 @@
               <a:buNone/>
             </a:pPr>
             <a:r>
-              <a:rPr lang="en-US" altLang="ko-KR" sz="5900" b="0" cap="none" dirty="0" smtClean="0">
+              <a:rPr lang="en-US" altLang="ko-KR" sz="5900" b="0" cap="none" dirty="0">
                 <a:solidFill>
                   <a:schemeClr val="tx1"/>
                 </a:solidFill>
@@ -3424,7 +3425,7 @@
               </a:rPr>
               <a:t>마스터 제목 스타일 편집</a:t>
             </a:r>
-            <a:endParaRPr lang="ko-KR" altLang="en-US" sz="5900" b="0" cap="none" dirty="0" smtClean="0">
+            <a:endParaRPr lang="ko-KR" altLang="en-US" sz="5900" b="0" cap="none" dirty="0">
               <a:solidFill>
                 <a:schemeClr val="tx1"/>
               </a:solidFill>
@@ -3482,7 +3483,7 @@
               </a:rPr>
               <a:t>‹#›</a:t>
             </a:fld>
-            <a:endParaRPr lang="ko-KR" altLang="en-US" sz="1200" b="0" cap="none" dirty="0" smtClean="0">
+            <a:endParaRPr lang="ko-KR" altLang="en-US" sz="1200" b="0" cap="none" dirty="0">
               <a:solidFill>
                 <a:srgbClr val="898989"/>
               </a:solidFill>
@@ -3538,9 +3539,9 @@
                 <a:latin typeface="맑은 고딕" charset="0"/>
                 <a:ea typeface="맑은 고딕" charset="0"/>
               </a:rPr>
-              <a:t>2016-08-19</a:t>
+              <a:t>2017-12-09</a:t>
             </a:fld>
-            <a:endParaRPr lang="ko-KR" altLang="en-US" sz="1200" b="0" cap="none" dirty="0" smtClean="0">
+            <a:endParaRPr lang="ko-KR" altLang="en-US" sz="1200" b="0" cap="none" dirty="0">
               <a:solidFill>
                 <a:srgbClr val="898989"/>
               </a:solidFill>
@@ -3588,7 +3589,7 @@
               <a:buFontTx/>
               <a:buNone/>
             </a:pPr>
-            <a:endParaRPr lang="ko-KR" altLang="en-US" sz="1200" b="0" cap="none" dirty="0" smtClean="0">
+            <a:endParaRPr lang="ko-KR" altLang="en-US" sz="1200" b="0" cap="none" dirty="0">
               <a:solidFill>
                 <a:srgbClr val="898989"/>
               </a:solidFill>
@@ -3603,14 +3604,6 @@
   <p:clrMapOvr>
     <a:masterClrMapping/>
   </p:clrMapOvr>
-  <mc:AlternateContent xmlns:mc="http://schemas.openxmlformats.org/markup-compatibility/2006" xmlns:p14="http://schemas.microsoft.com/office/powerpoint/2010/main">
-    <mc:Choice Requires="p14">
-      <p:transition p14:dur="0"/>
-    </mc:Choice>
-    <mc:Fallback xmlns="">
-      <p:transition spd="slow"/>
-    </mc:Fallback>
-  </mc:AlternateContent>
 </p:sldLayout>
 </file>
 
@@ -3679,7 +3672,7 @@
               </a:rPr>
               <a:t>‹#›</a:t>
             </a:fld>
-            <a:endParaRPr lang="ko-KR" altLang="en-US" sz="1200" b="0" cap="none" dirty="0" smtClean="0">
+            <a:endParaRPr lang="ko-KR" altLang="en-US" sz="1200" b="0" cap="none" dirty="0">
               <a:solidFill>
                 <a:srgbClr val="898989"/>
               </a:solidFill>
@@ -3735,9 +3728,9 @@
                 <a:latin typeface="맑은 고딕" charset="0"/>
                 <a:ea typeface="맑은 고딕" charset="0"/>
               </a:rPr>
-              <a:t>2016-08-19</a:t>
+              <a:t>2017-12-09</a:t>
             </a:fld>
-            <a:endParaRPr lang="ko-KR" altLang="en-US" sz="1200" b="0" cap="none" dirty="0" smtClean="0">
+            <a:endParaRPr lang="ko-KR" altLang="en-US" sz="1200" b="0" cap="none" dirty="0">
               <a:solidFill>
                 <a:srgbClr val="898989"/>
               </a:solidFill>
@@ -3785,7 +3778,7 @@
               <a:buFontTx/>
               <a:buNone/>
             </a:pPr>
-            <a:endParaRPr lang="ko-KR" altLang="en-US" sz="1200" b="0" cap="none" dirty="0" smtClean="0">
+            <a:endParaRPr lang="ko-KR" altLang="en-US" sz="1200" b="0" cap="none" dirty="0">
               <a:solidFill>
                 <a:srgbClr val="898989"/>
               </a:solidFill>
@@ -3800,14 +3793,6 @@
   <p:clrMapOvr>
     <a:masterClrMapping/>
   </p:clrMapOvr>
-  <mc:AlternateContent xmlns:mc="http://schemas.openxmlformats.org/markup-compatibility/2006" xmlns:p14="http://schemas.microsoft.com/office/powerpoint/2010/main">
-    <mc:Choice Requires="p14">
-      <p:transition p14:dur="0"/>
-    </mc:Choice>
-    <mc:Fallback xmlns="">
-      <p:transition spd="slow"/>
-    </mc:Fallback>
-  </mc:AlternateContent>
 </p:sldLayout>
 </file>
 
@@ -3867,7 +3852,7 @@
               <a:buNone/>
             </a:pPr>
             <a:r>
-              <a:rPr lang="en-US" altLang="ko-KR" sz="2700" b="0" cap="none" dirty="0" smtClean="0">
+              <a:rPr lang="en-US" altLang="ko-KR" sz="2700" b="0" cap="none" dirty="0">
                 <a:solidFill>
                   <a:schemeClr val="tx1"/>
                 </a:solidFill>
@@ -3876,7 +3861,7 @@
               </a:rPr>
               <a:t>마스터 부제목 스타일 편집</a:t>
             </a:r>
-            <a:endParaRPr lang="ko-KR" altLang="en-US" sz="2700" b="0" cap="none" dirty="0" smtClean="0">
+            <a:endParaRPr lang="ko-KR" altLang="en-US" sz="2700" b="0" cap="none" dirty="0">
               <a:solidFill>
                 <a:schemeClr val="tx1"/>
               </a:solidFill>
@@ -3925,7 +3910,7 @@
               <a:buChar char="•"/>
             </a:pPr>
             <a:r>
-              <a:rPr lang="en-US" altLang="ko-KR" sz="2800" b="0" cap="none" dirty="0" smtClean="0">
+              <a:rPr lang="en-US" altLang="ko-KR" sz="2800" b="0" cap="none" dirty="0">
                 <a:solidFill>
                   <a:schemeClr val="tx1"/>
                 </a:solidFill>
@@ -3934,7 +3919,7 @@
               </a:rPr>
               <a:t>마스터 텍스트 스타일을 편집합니다</a:t>
             </a:r>
-            <a:endParaRPr lang="ko-KR" altLang="en-US" sz="2800" b="0" cap="none" dirty="0" smtClean="0">
+            <a:endParaRPr lang="ko-KR" altLang="en-US" sz="2800" b="0" cap="none" dirty="0">
               <a:solidFill>
                 <a:schemeClr val="tx1"/>
               </a:solidFill>
@@ -3957,7 +3942,7 @@
               <a:buChar char="•"/>
             </a:pPr>
             <a:r>
-              <a:rPr lang="en-US" altLang="ko-KR" sz="2400" b="0" cap="none" dirty="0" smtClean="0">
+              <a:rPr lang="en-US" altLang="ko-KR" sz="2400" b="0" cap="none" dirty="0">
                 <a:solidFill>
                   <a:schemeClr val="tx1"/>
                 </a:solidFill>
@@ -3966,7 +3951,7 @@
               </a:rPr>
               <a:t>둘째 수준</a:t>
             </a:r>
-            <a:endParaRPr lang="ko-KR" altLang="en-US" sz="2400" b="0" cap="none" dirty="0" smtClean="0">
+            <a:endParaRPr lang="ko-KR" altLang="en-US" sz="2400" b="0" cap="none" dirty="0">
               <a:solidFill>
                 <a:schemeClr val="tx1"/>
               </a:solidFill>
@@ -3989,7 +3974,7 @@
               <a:buChar char="•"/>
             </a:pPr>
             <a:r>
-              <a:rPr lang="en-US" altLang="ko-KR" sz="2000" b="0" cap="none" dirty="0" smtClean="0">
+              <a:rPr lang="en-US" altLang="ko-KR" sz="2000" b="0" cap="none" dirty="0">
                 <a:solidFill>
                   <a:schemeClr val="tx1"/>
                 </a:solidFill>
@@ -3998,7 +3983,7 @@
               </a:rPr>
               <a:t>셋째 수준</a:t>
             </a:r>
-            <a:endParaRPr lang="ko-KR" altLang="en-US" sz="2000" b="0" cap="none" dirty="0" smtClean="0">
+            <a:endParaRPr lang="ko-KR" altLang="en-US" sz="2000" b="0" cap="none" dirty="0">
               <a:solidFill>
                 <a:schemeClr val="tx1"/>
               </a:solidFill>
@@ -4021,7 +4006,7 @@
               <a:buChar char="•"/>
             </a:pPr>
             <a:r>
-              <a:rPr lang="en-US" altLang="ko-KR" sz="1800" b="0" cap="none" dirty="0" smtClean="0">
+              <a:rPr lang="en-US" altLang="ko-KR" sz="1800" b="0" cap="none" dirty="0">
                 <a:solidFill>
                   <a:schemeClr val="tx1"/>
                 </a:solidFill>
@@ -4030,7 +4015,7 @@
               </a:rPr>
               <a:t>넷째 수준</a:t>
             </a:r>
-            <a:endParaRPr lang="ko-KR" altLang="en-US" sz="1800" b="0" cap="none" dirty="0" smtClean="0">
+            <a:endParaRPr lang="ko-KR" altLang="en-US" sz="1800" b="0" cap="none" dirty="0">
               <a:solidFill>
                 <a:schemeClr val="tx1"/>
               </a:solidFill>
@@ -4053,7 +4038,7 @@
               <a:buChar char="•"/>
             </a:pPr>
             <a:r>
-              <a:rPr lang="en-US" altLang="ko-KR" sz="1600" b="0" cap="none" dirty="0" smtClean="0">
+              <a:rPr lang="en-US" altLang="ko-KR" sz="1600" b="0" cap="none" dirty="0">
                 <a:solidFill>
                   <a:schemeClr val="tx1"/>
                 </a:solidFill>
@@ -4062,7 +4047,7 @@
               </a:rPr>
               <a:t>다섯째 수준</a:t>
             </a:r>
-            <a:endParaRPr lang="ko-KR" altLang="en-US" sz="1600" b="0" cap="none" dirty="0" smtClean="0">
+            <a:endParaRPr lang="ko-KR" altLang="en-US" sz="1600" b="0" cap="none" dirty="0">
               <a:solidFill>
                 <a:schemeClr val="tx1"/>
               </a:solidFill>
@@ -4111,7 +4096,7 @@
               <a:buNone/>
             </a:pPr>
             <a:r>
-              <a:rPr lang="en-US" altLang="ko-KR" sz="1900" b="0" cap="none" dirty="0" smtClean="0">
+              <a:rPr lang="en-US" altLang="ko-KR" sz="1900" b="0" cap="none" dirty="0">
                 <a:solidFill>
                   <a:schemeClr val="tx1"/>
                 </a:solidFill>
@@ -4120,7 +4105,7 @@
               </a:rPr>
               <a:t>마스터 부제목 스타일 편집</a:t>
             </a:r>
-            <a:endParaRPr lang="ko-KR" altLang="en-US" sz="1900" b="0" cap="none" dirty="0" smtClean="0">
+            <a:endParaRPr lang="ko-KR" altLang="en-US" sz="1900" b="0" cap="none" dirty="0">
               <a:solidFill>
                 <a:schemeClr val="tx1"/>
               </a:solidFill>
@@ -4178,7 +4163,7 @@
               </a:rPr>
               <a:t>‹#›</a:t>
             </a:fld>
-            <a:endParaRPr lang="ko-KR" altLang="en-US" sz="1200" b="0" cap="none" dirty="0" smtClean="0">
+            <a:endParaRPr lang="ko-KR" altLang="en-US" sz="1200" b="0" cap="none" dirty="0">
               <a:solidFill>
                 <a:srgbClr val="898989"/>
               </a:solidFill>
@@ -4234,9 +4219,9 @@
                 <a:latin typeface="맑은 고딕" charset="0"/>
                 <a:ea typeface="맑은 고딕" charset="0"/>
               </a:rPr>
-              <a:t>2016-08-19</a:t>
+              <a:t>2017-12-09</a:t>
             </a:fld>
-            <a:endParaRPr lang="ko-KR" altLang="en-US" sz="1200" b="0" cap="none" dirty="0" smtClean="0">
+            <a:endParaRPr lang="ko-KR" altLang="en-US" sz="1200" b="0" cap="none" dirty="0">
               <a:solidFill>
                 <a:srgbClr val="898989"/>
               </a:solidFill>
@@ -4284,7 +4269,7 @@
               <a:buFontTx/>
               <a:buNone/>
             </a:pPr>
-            <a:endParaRPr lang="ko-KR" altLang="en-US" sz="1200" b="0" cap="none" dirty="0" smtClean="0">
+            <a:endParaRPr lang="ko-KR" altLang="en-US" sz="1200" b="0" cap="none" dirty="0">
               <a:solidFill>
                 <a:srgbClr val="898989"/>
               </a:solidFill>
@@ -4299,14 +4284,6 @@
   <p:clrMapOvr>
     <a:masterClrMapping/>
   </p:clrMapOvr>
-  <mc:AlternateContent xmlns:mc="http://schemas.openxmlformats.org/markup-compatibility/2006" xmlns:p14="http://schemas.microsoft.com/office/powerpoint/2010/main">
-    <mc:Choice Requires="p14">
-      <p:transition p14:dur="0"/>
-    </mc:Choice>
-    <mc:Fallback xmlns="">
-      <p:transition spd="slow"/>
-    </mc:Fallback>
-  </mc:AlternateContent>
 </p:sldLayout>
 </file>
 
@@ -4366,7 +4343,7 @@
               <a:buNone/>
             </a:pPr>
             <a:r>
-              <a:rPr lang="en-US" altLang="ko-KR" sz="2700" b="0" cap="none" dirty="0" smtClean="0">
+              <a:rPr lang="en-US" altLang="ko-KR" sz="2700" b="0" cap="none" dirty="0">
                 <a:solidFill>
                   <a:schemeClr val="tx1"/>
                 </a:solidFill>
@@ -4375,7 +4352,7 @@
               </a:rPr>
               <a:t>마스터 부제목 스타일 편집</a:t>
             </a:r>
-            <a:endParaRPr lang="ko-KR" altLang="en-US" sz="2700" b="0" cap="none" dirty="0" smtClean="0">
+            <a:endParaRPr lang="ko-KR" altLang="en-US" sz="2700" b="0" cap="none" dirty="0">
               <a:solidFill>
                 <a:schemeClr val="tx1"/>
               </a:solidFill>
@@ -4424,7 +4401,7 @@
               <a:buNone/>
             </a:pPr>
             <a:r>
-              <a:rPr lang="en-US" altLang="ko-KR" sz="1900" b="0" cap="none" dirty="0" smtClean="0">
+              <a:rPr lang="en-US" altLang="ko-KR" sz="1900" b="0" cap="none" dirty="0">
                 <a:solidFill>
                   <a:schemeClr val="tx1"/>
                 </a:solidFill>
@@ -4433,7 +4410,7 @@
               </a:rPr>
               <a:t>마스터 부제목 스타일 편집</a:t>
             </a:r>
-            <a:endParaRPr lang="ko-KR" altLang="en-US" sz="1900" b="0" cap="none" dirty="0" smtClean="0">
+            <a:endParaRPr lang="ko-KR" altLang="en-US" sz="1900" b="0" cap="none" dirty="0">
               <a:solidFill>
                 <a:schemeClr val="tx1"/>
               </a:solidFill>
@@ -4482,7 +4459,7 @@
               <a:buNone/>
             </a:pPr>
             <a:r>
-              <a:rPr lang="en-US" altLang="ko-KR" sz="2000" b="0" cap="none" dirty="0" smtClean="0">
+              <a:rPr lang="en-US" altLang="ko-KR" sz="2000" b="0" cap="none" dirty="0">
                 <a:solidFill>
                   <a:schemeClr val="tx1"/>
                 </a:solidFill>
@@ -4491,7 +4468,7 @@
               </a:rPr>
               <a:t>그림</a:t>
             </a:r>
-            <a:endParaRPr lang="ko-KR" altLang="en-US" sz="2000" b="0" cap="none" dirty="0" smtClean="0">
+            <a:endParaRPr lang="ko-KR" altLang="en-US" sz="2000" b="0" cap="none" dirty="0">
               <a:solidFill>
                 <a:schemeClr val="tx1"/>
               </a:solidFill>
@@ -4549,7 +4526,7 @@
               </a:rPr>
               <a:t>‹#›</a:t>
             </a:fld>
-            <a:endParaRPr lang="ko-KR" altLang="en-US" sz="1200" b="0" cap="none" dirty="0" smtClean="0">
+            <a:endParaRPr lang="ko-KR" altLang="en-US" sz="1200" b="0" cap="none" dirty="0">
               <a:solidFill>
                 <a:srgbClr val="898989"/>
               </a:solidFill>
@@ -4605,9 +4582,9 @@
                 <a:latin typeface="맑은 고딕" charset="0"/>
                 <a:ea typeface="맑은 고딕" charset="0"/>
               </a:rPr>
-              <a:t>2016-08-19</a:t>
+              <a:t>2017-12-09</a:t>
             </a:fld>
-            <a:endParaRPr lang="ko-KR" altLang="en-US" sz="1200" b="0" cap="none" dirty="0" smtClean="0">
+            <a:endParaRPr lang="ko-KR" altLang="en-US" sz="1200" b="0" cap="none" dirty="0">
               <a:solidFill>
                 <a:srgbClr val="898989"/>
               </a:solidFill>
@@ -4655,7 +4632,7 @@
               <a:buFontTx/>
               <a:buNone/>
             </a:pPr>
-            <a:endParaRPr lang="ko-KR" altLang="en-US" sz="1200" b="0" cap="none" dirty="0" smtClean="0">
+            <a:endParaRPr lang="ko-KR" altLang="en-US" sz="1200" b="0" cap="none" dirty="0">
               <a:solidFill>
                 <a:srgbClr val="898989"/>
               </a:solidFill>
@@ -4670,14 +4647,6 @@
   <p:clrMapOvr>
     <a:masterClrMapping/>
   </p:clrMapOvr>
-  <mc:AlternateContent xmlns:mc="http://schemas.openxmlformats.org/markup-compatibility/2006" xmlns:p14="http://schemas.microsoft.com/office/powerpoint/2010/main">
-    <mc:Choice Requires="p14">
-      <p:transition p14:dur="0"/>
-    </mc:Choice>
-    <mc:Fallback xmlns="">
-      <p:transition spd="slow"/>
-    </mc:Fallback>
-  </mc:AlternateContent>
 </p:sldLayout>
 </file>
 
@@ -4745,7 +4714,7 @@
               <a:buNone/>
             </a:pPr>
             <a:r>
-              <a:rPr lang="en-US" altLang="ko-KR" sz="5900" b="0" cap="none" dirty="0" smtClean="0">
+              <a:rPr lang="en-US" altLang="ko-KR" sz="5900" b="0" cap="none" dirty="0">
                 <a:solidFill>
                   <a:schemeClr val="tx1"/>
                 </a:solidFill>
@@ -4754,7 +4723,7 @@
               </a:rPr>
               <a:t>마스터 제목 스타일 편집</a:t>
             </a:r>
-            <a:endParaRPr lang="ko-KR" altLang="en-US" sz="5900" b="0" cap="none" dirty="0" smtClean="0">
+            <a:endParaRPr lang="ko-KR" altLang="en-US" sz="5900" b="0" cap="none" dirty="0">
               <a:solidFill>
                 <a:schemeClr val="tx1"/>
               </a:solidFill>
@@ -4803,7 +4772,7 @@
               <a:buChar char="•"/>
             </a:pPr>
             <a:r>
-              <a:rPr lang="en-US" altLang="ko-KR" sz="2800" b="0" cap="none" dirty="0" smtClean="0">
+              <a:rPr lang="en-US" altLang="ko-KR" sz="2800" b="0" cap="none" dirty="0">
                 <a:solidFill>
                   <a:schemeClr val="tx1"/>
                 </a:solidFill>
@@ -4812,7 +4781,7 @@
               </a:rPr>
               <a:t>마스터 텍스트 스타일을 편집합니다</a:t>
             </a:r>
-            <a:endParaRPr lang="ko-KR" altLang="en-US" sz="2800" b="0" cap="none" dirty="0" smtClean="0">
+            <a:endParaRPr lang="ko-KR" altLang="en-US" sz="2800" b="0" cap="none" dirty="0">
               <a:solidFill>
                 <a:schemeClr val="tx1"/>
               </a:solidFill>
@@ -4835,7 +4804,7 @@
               <a:buChar char="•"/>
             </a:pPr>
             <a:r>
-              <a:rPr lang="en-US" altLang="ko-KR" sz="2400" b="0" cap="none" dirty="0" smtClean="0">
+              <a:rPr lang="en-US" altLang="ko-KR" sz="2400" b="0" cap="none" dirty="0">
                 <a:solidFill>
                   <a:schemeClr val="tx1"/>
                 </a:solidFill>
@@ -4844,7 +4813,7 @@
               </a:rPr>
               <a:t>둘째 수준</a:t>
             </a:r>
-            <a:endParaRPr lang="ko-KR" altLang="en-US" sz="2400" b="0" cap="none" dirty="0" smtClean="0">
+            <a:endParaRPr lang="ko-KR" altLang="en-US" sz="2400" b="0" cap="none" dirty="0">
               <a:solidFill>
                 <a:schemeClr val="tx1"/>
               </a:solidFill>
@@ -4867,7 +4836,7 @@
               <a:buChar char="•"/>
             </a:pPr>
             <a:r>
-              <a:rPr lang="en-US" altLang="ko-KR" sz="2000" b="0" cap="none" dirty="0" smtClean="0">
+              <a:rPr lang="en-US" altLang="ko-KR" sz="2000" b="0" cap="none" dirty="0">
                 <a:solidFill>
                   <a:schemeClr val="tx1"/>
                 </a:solidFill>
@@ -4876,7 +4845,7 @@
               </a:rPr>
               <a:t>셋째 수준</a:t>
             </a:r>
-            <a:endParaRPr lang="ko-KR" altLang="en-US" sz="2000" b="0" cap="none" dirty="0" smtClean="0">
+            <a:endParaRPr lang="ko-KR" altLang="en-US" sz="2000" b="0" cap="none" dirty="0">
               <a:solidFill>
                 <a:schemeClr val="tx1"/>
               </a:solidFill>
@@ -4899,7 +4868,7 @@
               <a:buChar char="•"/>
             </a:pPr>
             <a:r>
-              <a:rPr lang="en-US" altLang="ko-KR" sz="1800" b="0" cap="none" dirty="0" smtClean="0">
+              <a:rPr lang="en-US" altLang="ko-KR" sz="1800" b="0" cap="none" dirty="0">
                 <a:solidFill>
                   <a:schemeClr val="tx1"/>
                 </a:solidFill>
@@ -4908,7 +4877,7 @@
               </a:rPr>
               <a:t>넷째 수준</a:t>
             </a:r>
-            <a:endParaRPr lang="ko-KR" altLang="en-US" sz="1800" b="0" cap="none" dirty="0" smtClean="0">
+            <a:endParaRPr lang="ko-KR" altLang="en-US" sz="1800" b="0" cap="none" dirty="0">
               <a:solidFill>
                 <a:schemeClr val="tx1"/>
               </a:solidFill>
@@ -4931,7 +4900,7 @@
               <a:buChar char="•"/>
             </a:pPr>
             <a:r>
-              <a:rPr lang="en-US" altLang="ko-KR" sz="1600" b="0" cap="none" dirty="0" smtClean="0">
+              <a:rPr lang="en-US" altLang="ko-KR" sz="1600" b="0" cap="none" dirty="0">
                 <a:solidFill>
                   <a:schemeClr val="tx1"/>
                 </a:solidFill>
@@ -4940,7 +4909,7 @@
               </a:rPr>
               <a:t>다섯째 수준</a:t>
             </a:r>
-            <a:endParaRPr lang="ko-KR" altLang="en-US" sz="1600" b="0" cap="none" dirty="0" smtClean="0">
+            <a:endParaRPr lang="ko-KR" altLang="en-US" sz="1600" b="0" cap="none" dirty="0">
               <a:solidFill>
                 <a:schemeClr val="tx1"/>
               </a:solidFill>
@@ -4998,7 +4967,7 @@
               </a:rPr>
               <a:t>‹#›</a:t>
             </a:fld>
-            <a:endParaRPr lang="ko-KR" altLang="en-US" sz="1800" b="0" cap="none" dirty="0" smtClean="0">
+            <a:endParaRPr lang="ko-KR" altLang="en-US" sz="1800" b="0" cap="none" dirty="0">
               <a:solidFill>
                 <a:schemeClr val="tx1"/>
               </a:solidFill>
@@ -5054,9 +5023,9 @@
                 <a:latin typeface="맑은 고딕" charset="0"/>
                 <a:ea typeface="맑은 고딕" charset="0"/>
               </a:rPr>
-              <a:t>2016-08-19</a:t>
+              <a:t>2017-12-09</a:t>
             </a:fld>
-            <a:endParaRPr lang="ko-KR" altLang="en-US" sz="1800" b="0" cap="none" dirty="0" smtClean="0">
+            <a:endParaRPr lang="ko-KR" altLang="en-US" sz="1800" b="0" cap="none" dirty="0">
               <a:solidFill>
                 <a:schemeClr val="tx1"/>
               </a:solidFill>
@@ -5104,7 +5073,7 @@
               <a:buFontTx/>
               <a:buNone/>
             </a:pPr>
-            <a:endParaRPr lang="ko-KR" altLang="en-US" sz="1200" b="0" cap="none" dirty="0" smtClean="0">
+            <a:endParaRPr lang="ko-KR" altLang="en-US" sz="1200" b="0" cap="none" dirty="0">
               <a:solidFill>
                 <a:srgbClr val="898989"/>
               </a:solidFill>
@@ -5130,14 +5099,6 @@
     <p:sldLayoutId id="2147483660" r:id="rId10"/>
     <p:sldLayoutId id="2147483661" r:id="rId11"/>
   </p:sldLayoutIdLst>
-  <mc:AlternateContent xmlns:mc="http://schemas.openxmlformats.org/markup-compatibility/2006" xmlns:p14="http://schemas.microsoft.com/office/powerpoint/2010/main">
-    <mc:Choice Requires="p14">
-      <p:transition p14:dur="0"/>
-    </mc:Choice>
-    <mc:Fallback xmlns="">
-      <p:transition spd="slow"/>
-    </mc:Fallback>
-  </mc:AlternateContent>
   <p:txStyles>
     <p:titleStyle>
       <a:lvl1pPr marL="0" indent="0" algn="ctr" defTabSz="914400" latinLnBrk="1">
@@ -5247,15 +5208,69 @@
                 <a:tableStyleId>{5C22544A-7EE6-4342-B048-85BDC9FD1C3A}</a:tableStyleId>
               </a:tblPr>
               <a:tblGrid>
-                <a:gridCol w="1863090"/>
-                <a:gridCol w="965835"/>
-                <a:gridCol w="965835"/>
-                <a:gridCol w="965835"/>
-                <a:gridCol w="965835"/>
-                <a:gridCol w="965835"/>
-                <a:gridCol w="966470"/>
-                <a:gridCol w="966470"/>
-                <a:gridCol w="966470"/>
+                <a:gridCol w="1863090">
+                  <a:extLst>
+                    <a:ext uri="{9D8B030D-6E8A-4147-A177-3AD203B41FA5}">
+                      <a16:colId xmlns:a16="http://schemas.microsoft.com/office/drawing/2014/main" val="20000"/>
+                    </a:ext>
+                  </a:extLst>
+                </a:gridCol>
+                <a:gridCol w="965835">
+                  <a:extLst>
+                    <a:ext uri="{9D8B030D-6E8A-4147-A177-3AD203B41FA5}">
+                      <a16:colId xmlns:a16="http://schemas.microsoft.com/office/drawing/2014/main" val="20001"/>
+                    </a:ext>
+                  </a:extLst>
+                </a:gridCol>
+                <a:gridCol w="965835">
+                  <a:extLst>
+                    <a:ext uri="{9D8B030D-6E8A-4147-A177-3AD203B41FA5}">
+                      <a16:colId xmlns:a16="http://schemas.microsoft.com/office/drawing/2014/main" val="20002"/>
+                    </a:ext>
+                  </a:extLst>
+                </a:gridCol>
+                <a:gridCol w="965835">
+                  <a:extLst>
+                    <a:ext uri="{9D8B030D-6E8A-4147-A177-3AD203B41FA5}">
+                      <a16:colId xmlns:a16="http://schemas.microsoft.com/office/drawing/2014/main" val="20003"/>
+                    </a:ext>
+                  </a:extLst>
+                </a:gridCol>
+                <a:gridCol w="965835">
+                  <a:extLst>
+                    <a:ext uri="{9D8B030D-6E8A-4147-A177-3AD203B41FA5}">
+                      <a16:colId xmlns:a16="http://schemas.microsoft.com/office/drawing/2014/main" val="20004"/>
+                    </a:ext>
+                  </a:extLst>
+                </a:gridCol>
+                <a:gridCol w="965835">
+                  <a:extLst>
+                    <a:ext uri="{9D8B030D-6E8A-4147-A177-3AD203B41FA5}">
+                      <a16:colId xmlns:a16="http://schemas.microsoft.com/office/drawing/2014/main" val="20005"/>
+                    </a:ext>
+                  </a:extLst>
+                </a:gridCol>
+                <a:gridCol w="966470">
+                  <a:extLst>
+                    <a:ext uri="{9D8B030D-6E8A-4147-A177-3AD203B41FA5}">
+                      <a16:colId xmlns:a16="http://schemas.microsoft.com/office/drawing/2014/main" val="20006"/>
+                    </a:ext>
+                  </a:extLst>
+                </a:gridCol>
+                <a:gridCol w="966470">
+                  <a:extLst>
+                    <a:ext uri="{9D8B030D-6E8A-4147-A177-3AD203B41FA5}">
+                      <a16:colId xmlns:a16="http://schemas.microsoft.com/office/drawing/2014/main" val="20007"/>
+                    </a:ext>
+                  </a:extLst>
+                </a:gridCol>
+                <a:gridCol w="966470">
+                  <a:extLst>
+                    <a:ext uri="{9D8B030D-6E8A-4147-A177-3AD203B41FA5}">
+                      <a16:colId xmlns:a16="http://schemas.microsoft.com/office/drawing/2014/main" val="20008"/>
+                    </a:ext>
+                  </a:extLst>
+                </a:gridCol>
               </a:tblGrid>
               <a:tr h="429895">
                 <a:tc>
@@ -5263,7 +5278,7 @@
                     <a:bodyPr/>
                     <a:lstStyle/>
                     <a:p>
-                      <a:pPr marL="0" indent="0" algn="ctr" fontAlgn="auto" defTabSz="508000">
+                      <a:pPr marL="0" indent="0" algn="ctr" defTabSz="508000" fontAlgn="auto">
                         <a:lnSpc>
                           <a:spcPct val="100000"/>
                         </a:lnSpc>
@@ -5277,7 +5292,7 @@
                         <a:buNone/>
                       </a:pPr>
                       <a:r>
-                        <a:rPr lang="en-US" altLang="ko-KR" sz="1800" kern="1200" cap="none" dirty="0" smtClean="0" b="1">
+                        <a:rPr lang="en-US" altLang="ko-KR" sz="1800" b="1" kern="1200" cap="none" dirty="0">
                           <a:solidFill>
                             <a:schemeClr val="lt1"/>
                           </a:solidFill>
@@ -5286,7 +5301,7 @@
                         </a:rPr>
                         <a:t>개발일정</a:t>
                       </a:r>
-                      <a:endParaRPr lang="ko-KR" altLang="en-US" sz="1800" kern="1200" dirty="0" smtClean="0" cap="none" b="1">
+                      <a:endParaRPr lang="ko-KR" altLang="en-US" sz="1800" b="1" kern="1200" cap="none" dirty="0">
                         <a:solidFill>
                           <a:schemeClr val="lt1"/>
                         </a:solidFill>
@@ -5295,14 +5310,14 @@
                       </a:endParaRPr>
                     </a:p>
                   </a:txBody>
-                  <a:tcPr marL="90170" marR="90170" marT="46990" marB="46990" anchor="t"/>
+                  <a:tcPr marL="90170" marR="90170" marT="46990" marB="46990"/>
                 </a:tc>
                 <a:tc>
                   <a:txBody>
                     <a:bodyPr/>
                     <a:lstStyle/>
                     <a:p>
-                      <a:pPr marL="0" indent="0" algn="ctr" fontAlgn="auto" defTabSz="508000">
+                      <a:pPr marL="0" indent="0" algn="ctr" defTabSz="508000" fontAlgn="auto">
                         <a:lnSpc>
                           <a:spcPct val="100000"/>
                         </a:lnSpc>
@@ -5316,7 +5331,7 @@
                         <a:buNone/>
                       </a:pPr>
                       <a:r>
-                        <a:rPr lang="en-US" altLang="ko-KR" sz="1800" kern="1200" cap="none" dirty="0" smtClean="0" b="1">
+                        <a:rPr lang="en-US" altLang="ko-KR" sz="1800" b="1" kern="1200" cap="none" dirty="0">
                           <a:solidFill>
                             <a:schemeClr val="lt1"/>
                           </a:solidFill>
@@ -5325,7 +5340,7 @@
                         </a:rPr>
                         <a:t>1월</a:t>
                       </a:r>
-                      <a:endParaRPr lang="ko-KR" altLang="en-US" sz="1800" kern="1200" dirty="0" smtClean="0" cap="none" b="1">
+                      <a:endParaRPr lang="ko-KR" altLang="en-US" sz="1800" b="1" kern="1200" cap="none" dirty="0">
                         <a:solidFill>
                           <a:schemeClr val="lt1"/>
                         </a:solidFill>
@@ -5334,14 +5349,14 @@
                       </a:endParaRPr>
                     </a:p>
                   </a:txBody>
-                  <a:tcPr marL="90170" marR="90170" marT="46990" marB="46990" anchor="t"/>
+                  <a:tcPr marL="90170" marR="90170" marT="46990" marB="46990"/>
                 </a:tc>
                 <a:tc>
                   <a:txBody>
                     <a:bodyPr/>
                     <a:lstStyle/>
                     <a:p>
-                      <a:pPr marL="0" indent="0" algn="ctr" fontAlgn="auto" defTabSz="508000">
+                      <a:pPr marL="0" indent="0" algn="ctr" defTabSz="508000" fontAlgn="auto">
                         <a:lnSpc>
                           <a:spcPct val="100000"/>
                         </a:lnSpc>
@@ -5355,7 +5370,7 @@
                         <a:buNone/>
                       </a:pPr>
                       <a:r>
-                        <a:rPr lang="en-US" altLang="ko-KR" sz="1800" kern="1200" cap="none" dirty="0" smtClean="0" b="1">
+                        <a:rPr lang="en-US" altLang="ko-KR" sz="1800" b="1" kern="1200" cap="none" dirty="0">
                           <a:solidFill>
                             <a:schemeClr val="lt1"/>
                           </a:solidFill>
@@ -5364,7 +5379,7 @@
                         </a:rPr>
                         <a:t>2월</a:t>
                       </a:r>
-                      <a:endParaRPr lang="ko-KR" altLang="en-US" sz="1800" kern="1200" dirty="0" smtClean="0" cap="none" b="1">
+                      <a:endParaRPr lang="ko-KR" altLang="en-US" sz="1800" b="1" kern="1200" cap="none" dirty="0">
                         <a:solidFill>
                           <a:schemeClr val="lt1"/>
                         </a:solidFill>
@@ -5373,14 +5388,14 @@
                       </a:endParaRPr>
                     </a:p>
                   </a:txBody>
-                  <a:tcPr marL="90170" marR="90170" marT="46990" marB="46990" anchor="t"/>
+                  <a:tcPr marL="90170" marR="90170" marT="46990" marB="46990"/>
                 </a:tc>
                 <a:tc>
                   <a:txBody>
                     <a:bodyPr/>
                     <a:lstStyle/>
                     <a:p>
-                      <a:pPr marL="0" indent="0" algn="ctr" fontAlgn="auto" defTabSz="508000">
+                      <a:pPr marL="0" indent="0" algn="ctr" defTabSz="508000" fontAlgn="auto">
                         <a:lnSpc>
                           <a:spcPct val="100000"/>
                         </a:lnSpc>
@@ -5394,7 +5409,7 @@
                         <a:buNone/>
                       </a:pPr>
                       <a:r>
-                        <a:rPr lang="en-US" altLang="ko-KR" sz="1800" kern="1200" cap="none" dirty="0" smtClean="0" b="1">
+                        <a:rPr lang="en-US" altLang="ko-KR" sz="1800" b="1" kern="1200" cap="none" dirty="0">
                           <a:solidFill>
                             <a:schemeClr val="lt1"/>
                           </a:solidFill>
@@ -5403,7 +5418,7 @@
                         </a:rPr>
                         <a:t>3월</a:t>
                       </a:r>
-                      <a:endParaRPr lang="ko-KR" altLang="en-US" sz="1800" kern="1200" dirty="0" smtClean="0" cap="none" b="1">
+                      <a:endParaRPr lang="ko-KR" altLang="en-US" sz="1800" b="1" kern="1200" cap="none" dirty="0">
                         <a:solidFill>
                           <a:schemeClr val="lt1"/>
                         </a:solidFill>
@@ -5412,14 +5427,14 @@
                       </a:endParaRPr>
                     </a:p>
                   </a:txBody>
-                  <a:tcPr marL="90170" marR="90170" marT="46990" marB="46990" anchor="t"/>
+                  <a:tcPr marL="90170" marR="90170" marT="46990" marB="46990"/>
                 </a:tc>
                 <a:tc>
                   <a:txBody>
                     <a:bodyPr/>
                     <a:lstStyle/>
                     <a:p>
-                      <a:pPr marL="0" indent="0" algn="ctr" fontAlgn="auto" defTabSz="508000">
+                      <a:pPr marL="0" indent="0" algn="ctr" defTabSz="508000" fontAlgn="auto">
                         <a:lnSpc>
                           <a:spcPct val="100000"/>
                         </a:lnSpc>
@@ -5433,7 +5448,7 @@
                         <a:buNone/>
                       </a:pPr>
                       <a:r>
-                        <a:rPr lang="en-US" altLang="ko-KR" sz="1800" kern="1200" cap="none" dirty="0" smtClean="0" b="1">
+                        <a:rPr lang="en-US" altLang="ko-KR" sz="1800" b="1" kern="1200" cap="none" dirty="0">
                           <a:solidFill>
                             <a:schemeClr val="lt1"/>
                           </a:solidFill>
@@ -5442,7 +5457,7 @@
                         </a:rPr>
                         <a:t>4월</a:t>
                       </a:r>
-                      <a:endParaRPr lang="ko-KR" altLang="en-US" sz="1800" kern="1200" dirty="0" smtClean="0" cap="none" b="1">
+                      <a:endParaRPr lang="ko-KR" altLang="en-US" sz="1800" b="1" kern="1200" cap="none" dirty="0">
                         <a:solidFill>
                           <a:schemeClr val="lt1"/>
                         </a:solidFill>
@@ -5451,14 +5466,14 @@
                       </a:endParaRPr>
                     </a:p>
                   </a:txBody>
-                  <a:tcPr marL="90170" marR="90170" marT="46990" marB="46990" anchor="t"/>
+                  <a:tcPr marL="90170" marR="90170" marT="46990" marB="46990"/>
                 </a:tc>
                 <a:tc>
                   <a:txBody>
                     <a:bodyPr/>
                     <a:lstStyle/>
                     <a:p>
-                      <a:pPr marL="0" indent="0" algn="ctr" fontAlgn="auto" defTabSz="508000">
+                      <a:pPr marL="0" indent="0" algn="ctr" defTabSz="508000" fontAlgn="auto">
                         <a:lnSpc>
                           <a:spcPct val="100000"/>
                         </a:lnSpc>
@@ -5472,7 +5487,7 @@
                         <a:buNone/>
                       </a:pPr>
                       <a:r>
-                        <a:rPr lang="en-US" altLang="ko-KR" sz="1800" kern="1200" cap="none" dirty="0" smtClean="0" b="1">
+                        <a:rPr lang="en-US" altLang="ko-KR" sz="1800" b="1" kern="1200" cap="none" dirty="0">
                           <a:solidFill>
                             <a:schemeClr val="lt1"/>
                           </a:solidFill>
@@ -5481,7 +5496,7 @@
                         </a:rPr>
                         <a:t>5월</a:t>
                       </a:r>
-                      <a:endParaRPr lang="ko-KR" altLang="en-US" sz="1800" kern="1200" dirty="0" smtClean="0" cap="none" b="1">
+                      <a:endParaRPr lang="ko-KR" altLang="en-US" sz="1800" b="1" kern="1200" cap="none" dirty="0">
                         <a:solidFill>
                           <a:schemeClr val="lt1"/>
                         </a:solidFill>
@@ -5490,14 +5505,14 @@
                       </a:endParaRPr>
                     </a:p>
                   </a:txBody>
-                  <a:tcPr marL="90170" marR="90170" marT="46990" marB="46990" anchor="t"/>
+                  <a:tcPr marL="90170" marR="90170" marT="46990" marB="46990"/>
                 </a:tc>
                 <a:tc>
                   <a:txBody>
                     <a:bodyPr/>
                     <a:lstStyle/>
                     <a:p>
-                      <a:pPr marL="0" indent="0" algn="ctr" fontAlgn="auto" defTabSz="508000">
+                      <a:pPr marL="0" indent="0" algn="ctr" defTabSz="508000" fontAlgn="auto">
                         <a:lnSpc>
                           <a:spcPct val="100000"/>
                         </a:lnSpc>
@@ -5511,7 +5526,7 @@
                         <a:buNone/>
                       </a:pPr>
                       <a:r>
-                        <a:rPr lang="en-US" altLang="ko-KR" sz="1800" kern="1200" cap="none" dirty="0" smtClean="0" b="1">
+                        <a:rPr lang="en-US" altLang="ko-KR" sz="1800" b="1" kern="1200" cap="none" dirty="0">
                           <a:solidFill>
                             <a:schemeClr val="lt1"/>
                           </a:solidFill>
@@ -5520,7 +5535,7 @@
                         </a:rPr>
                         <a:t>6월</a:t>
                       </a:r>
-                      <a:endParaRPr lang="ko-KR" altLang="en-US" sz="1800" kern="1200" dirty="0" smtClean="0" cap="none" b="1">
+                      <a:endParaRPr lang="ko-KR" altLang="en-US" sz="1800" b="1" kern="1200" cap="none" dirty="0">
                         <a:solidFill>
                           <a:schemeClr val="lt1"/>
                         </a:solidFill>
@@ -5529,14 +5544,14 @@
                       </a:endParaRPr>
                     </a:p>
                   </a:txBody>
-                  <a:tcPr marL="90170" marR="90170" marT="46990" marB="46990" anchor="t"/>
+                  <a:tcPr marL="90170" marR="90170" marT="46990" marB="46990"/>
                 </a:tc>
                 <a:tc>
                   <a:txBody>
                     <a:bodyPr/>
                     <a:lstStyle/>
                     <a:p>
-                      <a:pPr marL="0" indent="0" algn="ctr" fontAlgn="auto" defTabSz="508000">
+                      <a:pPr marL="0" indent="0" algn="ctr" defTabSz="508000" fontAlgn="auto">
                         <a:lnSpc>
                           <a:spcPct val="100000"/>
                         </a:lnSpc>
@@ -5550,7 +5565,7 @@
                         <a:buNone/>
                       </a:pPr>
                       <a:r>
-                        <a:rPr lang="en-US" altLang="ko-KR" sz="1800" kern="1200" cap="none" dirty="0" smtClean="0" b="1">
+                        <a:rPr lang="en-US" altLang="ko-KR" sz="1800" b="1" kern="1200" cap="none" dirty="0">
                           <a:solidFill>
                             <a:schemeClr val="lt1"/>
                           </a:solidFill>
@@ -5559,7 +5574,7 @@
                         </a:rPr>
                         <a:t>7월</a:t>
                       </a:r>
-                      <a:endParaRPr lang="ko-KR" altLang="en-US" sz="1800" kern="1200" dirty="0" smtClean="0" cap="none" b="1">
+                      <a:endParaRPr lang="ko-KR" altLang="en-US" sz="1800" b="1" kern="1200" cap="none" dirty="0">
                         <a:solidFill>
                           <a:schemeClr val="lt1"/>
                         </a:solidFill>
@@ -5568,14 +5583,14 @@
                       </a:endParaRPr>
                     </a:p>
                   </a:txBody>
-                  <a:tcPr marL="90170" marR="90170" marT="46990" marB="46990" anchor="t"/>
+                  <a:tcPr marL="90170" marR="90170" marT="46990" marB="46990"/>
                 </a:tc>
                 <a:tc>
                   <a:txBody>
                     <a:bodyPr/>
                     <a:lstStyle/>
                     <a:p>
-                      <a:pPr marL="0" indent="0" algn="ctr" fontAlgn="auto" defTabSz="508000">
+                      <a:pPr marL="0" indent="0" algn="ctr" defTabSz="508000" fontAlgn="auto">
                         <a:lnSpc>
                           <a:spcPct val="100000"/>
                         </a:lnSpc>
@@ -5589,7 +5604,7 @@
                         <a:buNone/>
                       </a:pPr>
                       <a:r>
-                        <a:rPr lang="en-US" altLang="ko-KR" sz="1800" kern="1200" cap="none" dirty="0" smtClean="0" b="1">
+                        <a:rPr lang="en-US" altLang="ko-KR" sz="1800" b="1" kern="1200" cap="none" dirty="0">
                           <a:solidFill>
                             <a:schemeClr val="lt1"/>
                           </a:solidFill>
@@ -5598,7 +5613,7 @@
                         </a:rPr>
                         <a:t>8월</a:t>
                       </a:r>
-                      <a:endParaRPr lang="ko-KR" altLang="en-US" sz="1800" kern="1200" dirty="0" smtClean="0" cap="none" b="1">
+                      <a:endParaRPr lang="ko-KR" altLang="en-US" sz="1800" b="1" kern="1200" cap="none" dirty="0">
                         <a:solidFill>
                           <a:schemeClr val="lt1"/>
                         </a:solidFill>
@@ -5607,8 +5622,13 @@
                       </a:endParaRPr>
                     </a:p>
                   </a:txBody>
-                  <a:tcPr marL="90170" marR="90170" marT="46990" marB="46990" anchor="t"/>
-                </a:tc>
+                  <a:tcPr marL="90170" marR="90170" marT="46990" marB="46990"/>
+                </a:tc>
+                <a:extLst>
+                  <a:ext uri="{0D108BD9-81ED-4DB2-BD59-A6C34878D82A}">
+                    <a16:rowId xmlns:a16="http://schemas.microsoft.com/office/drawing/2014/main" val="10000"/>
+                  </a:ext>
+                </a:extLst>
               </a:tr>
               <a:tr h="507365">
                 <a:tc>
@@ -5616,7 +5636,7 @@
                     <a:bodyPr/>
                     <a:lstStyle/>
                     <a:p>
-                      <a:pPr marL="0" indent="0" algn="ctr" fontAlgn="auto" defTabSz="508000">
+                      <a:pPr marL="0" indent="0" algn="ctr" defTabSz="508000" fontAlgn="auto">
                         <a:lnSpc>
                           <a:spcPct val="100000"/>
                         </a:lnSpc>
@@ -5630,7 +5650,7 @@
                         <a:buNone/>
                       </a:pPr>
                       <a:r>
-                        <a:rPr lang="en-US" altLang="ko-KR" sz="1400" kern="1200" cap="none" dirty="0" smtClean="0" b="1">
+                        <a:rPr lang="en-US" altLang="ko-KR" sz="1400" b="1" kern="1200" cap="none" dirty="0">
                           <a:solidFill>
                             <a:schemeClr val="dk1"/>
                           </a:solidFill>
@@ -5639,7 +5659,7 @@
                         </a:rPr>
                         <a:t>프레임워크 제작</a:t>
                       </a:r>
-                      <a:endParaRPr lang="ko-KR" altLang="en-US" sz="1400" kern="1200" dirty="0" smtClean="0" cap="none" b="1">
+                      <a:endParaRPr lang="ko-KR" altLang="en-US" sz="1400" b="1" kern="1200" cap="none" dirty="0">
                         <a:solidFill>
                           <a:schemeClr val="dk1"/>
                         </a:solidFill>
@@ -5648,14 +5668,14 @@
                       </a:endParaRPr>
                     </a:p>
                   </a:txBody>
-                  <a:tcPr marL="90170" marR="90170" marT="46990" marB="46990" anchor="t"/>
+                  <a:tcPr marL="90170" marR="90170" marT="46990" marB="46990"/>
                 </a:tc>
                 <a:tc rowSpan="5">
                   <a:txBody>
                     <a:bodyPr/>
                     <a:lstStyle/>
                     <a:p>
-                      <a:pPr marL="0" indent="0" algn="just" fontAlgn="auto" defTabSz="508000">
+                      <a:pPr marL="0" indent="0" algn="just" defTabSz="508000" fontAlgn="auto">
                         <a:lnSpc>
                           <a:spcPct val="100000"/>
                         </a:lnSpc>
@@ -5668,7 +5688,7 @@
                         <a:buFontTx/>
                         <a:buNone/>
                       </a:pPr>
-                      <a:endParaRPr lang="ko-KR" altLang="en-US" sz="1200" kern="1200" dirty="0" smtClean="0" cap="none" b="0">
+                      <a:endParaRPr lang="ko-KR" altLang="en-US" sz="1200" b="0" kern="1200" cap="none" dirty="0">
                         <a:solidFill>
                           <a:schemeClr val="dk1"/>
                         </a:solidFill>
@@ -5677,14 +5697,14 @@
                       </a:endParaRPr>
                     </a:p>
                   </a:txBody>
-                  <a:tcPr marL="90170" marR="90170" marT="46990" marB="46990" anchor="t"/>
+                  <a:tcPr marL="90170" marR="90170" marT="46990" marB="46990"/>
                 </a:tc>
                 <a:tc rowSpan="5">
                   <a:txBody>
                     <a:bodyPr/>
                     <a:lstStyle/>
                     <a:p>
-                      <a:pPr marL="0" indent="0" algn="just" fontAlgn="auto" defTabSz="508000">
+                      <a:pPr marL="0" indent="0" algn="just" defTabSz="508000" fontAlgn="auto">
                         <a:lnSpc>
                           <a:spcPct val="100000"/>
                         </a:lnSpc>
@@ -5697,7 +5717,7 @@
                         <a:buFontTx/>
                         <a:buNone/>
                       </a:pPr>
-                      <a:endParaRPr lang="ko-KR" altLang="en-US" sz="1200" kern="1200" dirty="0" smtClean="0" cap="none" b="0">
+                      <a:endParaRPr lang="ko-KR" altLang="en-US" sz="1200" b="0" kern="1200" cap="none" dirty="0">
                         <a:solidFill>
                           <a:schemeClr val="dk1"/>
                         </a:solidFill>
@@ -5706,14 +5726,14 @@
                       </a:endParaRPr>
                     </a:p>
                   </a:txBody>
-                  <a:tcPr marL="90170" marR="90170" marT="46990" marB="46990" anchor="t"/>
+                  <a:tcPr marL="90170" marR="90170" marT="46990" marB="46990"/>
                 </a:tc>
                 <a:tc rowSpan="5">
                   <a:txBody>
                     <a:bodyPr/>
                     <a:lstStyle/>
                     <a:p>
-                      <a:pPr marL="0" indent="0" algn="just" fontAlgn="auto" defTabSz="508000">
+                      <a:pPr marL="0" indent="0" algn="just" defTabSz="508000" fontAlgn="auto">
                         <a:lnSpc>
                           <a:spcPct val="100000"/>
                         </a:lnSpc>
@@ -5726,7 +5746,7 @@
                         <a:buFontTx/>
                         <a:buNone/>
                       </a:pPr>
-                      <a:endParaRPr lang="ko-KR" altLang="en-US" sz="1200" kern="1200" dirty="0" smtClean="0" cap="none" b="0">
+                      <a:endParaRPr lang="ko-KR" altLang="en-US" sz="1200" b="0" kern="1200" cap="none" dirty="0">
                         <a:solidFill>
                           <a:schemeClr val="dk1"/>
                         </a:solidFill>
@@ -5735,14 +5755,14 @@
                       </a:endParaRPr>
                     </a:p>
                   </a:txBody>
-                  <a:tcPr marL="90170" marR="90170" marT="46990" marB="46990" anchor="t"/>
+                  <a:tcPr marL="90170" marR="90170" marT="46990" marB="46990"/>
                 </a:tc>
                 <a:tc rowSpan="5">
                   <a:txBody>
                     <a:bodyPr/>
                     <a:lstStyle/>
                     <a:p>
-                      <a:pPr marL="0" indent="0" algn="just" fontAlgn="auto" defTabSz="508000">
+                      <a:pPr marL="0" indent="0" algn="just" defTabSz="508000" fontAlgn="auto">
                         <a:lnSpc>
                           <a:spcPct val="100000"/>
                         </a:lnSpc>
@@ -5755,7 +5775,7 @@
                         <a:buFontTx/>
                         <a:buNone/>
                       </a:pPr>
-                      <a:endParaRPr lang="ko-KR" altLang="en-US" sz="1200" kern="1200" dirty="0" smtClean="0" cap="none" b="0">
+                      <a:endParaRPr lang="ko-KR" altLang="en-US" sz="1200" b="0" kern="1200" cap="none" dirty="0">
                         <a:solidFill>
                           <a:schemeClr val="dk1"/>
                         </a:solidFill>
@@ -5764,14 +5784,14 @@
                       </a:endParaRPr>
                     </a:p>
                   </a:txBody>
-                  <a:tcPr marL="90170" marR="90170" marT="46990" marB="46990" anchor="t"/>
+                  <a:tcPr marL="90170" marR="90170" marT="46990" marB="46990"/>
                 </a:tc>
                 <a:tc rowSpan="5">
                   <a:txBody>
                     <a:bodyPr/>
                     <a:lstStyle/>
                     <a:p>
-                      <a:pPr marL="0" indent="0" algn="just" fontAlgn="auto" defTabSz="508000">
+                      <a:pPr marL="0" indent="0" algn="just" defTabSz="508000" fontAlgn="auto">
                         <a:lnSpc>
                           <a:spcPct val="100000"/>
                         </a:lnSpc>
@@ -5784,7 +5804,7 @@
                         <a:buFontTx/>
                         <a:buNone/>
                       </a:pPr>
-                      <a:endParaRPr lang="ko-KR" altLang="en-US" sz="1200" kern="1200" dirty="0" smtClean="0" cap="none" b="0">
+                      <a:endParaRPr lang="ko-KR" altLang="en-US" sz="1200" b="0" kern="1200" cap="none" dirty="0">
                         <a:solidFill>
                           <a:schemeClr val="dk1"/>
                         </a:solidFill>
@@ -5793,14 +5813,14 @@
                       </a:endParaRPr>
                     </a:p>
                   </a:txBody>
-                  <a:tcPr marL="90170" marR="90170" marT="46990" marB="46990" anchor="t"/>
+                  <a:tcPr marL="90170" marR="90170" marT="46990" marB="46990"/>
                 </a:tc>
                 <a:tc rowSpan="5">
                   <a:txBody>
                     <a:bodyPr/>
                     <a:lstStyle/>
                     <a:p>
-                      <a:pPr marL="0" indent="0" algn="just" fontAlgn="auto" defTabSz="508000">
+                      <a:pPr marL="0" indent="0" algn="just" defTabSz="508000" fontAlgn="auto">
                         <a:lnSpc>
                           <a:spcPct val="100000"/>
                         </a:lnSpc>
@@ -5813,7 +5833,7 @@
                         <a:buFontTx/>
                         <a:buNone/>
                       </a:pPr>
-                      <a:endParaRPr lang="ko-KR" altLang="en-US" sz="1200" kern="1200" dirty="0" smtClean="0" cap="none" b="0">
+                      <a:endParaRPr lang="ko-KR" altLang="en-US" sz="1200" b="0" kern="1200" cap="none" dirty="0">
                         <a:solidFill>
                           <a:schemeClr val="dk1"/>
                         </a:solidFill>
@@ -5822,14 +5842,14 @@
                       </a:endParaRPr>
                     </a:p>
                   </a:txBody>
-                  <a:tcPr marL="90170" marR="90170" marT="46990" marB="46990" anchor="t"/>
+                  <a:tcPr marL="90170" marR="90170" marT="46990" marB="46990"/>
                 </a:tc>
                 <a:tc rowSpan="5">
                   <a:txBody>
                     <a:bodyPr/>
                     <a:lstStyle/>
                     <a:p>
-                      <a:pPr marL="0" indent="0" algn="just" fontAlgn="auto" defTabSz="508000">
+                      <a:pPr marL="0" indent="0" algn="just" defTabSz="508000" fontAlgn="auto">
                         <a:lnSpc>
                           <a:spcPct val="100000"/>
                         </a:lnSpc>
@@ -5842,7 +5862,7 @@
                         <a:buFontTx/>
                         <a:buNone/>
                       </a:pPr>
-                      <a:endParaRPr lang="ko-KR" altLang="en-US" sz="1200" kern="1200" dirty="0" smtClean="0" cap="none" b="0">
+                      <a:endParaRPr lang="ko-KR" altLang="en-US" sz="1200" b="0" kern="1200" cap="none" dirty="0">
                         <a:solidFill>
                           <a:schemeClr val="dk1"/>
                         </a:solidFill>
@@ -5851,14 +5871,14 @@
                       </a:endParaRPr>
                     </a:p>
                   </a:txBody>
-                  <a:tcPr marL="90170" marR="90170" marT="46990" marB="46990" anchor="t"/>
+                  <a:tcPr marL="90170" marR="90170" marT="46990" marB="46990"/>
                 </a:tc>
                 <a:tc rowSpan="5">
                   <a:txBody>
                     <a:bodyPr/>
                     <a:lstStyle/>
                     <a:p>
-                      <a:pPr marL="0" indent="0" algn="just" fontAlgn="auto" defTabSz="508000">
+                      <a:pPr marL="0" indent="0" algn="just" defTabSz="508000" fontAlgn="auto">
                         <a:lnSpc>
                           <a:spcPct val="100000"/>
                         </a:lnSpc>
@@ -5871,7 +5891,7 @@
                         <a:buFontTx/>
                         <a:buNone/>
                       </a:pPr>
-                      <a:endParaRPr lang="ko-KR" altLang="en-US" sz="1200" kern="1200" dirty="0" smtClean="0" cap="none" b="0">
+                      <a:endParaRPr lang="ko-KR" altLang="en-US" sz="1200" b="0" kern="1200" cap="none" dirty="0">
                         <a:solidFill>
                           <a:schemeClr val="dk1"/>
                         </a:solidFill>
@@ -5880,8 +5900,13 @@
                       </a:endParaRPr>
                     </a:p>
                   </a:txBody>
-                  <a:tcPr marL="90170" marR="90170" marT="46990" marB="46990" anchor="t"/>
-                </a:tc>
+                  <a:tcPr marL="90170" marR="90170" marT="46990" marB="46990"/>
+                </a:tc>
+                <a:extLst>
+                  <a:ext uri="{0D108BD9-81ED-4DB2-BD59-A6C34878D82A}">
+                    <a16:rowId xmlns:a16="http://schemas.microsoft.com/office/drawing/2014/main" val="10001"/>
+                  </a:ext>
+                </a:extLst>
               </a:tr>
               <a:tr h="524510">
                 <a:tc>
@@ -5889,7 +5914,7 @@
                     <a:bodyPr/>
                     <a:lstStyle/>
                     <a:p>
-                      <a:pPr marL="0" indent="0" algn="ctr" fontAlgn="auto" defTabSz="508000">
+                      <a:pPr marL="0" indent="0" algn="ctr" defTabSz="508000" fontAlgn="auto">
                         <a:lnSpc>
                           <a:spcPct val="100000"/>
                         </a:lnSpc>
@@ -5903,7 +5928,7 @@
                         <a:buNone/>
                       </a:pPr>
                       <a:r>
-                        <a:rPr lang="en-US" altLang="ko-KR" sz="1400" kern="1200" cap="none" dirty="0" smtClean="0" b="1">
+                        <a:rPr lang="en-US" altLang="ko-KR" sz="1400" b="1" kern="1200" cap="none" dirty="0">
                           <a:solidFill>
                             <a:schemeClr val="dk1"/>
                           </a:solidFill>
@@ -5912,7 +5937,7 @@
                         </a:rPr>
                         <a:t>모델 애니메이션 </a:t>
                       </a:r>
-                      <a:endParaRPr lang="ko-KR" altLang="en-US" sz="1400" kern="1200" dirty="0" smtClean="0" cap="none" b="1">
+                      <a:endParaRPr lang="ko-KR" altLang="en-US" sz="1400" b="1" kern="1200" cap="none" dirty="0">
                         <a:solidFill>
                           <a:schemeClr val="dk1"/>
                         </a:solidFill>
@@ -5921,7 +5946,7 @@
                       </a:endParaRPr>
                     </a:p>
                     <a:p>
-                      <a:pPr marL="0" indent="0" algn="ctr" fontAlgn="auto" defTabSz="508000">
+                      <a:pPr marL="0" indent="0" algn="ctr" defTabSz="508000" fontAlgn="auto">
                         <a:lnSpc>
                           <a:spcPct val="100000"/>
                         </a:lnSpc>
@@ -5935,7 +5960,7 @@
                         <a:buNone/>
                       </a:pPr>
                       <a:r>
-                        <a:rPr lang="en-US" altLang="ko-KR" sz="1400" kern="1200" cap="none" dirty="0" smtClean="0" b="1">
+                        <a:rPr lang="en-US" altLang="ko-KR" sz="1400" b="1" kern="1200" cap="none" dirty="0">
                           <a:solidFill>
                             <a:schemeClr val="dk1"/>
                           </a:solidFill>
@@ -5944,7 +5969,7 @@
                         </a:rPr>
                         <a:t>임포트</a:t>
                       </a:r>
-                      <a:endParaRPr lang="ko-KR" altLang="en-US" sz="1400" kern="1200" dirty="0" smtClean="0" cap="none" b="1">
+                      <a:endParaRPr lang="ko-KR" altLang="en-US" sz="1400" b="1" kern="1200" cap="none" dirty="0">
                         <a:solidFill>
                           <a:schemeClr val="dk1"/>
                         </a:solidFill>
@@ -5953,7 +5978,7 @@
                       </a:endParaRPr>
                     </a:p>
                   </a:txBody>
-                  <a:tcPr marL="90170" marR="90170" marT="46990" marB="46990" anchor="t"/>
+                  <a:tcPr marL="90170" marR="90170" marT="46990" marB="46990"/>
                 </a:tc>
                 <a:tc vMerge="1">
                   <a:txBody>
@@ -5964,9 +5989,10 @@
                         <a:buFontTx/>
                         <a:buNone/>
                       </a:pPr>
-                      <a:endParaRPr lang="ko-KR" altLang="en-US" kern="1200" dirty="0" smtClean="0" cap="none" b="0"/>
-                    </a:p>
-                  </a:txBody>
+                      <a:endParaRPr lang="ko-KR" altLang="en-US" b="0" kern="1200" cap="none" dirty="0"/>
+                    </a:p>
+                  </a:txBody>
+                  <a:tcPr/>
                 </a:tc>
                 <a:tc vMerge="1">
                   <a:txBody>
@@ -5977,9 +6003,10 @@
                         <a:buFontTx/>
                         <a:buNone/>
                       </a:pPr>
-                      <a:endParaRPr lang="ko-KR" altLang="en-US" kern="1200" dirty="0" smtClean="0" cap="none" b="0"/>
-                    </a:p>
-                  </a:txBody>
+                      <a:endParaRPr lang="ko-KR" altLang="en-US" b="0" kern="1200" cap="none" dirty="0"/>
+                    </a:p>
+                  </a:txBody>
+                  <a:tcPr/>
                 </a:tc>
                 <a:tc vMerge="1">
                   <a:txBody>
@@ -5990,9 +6017,10 @@
                         <a:buFontTx/>
                         <a:buNone/>
                       </a:pPr>
-                      <a:endParaRPr lang="ko-KR" altLang="en-US" kern="1200" dirty="0" smtClean="0" cap="none" b="0"/>
-                    </a:p>
-                  </a:txBody>
+                      <a:endParaRPr lang="ko-KR" altLang="en-US" b="0" kern="1200" cap="none" dirty="0"/>
+                    </a:p>
+                  </a:txBody>
+                  <a:tcPr/>
                 </a:tc>
                 <a:tc vMerge="1">
                   <a:txBody>
@@ -6003,9 +6031,10 @@
                         <a:buFontTx/>
                         <a:buNone/>
                       </a:pPr>
-                      <a:endParaRPr lang="ko-KR" altLang="en-US" kern="1200" dirty="0" smtClean="0" cap="none" b="0"/>
-                    </a:p>
-                  </a:txBody>
+                      <a:endParaRPr lang="ko-KR" altLang="en-US" b="0" kern="1200" cap="none" dirty="0"/>
+                    </a:p>
+                  </a:txBody>
+                  <a:tcPr/>
                 </a:tc>
                 <a:tc vMerge="1">
                   <a:txBody>
@@ -6016,9 +6045,10 @@
                         <a:buFontTx/>
                         <a:buNone/>
                       </a:pPr>
-                      <a:endParaRPr lang="ko-KR" altLang="en-US" kern="1200" dirty="0" smtClean="0" cap="none" b="0"/>
-                    </a:p>
-                  </a:txBody>
+                      <a:endParaRPr lang="ko-KR" altLang="en-US" b="0" kern="1200" cap="none" dirty="0"/>
+                    </a:p>
+                  </a:txBody>
+                  <a:tcPr/>
                 </a:tc>
                 <a:tc vMerge="1">
                   <a:txBody>
@@ -6029,9 +6059,10 @@
                         <a:buFontTx/>
                         <a:buNone/>
                       </a:pPr>
-                      <a:endParaRPr lang="ko-KR" altLang="en-US" kern="1200" dirty="0" smtClean="0" cap="none" b="0"/>
-                    </a:p>
-                  </a:txBody>
+                      <a:endParaRPr lang="ko-KR" altLang="en-US" b="0" kern="1200" cap="none" dirty="0"/>
+                    </a:p>
+                  </a:txBody>
+                  <a:tcPr/>
                 </a:tc>
                 <a:tc vMerge="1">
                   <a:txBody>
@@ -6042,9 +6073,10 @@
                         <a:buFontTx/>
                         <a:buNone/>
                       </a:pPr>
-                      <a:endParaRPr lang="ko-KR" altLang="en-US" kern="1200" dirty="0" smtClean="0" cap="none" b="0"/>
-                    </a:p>
-                  </a:txBody>
+                      <a:endParaRPr lang="ko-KR" altLang="en-US" b="0" kern="1200" cap="none" dirty="0"/>
+                    </a:p>
+                  </a:txBody>
+                  <a:tcPr/>
                 </a:tc>
                 <a:tc vMerge="1">
                   <a:txBody>
@@ -6055,10 +6087,16 @@
                         <a:buFontTx/>
                         <a:buNone/>
                       </a:pPr>
-                      <a:endParaRPr lang="ko-KR" altLang="en-US" kern="1200" dirty="0" smtClean="0" cap="none" b="0"/>
-                    </a:p>
-                  </a:txBody>
-                </a:tc>
+                      <a:endParaRPr lang="ko-KR" altLang="en-US" b="0" kern="1200" cap="none" dirty="0"/>
+                    </a:p>
+                  </a:txBody>
+                  <a:tcPr/>
+                </a:tc>
+                <a:extLst>
+                  <a:ext uri="{0D108BD9-81ED-4DB2-BD59-A6C34878D82A}">
+                    <a16:rowId xmlns:a16="http://schemas.microsoft.com/office/drawing/2014/main" val="10002"/>
+                  </a:ext>
+                </a:extLst>
               </a:tr>
               <a:tr h="470535">
                 <a:tc>
@@ -6066,7 +6104,7 @@
                     <a:bodyPr/>
                     <a:lstStyle/>
                     <a:p>
-                      <a:pPr marL="0" indent="0" algn="ctr" fontAlgn="auto" defTabSz="508000">
+                      <a:pPr marL="0" indent="0" algn="ctr" defTabSz="508000" fontAlgn="auto">
                         <a:lnSpc>
                           <a:spcPct val="100000"/>
                         </a:lnSpc>
@@ -6080,7 +6118,7 @@
                         <a:buNone/>
                       </a:pPr>
                       <a:r>
-                        <a:rPr lang="en-US" altLang="ko-KR" sz="1400" kern="1200" cap="none" dirty="0" smtClean="0" b="1">
+                        <a:rPr lang="en-US" altLang="ko-KR" sz="1400" b="1" kern="1200" cap="none" dirty="0">
                           <a:solidFill>
                             <a:srgbClr val="000000"/>
                           </a:solidFill>
@@ -6089,7 +6127,7 @@
                         </a:rPr>
                         <a:t>맵 제작</a:t>
                       </a:r>
-                      <a:endParaRPr lang="ko-KR" altLang="en-US" sz="1400" kern="1200" dirty="0" smtClean="0" cap="none" b="1">
+                      <a:endParaRPr lang="ko-KR" altLang="en-US" sz="1400" b="1" kern="1200" cap="none" dirty="0">
                         <a:solidFill>
                           <a:schemeClr val="dk1"/>
                         </a:solidFill>
@@ -6098,7 +6136,7 @@
                       </a:endParaRPr>
                     </a:p>
                   </a:txBody>
-                  <a:tcPr marL="90170" marR="90170" marT="46990" marB="46990" anchor="t"/>
+                  <a:tcPr marL="90170" marR="90170" marT="46990" marB="46990"/>
                 </a:tc>
                 <a:tc vMerge="1">
                   <a:txBody>
@@ -6109,9 +6147,10 @@
                         <a:buFontTx/>
                         <a:buNone/>
                       </a:pPr>
-                      <a:endParaRPr lang="ko-KR" altLang="en-US" kern="1200" dirty="0" smtClean="0" cap="none" b="0"/>
-                    </a:p>
-                  </a:txBody>
+                      <a:endParaRPr lang="ko-KR" altLang="en-US" b="0" kern="1200" cap="none" dirty="0"/>
+                    </a:p>
+                  </a:txBody>
+                  <a:tcPr/>
                 </a:tc>
                 <a:tc vMerge="1">
                   <a:txBody>
@@ -6122,9 +6161,10 @@
                         <a:buFontTx/>
                         <a:buNone/>
                       </a:pPr>
-                      <a:endParaRPr lang="ko-KR" altLang="en-US" kern="1200" dirty="0" smtClean="0" cap="none" b="0"/>
-                    </a:p>
-                  </a:txBody>
+                      <a:endParaRPr lang="ko-KR" altLang="en-US" b="0" kern="1200" cap="none" dirty="0"/>
+                    </a:p>
+                  </a:txBody>
+                  <a:tcPr/>
                 </a:tc>
                 <a:tc vMerge="1">
                   <a:txBody>
@@ -6135,9 +6175,10 @@
                         <a:buFontTx/>
                         <a:buNone/>
                       </a:pPr>
-                      <a:endParaRPr lang="ko-KR" altLang="en-US" kern="1200" dirty="0" smtClean="0" cap="none" b="0"/>
-                    </a:p>
-                  </a:txBody>
+                      <a:endParaRPr lang="ko-KR" altLang="en-US" b="0" kern="1200" cap="none" dirty="0"/>
+                    </a:p>
+                  </a:txBody>
+                  <a:tcPr/>
                 </a:tc>
                 <a:tc vMerge="1">
                   <a:txBody>
@@ -6148,9 +6189,10 @@
                         <a:buFontTx/>
                         <a:buNone/>
                       </a:pPr>
-                      <a:endParaRPr lang="ko-KR" altLang="en-US" kern="1200" dirty="0" smtClean="0" cap="none" b="0"/>
-                    </a:p>
-                  </a:txBody>
+                      <a:endParaRPr lang="ko-KR" altLang="en-US" b="0" kern="1200" cap="none" dirty="0"/>
+                    </a:p>
+                  </a:txBody>
+                  <a:tcPr/>
                 </a:tc>
                 <a:tc vMerge="1">
                   <a:txBody>
@@ -6161,9 +6203,10 @@
                         <a:buFontTx/>
                         <a:buNone/>
                       </a:pPr>
-                      <a:endParaRPr lang="ko-KR" altLang="en-US" kern="1200" dirty="0" smtClean="0" cap="none" b="0"/>
-                    </a:p>
-                  </a:txBody>
+                      <a:endParaRPr lang="ko-KR" altLang="en-US" b="0" kern="1200" cap="none" dirty="0"/>
+                    </a:p>
+                  </a:txBody>
+                  <a:tcPr/>
                 </a:tc>
                 <a:tc vMerge="1">
                   <a:txBody>
@@ -6174,9 +6217,10 @@
                         <a:buFontTx/>
                         <a:buNone/>
                       </a:pPr>
-                      <a:endParaRPr lang="ko-KR" altLang="en-US" kern="1200" dirty="0" smtClean="0" cap="none" b="0"/>
-                    </a:p>
-                  </a:txBody>
+                      <a:endParaRPr lang="ko-KR" altLang="en-US" b="0" kern="1200" cap="none" dirty="0"/>
+                    </a:p>
+                  </a:txBody>
+                  <a:tcPr/>
                 </a:tc>
                 <a:tc vMerge="1">
                   <a:txBody>
@@ -6187,9 +6231,10 @@
                         <a:buFontTx/>
                         <a:buNone/>
                       </a:pPr>
-                      <a:endParaRPr lang="ko-KR" altLang="en-US" kern="1200" dirty="0" smtClean="0" cap="none" b="0"/>
-                    </a:p>
-                  </a:txBody>
+                      <a:endParaRPr lang="ko-KR" altLang="en-US" b="0" kern="1200" cap="none" dirty="0"/>
+                    </a:p>
+                  </a:txBody>
+                  <a:tcPr/>
                 </a:tc>
                 <a:tc vMerge="1">
                   <a:txBody>
@@ -6200,10 +6245,16 @@
                         <a:buFontTx/>
                         <a:buNone/>
                       </a:pPr>
-                      <a:endParaRPr lang="ko-KR" altLang="en-US" kern="1200" dirty="0" smtClean="0" cap="none" b="0"/>
-                    </a:p>
-                  </a:txBody>
-                </a:tc>
+                      <a:endParaRPr lang="ko-KR" altLang="en-US" b="0" kern="1200" cap="none" dirty="0"/>
+                    </a:p>
+                  </a:txBody>
+                  <a:tcPr/>
+                </a:tc>
+                <a:extLst>
+                  <a:ext uri="{0D108BD9-81ED-4DB2-BD59-A6C34878D82A}">
+                    <a16:rowId xmlns:a16="http://schemas.microsoft.com/office/drawing/2014/main" val="10003"/>
+                  </a:ext>
+                </a:extLst>
               </a:tr>
               <a:tr h="487045">
                 <a:tc>
@@ -6211,7 +6262,7 @@
                     <a:bodyPr/>
                     <a:lstStyle/>
                     <a:p>
-                      <a:pPr marL="0" indent="0" algn="ctr" fontAlgn="auto" defTabSz="508000">
+                      <a:pPr marL="0" indent="0" algn="ctr" defTabSz="508000" fontAlgn="auto">
                         <a:lnSpc>
                           <a:spcPct val="100000"/>
                         </a:lnSpc>
@@ -6225,7 +6276,7 @@
                         <a:buNone/>
                       </a:pPr>
                       <a:r>
-                        <a:rPr lang="en-US" altLang="ko-KR" sz="1400" kern="1200" cap="none" dirty="0" smtClean="0" b="1">
+                        <a:rPr lang="en-US" altLang="ko-KR" sz="1400" b="1" kern="1200" cap="none" dirty="0">
                           <a:solidFill>
                             <a:srgbClr val="000000"/>
                           </a:solidFill>
@@ -6234,7 +6285,7 @@
                         </a:rPr>
                         <a:t>쉐이더 효과</a:t>
                       </a:r>
-                      <a:endParaRPr lang="ko-KR" altLang="en-US" sz="1400" kern="1200" dirty="0" smtClean="0" cap="none" b="1">
+                      <a:endParaRPr lang="ko-KR" altLang="en-US" sz="1400" b="1" kern="1200" cap="none" dirty="0">
                         <a:solidFill>
                           <a:schemeClr val="dk1"/>
                         </a:solidFill>
@@ -6243,7 +6294,7 @@
                       </a:endParaRPr>
                     </a:p>
                   </a:txBody>
-                  <a:tcPr marL="90170" marR="90170" marT="46990" marB="46990" anchor="t"/>
+                  <a:tcPr marL="90170" marR="90170" marT="46990" marB="46990"/>
                 </a:tc>
                 <a:tc vMerge="1">
                   <a:txBody>
@@ -6254,9 +6305,10 @@
                         <a:buFontTx/>
                         <a:buNone/>
                       </a:pPr>
-                      <a:endParaRPr lang="ko-KR" altLang="en-US" kern="1200" dirty="0" smtClean="0" cap="none" b="0"/>
-                    </a:p>
-                  </a:txBody>
+                      <a:endParaRPr lang="ko-KR" altLang="en-US" b="0" kern="1200" cap="none" dirty="0"/>
+                    </a:p>
+                  </a:txBody>
+                  <a:tcPr/>
                 </a:tc>
                 <a:tc vMerge="1">
                   <a:txBody>
@@ -6267,9 +6319,10 @@
                         <a:buFontTx/>
                         <a:buNone/>
                       </a:pPr>
-                      <a:endParaRPr lang="ko-KR" altLang="en-US" kern="1200" dirty="0" smtClean="0" cap="none" b="0"/>
-                    </a:p>
-                  </a:txBody>
+                      <a:endParaRPr lang="ko-KR" altLang="en-US" b="0" kern="1200" cap="none" dirty="0"/>
+                    </a:p>
+                  </a:txBody>
+                  <a:tcPr/>
                 </a:tc>
                 <a:tc vMerge="1">
                   <a:txBody>
@@ -6280,9 +6333,10 @@
                         <a:buFontTx/>
                         <a:buNone/>
                       </a:pPr>
-                      <a:endParaRPr lang="ko-KR" altLang="en-US" kern="1200" dirty="0" smtClean="0" cap="none" b="0"/>
-                    </a:p>
-                  </a:txBody>
+                      <a:endParaRPr lang="ko-KR" altLang="en-US" b="0" kern="1200" cap="none" dirty="0"/>
+                    </a:p>
+                  </a:txBody>
+                  <a:tcPr/>
                 </a:tc>
                 <a:tc vMerge="1">
                   <a:txBody>
@@ -6293,9 +6347,10 @@
                         <a:buFontTx/>
                         <a:buNone/>
                       </a:pPr>
-                      <a:endParaRPr lang="ko-KR" altLang="en-US" kern="1200" dirty="0" smtClean="0" cap="none" b="0"/>
-                    </a:p>
-                  </a:txBody>
+                      <a:endParaRPr lang="ko-KR" altLang="en-US" b="0" kern="1200" cap="none" dirty="0"/>
+                    </a:p>
+                  </a:txBody>
+                  <a:tcPr/>
                 </a:tc>
                 <a:tc vMerge="1">
                   <a:txBody>
@@ -6306,9 +6361,10 @@
                         <a:buFontTx/>
                         <a:buNone/>
                       </a:pPr>
-                      <a:endParaRPr lang="ko-KR" altLang="en-US" kern="1200" dirty="0" smtClean="0" cap="none" b="0"/>
-                    </a:p>
-                  </a:txBody>
+                      <a:endParaRPr lang="ko-KR" altLang="en-US" b="0" kern="1200" cap="none" dirty="0"/>
+                    </a:p>
+                  </a:txBody>
+                  <a:tcPr/>
                 </a:tc>
                 <a:tc vMerge="1">
                   <a:txBody>
@@ -6319,9 +6375,10 @@
                         <a:buFontTx/>
                         <a:buNone/>
                       </a:pPr>
-                      <a:endParaRPr lang="ko-KR" altLang="en-US" kern="1200" dirty="0" smtClean="0" cap="none" b="0"/>
-                    </a:p>
-                  </a:txBody>
+                      <a:endParaRPr lang="ko-KR" altLang="en-US" b="0" kern="1200" cap="none" dirty="0"/>
+                    </a:p>
+                  </a:txBody>
+                  <a:tcPr/>
                 </a:tc>
                 <a:tc vMerge="1">
                   <a:txBody>
@@ -6332,9 +6389,10 @@
                         <a:buFontTx/>
                         <a:buNone/>
                       </a:pPr>
-                      <a:endParaRPr lang="ko-KR" altLang="en-US" kern="1200" dirty="0" smtClean="0" cap="none" b="0"/>
-                    </a:p>
-                  </a:txBody>
+                      <a:endParaRPr lang="ko-KR" altLang="en-US" b="0" kern="1200" cap="none" dirty="0"/>
+                    </a:p>
+                  </a:txBody>
+                  <a:tcPr/>
                 </a:tc>
                 <a:tc vMerge="1">
                   <a:txBody>
@@ -6345,10 +6403,16 @@
                         <a:buFontTx/>
                         <a:buNone/>
                       </a:pPr>
-                      <a:endParaRPr lang="ko-KR" altLang="en-US" kern="1200" dirty="0" smtClean="0" cap="none" b="0"/>
-                    </a:p>
-                  </a:txBody>
-                </a:tc>
+                      <a:endParaRPr lang="ko-KR" altLang="en-US" b="0" kern="1200" cap="none" dirty="0"/>
+                    </a:p>
+                  </a:txBody>
+                  <a:tcPr/>
+                </a:tc>
+                <a:extLst>
+                  <a:ext uri="{0D108BD9-81ED-4DB2-BD59-A6C34878D82A}">
+                    <a16:rowId xmlns:a16="http://schemas.microsoft.com/office/drawing/2014/main" val="10004"/>
+                  </a:ext>
+                </a:extLst>
               </a:tr>
               <a:tr h="479425">
                 <a:tc>
@@ -6356,7 +6420,7 @@
                     <a:bodyPr/>
                     <a:lstStyle/>
                     <a:p>
-                      <a:pPr marL="0" indent="0" algn="ctr" fontAlgn="auto" defTabSz="508000">
+                      <a:pPr marL="0" indent="0" algn="ctr" defTabSz="508000" fontAlgn="auto">
                         <a:lnSpc>
                           <a:spcPct val="100000"/>
                         </a:lnSpc>
@@ -6370,7 +6434,7 @@
                         <a:buNone/>
                       </a:pPr>
                       <a:r>
-                        <a:rPr lang="en-US" altLang="ko-KR" sz="1400" kern="1200" cap="none" dirty="0" smtClean="0" b="1">
+                        <a:rPr lang="en-US" altLang="ko-KR" sz="1400" b="1" kern="1200" cap="none" dirty="0">
                           <a:solidFill>
                             <a:srgbClr val="000000"/>
                           </a:solidFill>
@@ -6379,7 +6443,7 @@
                         </a:rPr>
                         <a:t>게임 콘텐츠</a:t>
                       </a:r>
-                      <a:endParaRPr lang="ko-KR" altLang="en-US" sz="1400" kern="1200" dirty="0" smtClean="0" cap="none" b="1">
+                      <a:endParaRPr lang="ko-KR" altLang="en-US" sz="1400" b="1" kern="1200" cap="none" dirty="0">
                         <a:solidFill>
                           <a:schemeClr val="dk1"/>
                         </a:solidFill>
@@ -6388,7 +6452,7 @@
                       </a:endParaRPr>
                     </a:p>
                   </a:txBody>
-                  <a:tcPr marL="90170" marR="90170" marT="46990" marB="46990" anchor="t"/>
+                  <a:tcPr marL="90170" marR="90170" marT="46990" marB="46990"/>
                 </a:tc>
                 <a:tc vMerge="1">
                   <a:txBody>
@@ -6399,9 +6463,10 @@
                         <a:buFontTx/>
                         <a:buNone/>
                       </a:pPr>
-                      <a:endParaRPr lang="ko-KR" altLang="en-US" kern="1200" dirty="0" smtClean="0" cap="none" b="0"/>
-                    </a:p>
-                  </a:txBody>
+                      <a:endParaRPr lang="ko-KR" altLang="en-US" b="0" kern="1200" cap="none" dirty="0"/>
+                    </a:p>
+                  </a:txBody>
+                  <a:tcPr/>
                 </a:tc>
                 <a:tc vMerge="1">
                   <a:txBody>
@@ -6412,9 +6477,10 @@
                         <a:buFontTx/>
                         <a:buNone/>
                       </a:pPr>
-                      <a:endParaRPr lang="ko-KR" altLang="en-US" kern="1200" dirty="0" smtClean="0" cap="none" b="0"/>
-                    </a:p>
-                  </a:txBody>
+                      <a:endParaRPr lang="ko-KR" altLang="en-US" b="0" kern="1200" cap="none" dirty="0"/>
+                    </a:p>
+                  </a:txBody>
+                  <a:tcPr/>
                 </a:tc>
                 <a:tc vMerge="1">
                   <a:txBody>
@@ -6425,9 +6491,10 @@
                         <a:buFontTx/>
                         <a:buNone/>
                       </a:pPr>
-                      <a:endParaRPr lang="ko-KR" altLang="en-US" kern="1200" dirty="0" smtClean="0" cap="none" b="0"/>
-                    </a:p>
-                  </a:txBody>
+                      <a:endParaRPr lang="ko-KR" altLang="en-US" b="0" kern="1200" cap="none" dirty="0"/>
+                    </a:p>
+                  </a:txBody>
+                  <a:tcPr/>
                 </a:tc>
                 <a:tc vMerge="1">
                   <a:txBody>
@@ -6438,9 +6505,10 @@
                         <a:buFontTx/>
                         <a:buNone/>
                       </a:pPr>
-                      <a:endParaRPr lang="ko-KR" altLang="en-US" kern="1200" dirty="0" smtClean="0" cap="none" b="0"/>
-                    </a:p>
-                  </a:txBody>
+                      <a:endParaRPr lang="ko-KR" altLang="en-US" b="0" kern="1200" cap="none" dirty="0"/>
+                    </a:p>
+                  </a:txBody>
+                  <a:tcPr/>
                 </a:tc>
                 <a:tc vMerge="1">
                   <a:txBody>
@@ -6451,9 +6519,10 @@
                         <a:buFontTx/>
                         <a:buNone/>
                       </a:pPr>
-                      <a:endParaRPr lang="ko-KR" altLang="en-US" kern="1200" dirty="0" smtClean="0" cap="none" b="0"/>
-                    </a:p>
-                  </a:txBody>
+                      <a:endParaRPr lang="ko-KR" altLang="en-US" b="0" kern="1200" cap="none" dirty="0"/>
+                    </a:p>
+                  </a:txBody>
+                  <a:tcPr/>
                 </a:tc>
                 <a:tc vMerge="1">
                   <a:txBody>
@@ -6464,9 +6533,10 @@
                         <a:buFontTx/>
                         <a:buNone/>
                       </a:pPr>
-                      <a:endParaRPr lang="ko-KR" altLang="en-US" kern="1200" dirty="0" smtClean="0" cap="none" b="0"/>
-                    </a:p>
-                  </a:txBody>
+                      <a:endParaRPr lang="ko-KR" altLang="en-US" b="0" kern="1200" cap="none" dirty="0"/>
+                    </a:p>
+                  </a:txBody>
+                  <a:tcPr/>
                 </a:tc>
                 <a:tc vMerge="1">
                   <a:txBody>
@@ -6477,9 +6547,10 @@
                         <a:buFontTx/>
                         <a:buNone/>
                       </a:pPr>
-                      <a:endParaRPr lang="ko-KR" altLang="en-US" kern="1200" dirty="0" smtClean="0" cap="none" b="0"/>
-                    </a:p>
-                  </a:txBody>
+                      <a:endParaRPr lang="ko-KR" altLang="en-US" b="0" kern="1200" cap="none" dirty="0"/>
+                    </a:p>
+                  </a:txBody>
+                  <a:tcPr/>
                 </a:tc>
                 <a:tc vMerge="1">
                   <a:txBody>
@@ -6490,10 +6561,16 @@
                         <a:buFontTx/>
                         <a:buNone/>
                       </a:pPr>
-                      <a:endParaRPr lang="ko-KR" altLang="en-US" kern="1200" dirty="0" smtClean="0" cap="none" b="0"/>
-                    </a:p>
-                  </a:txBody>
-                </a:tc>
+                      <a:endParaRPr lang="ko-KR" altLang="en-US" b="0" kern="1200" cap="none" dirty="0"/>
+                    </a:p>
+                  </a:txBody>
+                  <a:tcPr/>
+                </a:tc>
+                <a:extLst>
+                  <a:ext uri="{0D108BD9-81ED-4DB2-BD59-A6C34878D82A}">
+                    <a16:rowId xmlns:a16="http://schemas.microsoft.com/office/drawing/2014/main" val="10005"/>
+                  </a:ext>
+                </a:extLst>
               </a:tr>
               <a:tr h="436245">
                 <a:tc>
@@ -6501,7 +6578,7 @@
                     <a:bodyPr/>
                     <a:lstStyle/>
                     <a:p>
-                      <a:pPr marL="0" indent="0" algn="ctr" fontAlgn="auto" defTabSz="508000">
+                      <a:pPr marL="0" indent="0" algn="ctr" defTabSz="508000" fontAlgn="auto">
                         <a:lnSpc>
                           <a:spcPct val="100000"/>
                         </a:lnSpc>
@@ -6515,7 +6592,7 @@
                         <a:buNone/>
                       </a:pPr>
                       <a:r>
-                        <a:rPr lang="en-US" altLang="ko-KR" sz="1400" kern="1200" cap="none" dirty="0" smtClean="0" b="1">
+                        <a:rPr lang="en-US" altLang="ko-KR" sz="1400" b="1" kern="1200" cap="none" dirty="0">
                           <a:solidFill>
                             <a:srgbClr val="000000"/>
                           </a:solidFill>
@@ -6524,7 +6601,7 @@
                         </a:rPr>
                         <a:t>UI</a:t>
                       </a:r>
-                      <a:endParaRPr lang="ko-KR" altLang="en-US" sz="1400" kern="1200" dirty="0" smtClean="0" cap="none" b="1">
+                      <a:endParaRPr lang="ko-KR" altLang="en-US" sz="1400" b="1" kern="1200" cap="none" dirty="0">
                         <a:solidFill>
                           <a:schemeClr val="dk1"/>
                         </a:solidFill>
@@ -6533,14 +6610,14 @@
                       </a:endParaRPr>
                     </a:p>
                   </a:txBody>
-                  <a:tcPr marL="90170" marR="90170" marT="46990" marB="46990" anchor="t"/>
+                  <a:tcPr marL="90170" marR="90170" marT="46990" marB="46990"/>
                 </a:tc>
                 <a:tc rowSpan="5">
                   <a:txBody>
                     <a:bodyPr/>
                     <a:lstStyle/>
                     <a:p>
-                      <a:pPr marL="0" indent="0" algn="just" fontAlgn="auto" defTabSz="508000">
+                      <a:pPr marL="0" indent="0" algn="just" defTabSz="508000" fontAlgn="auto">
                         <a:lnSpc>
                           <a:spcPct val="100000"/>
                         </a:lnSpc>
@@ -6553,7 +6630,7 @@
                         <a:buFontTx/>
                         <a:buNone/>
                       </a:pPr>
-                      <a:endParaRPr lang="ko-KR" altLang="en-US" sz="1200" kern="1200" dirty="0" smtClean="0" cap="none" b="0">
+                      <a:endParaRPr lang="ko-KR" altLang="en-US" sz="1200" b="0" kern="1200" cap="none" dirty="0">
                         <a:solidFill>
                           <a:schemeClr val="dk1"/>
                         </a:solidFill>
@@ -6562,14 +6639,14 @@
                       </a:endParaRPr>
                     </a:p>
                   </a:txBody>
-                  <a:tcPr marL="90170" marR="90170" marT="46990" marB="46990" anchor="t"/>
+                  <a:tcPr marL="90170" marR="90170" marT="46990" marB="46990"/>
                 </a:tc>
                 <a:tc rowSpan="5">
                   <a:txBody>
                     <a:bodyPr/>
                     <a:lstStyle/>
                     <a:p>
-                      <a:pPr marL="0" indent="0" algn="just" fontAlgn="auto" defTabSz="508000">
+                      <a:pPr marL="0" indent="0" algn="just" defTabSz="508000" fontAlgn="auto">
                         <a:lnSpc>
                           <a:spcPct val="100000"/>
                         </a:lnSpc>
@@ -6582,7 +6659,7 @@
                         <a:buFontTx/>
                         <a:buNone/>
                       </a:pPr>
-                      <a:endParaRPr lang="ko-KR" altLang="en-US" sz="1200" kern="1200" dirty="0" smtClean="0" cap="none" b="0">
+                      <a:endParaRPr lang="ko-KR" altLang="en-US" sz="1200" b="0" kern="1200" cap="none" dirty="0">
                         <a:solidFill>
                           <a:schemeClr val="dk1"/>
                         </a:solidFill>
@@ -6591,14 +6668,14 @@
                       </a:endParaRPr>
                     </a:p>
                   </a:txBody>
-                  <a:tcPr marL="90170" marR="90170" marT="46990" marB="46990" anchor="t"/>
+                  <a:tcPr marL="90170" marR="90170" marT="46990" marB="46990"/>
                 </a:tc>
                 <a:tc rowSpan="5">
                   <a:txBody>
                     <a:bodyPr/>
                     <a:lstStyle/>
                     <a:p>
-                      <a:pPr marL="0" indent="0" algn="just" fontAlgn="auto" defTabSz="508000">
+                      <a:pPr marL="0" indent="0" algn="just" defTabSz="508000" fontAlgn="auto">
                         <a:lnSpc>
                           <a:spcPct val="100000"/>
                         </a:lnSpc>
@@ -6611,7 +6688,7 @@
                         <a:buFontTx/>
                         <a:buNone/>
                       </a:pPr>
-                      <a:endParaRPr lang="ko-KR" altLang="en-US" sz="1200" kern="1200" dirty="0" smtClean="0" cap="none" b="0">
+                      <a:endParaRPr lang="ko-KR" altLang="en-US" sz="1200" b="0" kern="1200" cap="none" dirty="0">
                         <a:solidFill>
                           <a:schemeClr val="dk1"/>
                         </a:solidFill>
@@ -6620,14 +6697,14 @@
                       </a:endParaRPr>
                     </a:p>
                   </a:txBody>
-                  <a:tcPr marL="90170" marR="90170" marT="46990" marB="46990" anchor="t"/>
+                  <a:tcPr marL="90170" marR="90170" marT="46990" marB="46990"/>
                 </a:tc>
                 <a:tc rowSpan="5">
                   <a:txBody>
                     <a:bodyPr/>
                     <a:lstStyle/>
                     <a:p>
-                      <a:pPr marL="0" indent="0" algn="just" fontAlgn="auto" defTabSz="508000">
+                      <a:pPr marL="0" indent="0" algn="just" defTabSz="508000" fontAlgn="auto">
                         <a:lnSpc>
                           <a:spcPct val="100000"/>
                         </a:lnSpc>
@@ -6640,7 +6717,7 @@
                         <a:buFontTx/>
                         <a:buNone/>
                       </a:pPr>
-                      <a:endParaRPr lang="ko-KR" altLang="en-US" sz="1200" kern="1200" dirty="0" smtClean="0" cap="none" b="0">
+                      <a:endParaRPr lang="ko-KR" altLang="en-US" sz="1200" b="0" kern="1200" cap="none" dirty="0">
                         <a:solidFill>
                           <a:schemeClr val="dk1"/>
                         </a:solidFill>
@@ -6649,14 +6726,14 @@
                       </a:endParaRPr>
                     </a:p>
                   </a:txBody>
-                  <a:tcPr marL="90170" marR="90170" marT="46990" marB="46990" anchor="t"/>
+                  <a:tcPr marL="90170" marR="90170" marT="46990" marB="46990"/>
                 </a:tc>
                 <a:tc rowSpan="5">
                   <a:txBody>
                     <a:bodyPr/>
                     <a:lstStyle/>
                     <a:p>
-                      <a:pPr marL="0" indent="0" algn="just" fontAlgn="auto" defTabSz="508000">
+                      <a:pPr marL="0" indent="0" algn="just" defTabSz="508000" fontAlgn="auto">
                         <a:lnSpc>
                           <a:spcPct val="100000"/>
                         </a:lnSpc>
@@ -6669,7 +6746,7 @@
                         <a:buFontTx/>
                         <a:buNone/>
                       </a:pPr>
-                      <a:endParaRPr lang="ko-KR" altLang="en-US" sz="1200" kern="1200" dirty="0" smtClean="0" cap="none" b="0">
+                      <a:endParaRPr lang="ko-KR" altLang="en-US" sz="1200" b="0" kern="1200" cap="none" dirty="0">
                         <a:solidFill>
                           <a:schemeClr val="dk1"/>
                         </a:solidFill>
@@ -6678,14 +6755,14 @@
                       </a:endParaRPr>
                     </a:p>
                   </a:txBody>
-                  <a:tcPr marL="90170" marR="90170" marT="46990" marB="46990" anchor="t"/>
+                  <a:tcPr marL="90170" marR="90170" marT="46990" marB="46990"/>
                 </a:tc>
                 <a:tc rowSpan="5">
                   <a:txBody>
                     <a:bodyPr/>
                     <a:lstStyle/>
                     <a:p>
-                      <a:pPr marL="0" indent="0" algn="just" fontAlgn="auto" defTabSz="508000">
+                      <a:pPr marL="0" indent="0" algn="just" defTabSz="508000" fontAlgn="auto">
                         <a:lnSpc>
                           <a:spcPct val="100000"/>
                         </a:lnSpc>
@@ -6698,7 +6775,7 @@
                         <a:buFontTx/>
                         <a:buNone/>
                       </a:pPr>
-                      <a:endParaRPr lang="ko-KR" altLang="en-US" sz="1200" kern="1200" dirty="0" smtClean="0" cap="none" b="0">
+                      <a:endParaRPr lang="ko-KR" altLang="en-US" sz="1200" b="0" kern="1200" cap="none" dirty="0">
                         <a:solidFill>
                           <a:schemeClr val="dk1"/>
                         </a:solidFill>
@@ -6707,14 +6784,14 @@
                       </a:endParaRPr>
                     </a:p>
                   </a:txBody>
-                  <a:tcPr marL="90170" marR="90170" marT="46990" marB="46990" anchor="t"/>
+                  <a:tcPr marL="90170" marR="90170" marT="46990" marB="46990"/>
                 </a:tc>
                 <a:tc rowSpan="5">
                   <a:txBody>
                     <a:bodyPr/>
                     <a:lstStyle/>
                     <a:p>
-                      <a:pPr marL="0" indent="0" algn="just" fontAlgn="auto" defTabSz="508000">
+                      <a:pPr marL="0" indent="0" algn="just" defTabSz="508000" fontAlgn="auto">
                         <a:lnSpc>
                           <a:spcPct val="100000"/>
                         </a:lnSpc>
@@ -6727,7 +6804,7 @@
                         <a:buFontTx/>
                         <a:buNone/>
                       </a:pPr>
-                      <a:endParaRPr lang="ko-KR" altLang="en-US" sz="1200" kern="1200" dirty="0" smtClean="0" cap="none" b="0">
+                      <a:endParaRPr lang="ko-KR" altLang="en-US" sz="1200" b="0" kern="1200" cap="none" dirty="0">
                         <a:solidFill>
                           <a:schemeClr val="dk1"/>
                         </a:solidFill>
@@ -6736,14 +6813,14 @@
                       </a:endParaRPr>
                     </a:p>
                   </a:txBody>
-                  <a:tcPr marL="90170" marR="90170" marT="46990" marB="46990" anchor="t"/>
+                  <a:tcPr marL="90170" marR="90170" marT="46990" marB="46990"/>
                 </a:tc>
                 <a:tc rowSpan="5">
                   <a:txBody>
                     <a:bodyPr/>
                     <a:lstStyle/>
                     <a:p>
-                      <a:pPr marL="0" indent="0" algn="just" fontAlgn="auto" defTabSz="508000">
+                      <a:pPr marL="0" indent="0" algn="just" defTabSz="508000" fontAlgn="auto">
                         <a:lnSpc>
                           <a:spcPct val="100000"/>
                         </a:lnSpc>
@@ -6756,7 +6833,7 @@
                         <a:buFontTx/>
                         <a:buNone/>
                       </a:pPr>
-                      <a:endParaRPr lang="ko-KR" altLang="en-US" sz="1200" kern="1200" dirty="0" smtClean="0" cap="none" b="0">
+                      <a:endParaRPr lang="ko-KR" altLang="en-US" sz="1200" b="0" kern="1200" cap="none" dirty="0">
                         <a:solidFill>
                           <a:schemeClr val="dk1"/>
                         </a:solidFill>
@@ -6765,8 +6842,13 @@
                       </a:endParaRPr>
                     </a:p>
                   </a:txBody>
-                  <a:tcPr marL="90170" marR="90170" marT="46990" marB="46990" anchor="t"/>
-                </a:tc>
+                  <a:tcPr marL="90170" marR="90170" marT="46990" marB="46990"/>
+                </a:tc>
+                <a:extLst>
+                  <a:ext uri="{0D108BD9-81ED-4DB2-BD59-A6C34878D82A}">
+                    <a16:rowId xmlns:a16="http://schemas.microsoft.com/office/drawing/2014/main" val="10006"/>
+                  </a:ext>
+                </a:extLst>
               </a:tr>
               <a:tr h="404495">
                 <a:tc>
@@ -6774,7 +6856,7 @@
                     <a:bodyPr/>
                     <a:lstStyle/>
                     <a:p>
-                      <a:pPr marL="0" indent="0" algn="ctr" fontAlgn="auto" defTabSz="508000">
+                      <a:pPr marL="0" indent="0" algn="ctr" defTabSz="508000" fontAlgn="auto">
                         <a:lnSpc>
                           <a:spcPct val="100000"/>
                         </a:lnSpc>
@@ -6788,7 +6870,7 @@
                         <a:buNone/>
                       </a:pPr>
                       <a:r>
-                        <a:rPr lang="en-US" altLang="ko-KR" sz="1400" kern="1200" cap="none" dirty="0" smtClean="0" b="1">
+                        <a:rPr lang="en-US" altLang="ko-KR" sz="1400" b="1" kern="1200" cap="none" dirty="0">
                           <a:solidFill>
                             <a:schemeClr val="dk1"/>
                           </a:solidFill>
@@ -6797,7 +6879,7 @@
                         </a:rPr>
                         <a:t>서버 프레임워크</a:t>
                       </a:r>
-                      <a:endParaRPr lang="ko-KR" altLang="en-US" sz="1400" kern="1200" dirty="0" smtClean="0" cap="none" b="1">
+                      <a:endParaRPr lang="ko-KR" altLang="en-US" sz="1400" b="1" kern="1200" cap="none" dirty="0">
                         <a:solidFill>
                           <a:schemeClr val="dk1"/>
                         </a:solidFill>
@@ -6806,7 +6888,7 @@
                       </a:endParaRPr>
                     </a:p>
                   </a:txBody>
-                  <a:tcPr marL="90170" marR="90170" marT="46990" marB="46990" anchor="t"/>
+                  <a:tcPr marL="90170" marR="90170" marT="46990" marB="46990"/>
                 </a:tc>
                 <a:tc vMerge="1">
                   <a:txBody>
@@ -6817,9 +6899,10 @@
                         <a:buFontTx/>
                         <a:buNone/>
                       </a:pPr>
-                      <a:endParaRPr lang="ko-KR" altLang="en-US" kern="1200" dirty="0" smtClean="0" cap="none" b="0"/>
-                    </a:p>
-                  </a:txBody>
+                      <a:endParaRPr lang="ko-KR" altLang="en-US" b="0" kern="1200" cap="none" dirty="0"/>
+                    </a:p>
+                  </a:txBody>
+                  <a:tcPr/>
                 </a:tc>
                 <a:tc vMerge="1">
                   <a:txBody>
@@ -6830,9 +6913,10 @@
                         <a:buFontTx/>
                         <a:buNone/>
                       </a:pPr>
-                      <a:endParaRPr lang="ko-KR" altLang="en-US" kern="1200" dirty="0" smtClean="0" cap="none" b="0"/>
-                    </a:p>
-                  </a:txBody>
+                      <a:endParaRPr lang="ko-KR" altLang="en-US" b="0" kern="1200" cap="none" dirty="0"/>
+                    </a:p>
+                  </a:txBody>
+                  <a:tcPr/>
                 </a:tc>
                 <a:tc vMerge="1">
                   <a:txBody>
@@ -6843,9 +6927,10 @@
                         <a:buFontTx/>
                         <a:buNone/>
                       </a:pPr>
-                      <a:endParaRPr lang="ko-KR" altLang="en-US" kern="1200" dirty="0" smtClean="0" cap="none" b="0"/>
-                    </a:p>
-                  </a:txBody>
+                      <a:endParaRPr lang="ko-KR" altLang="en-US" b="0" kern="1200" cap="none" dirty="0"/>
+                    </a:p>
+                  </a:txBody>
+                  <a:tcPr/>
                 </a:tc>
                 <a:tc vMerge="1">
                   <a:txBody>
@@ -6856,9 +6941,10 @@
                         <a:buFontTx/>
                         <a:buNone/>
                       </a:pPr>
-                      <a:endParaRPr lang="ko-KR" altLang="en-US" kern="1200" dirty="0" smtClean="0" cap="none" b="0"/>
-                    </a:p>
-                  </a:txBody>
+                      <a:endParaRPr lang="ko-KR" altLang="en-US" b="0" kern="1200" cap="none" dirty="0"/>
+                    </a:p>
+                  </a:txBody>
+                  <a:tcPr/>
                 </a:tc>
                 <a:tc vMerge="1">
                   <a:txBody>
@@ -6869,9 +6955,10 @@
                         <a:buFontTx/>
                         <a:buNone/>
                       </a:pPr>
-                      <a:endParaRPr lang="ko-KR" altLang="en-US" kern="1200" dirty="0" smtClean="0" cap="none" b="0"/>
-                    </a:p>
-                  </a:txBody>
+                      <a:endParaRPr lang="ko-KR" altLang="en-US" b="0" kern="1200" cap="none" dirty="0"/>
+                    </a:p>
+                  </a:txBody>
+                  <a:tcPr/>
                 </a:tc>
                 <a:tc vMerge="1">
                   <a:txBody>
@@ -6882,9 +6969,10 @@
                         <a:buFontTx/>
                         <a:buNone/>
                       </a:pPr>
-                      <a:endParaRPr lang="ko-KR" altLang="en-US" kern="1200" dirty="0" smtClean="0" cap="none" b="0"/>
-                    </a:p>
-                  </a:txBody>
+                      <a:endParaRPr lang="ko-KR" altLang="en-US" b="0" kern="1200" cap="none" dirty="0"/>
+                    </a:p>
+                  </a:txBody>
+                  <a:tcPr/>
                 </a:tc>
                 <a:tc vMerge="1">
                   <a:txBody>
@@ -6895,9 +6983,10 @@
                         <a:buFontTx/>
                         <a:buNone/>
                       </a:pPr>
-                      <a:endParaRPr lang="ko-KR" altLang="en-US" kern="1200" dirty="0" smtClean="0" cap="none" b="0"/>
-                    </a:p>
-                  </a:txBody>
+                      <a:endParaRPr lang="ko-KR" altLang="en-US" b="0" kern="1200" cap="none" dirty="0"/>
+                    </a:p>
+                  </a:txBody>
+                  <a:tcPr/>
                 </a:tc>
                 <a:tc vMerge="1">
                   <a:txBody>
@@ -6908,10 +6997,16 @@
                         <a:buFontTx/>
                         <a:buNone/>
                       </a:pPr>
-                      <a:endParaRPr lang="ko-KR" altLang="en-US" kern="1200" dirty="0" smtClean="0" cap="none" b="0"/>
-                    </a:p>
-                  </a:txBody>
-                </a:tc>
+                      <a:endParaRPr lang="ko-KR" altLang="en-US" b="0" kern="1200" cap="none" dirty="0"/>
+                    </a:p>
+                  </a:txBody>
+                  <a:tcPr/>
+                </a:tc>
+                <a:extLst>
+                  <a:ext uri="{0D108BD9-81ED-4DB2-BD59-A6C34878D82A}">
+                    <a16:rowId xmlns:a16="http://schemas.microsoft.com/office/drawing/2014/main" val="10007"/>
+                  </a:ext>
+                </a:extLst>
               </a:tr>
               <a:tr h="406400">
                 <a:tc>
@@ -6919,7 +7014,7 @@
                     <a:bodyPr/>
                     <a:lstStyle/>
                     <a:p>
-                      <a:pPr marL="0" indent="0" algn="ctr" fontAlgn="auto" defTabSz="508000">
+                      <a:pPr marL="0" indent="0" algn="ctr" defTabSz="508000" fontAlgn="auto">
                         <a:lnSpc>
                           <a:spcPct val="100000"/>
                         </a:lnSpc>
@@ -6933,7 +7028,7 @@
                         <a:buNone/>
                       </a:pPr>
                       <a:r>
-                        <a:rPr lang="en-US" altLang="ko-KR" sz="1400" kern="1200" cap="none" dirty="0" smtClean="0" b="1">
+                        <a:rPr lang="en-US" altLang="ko-KR" sz="1400" b="1" kern="1200" cap="none" dirty="0">
                           <a:solidFill>
                             <a:schemeClr val="dk1"/>
                           </a:solidFill>
@@ -6942,7 +7037,7 @@
                         </a:rPr>
                         <a:t>충돌 체크</a:t>
                       </a:r>
-                      <a:endParaRPr lang="ko-KR" altLang="en-US" sz="1400" kern="1200" dirty="0" smtClean="0" cap="none" b="1">
+                      <a:endParaRPr lang="ko-KR" altLang="en-US" sz="1400" b="1" kern="1200" cap="none" dirty="0">
                         <a:solidFill>
                           <a:schemeClr val="dk1"/>
                         </a:solidFill>
@@ -6951,7 +7046,7 @@
                       </a:endParaRPr>
                     </a:p>
                   </a:txBody>
-                  <a:tcPr marL="90170" marR="90170" marT="46990" marB="46990" anchor="t"/>
+                  <a:tcPr marL="90170" marR="90170" marT="46990" marB="46990"/>
                 </a:tc>
                 <a:tc vMerge="1">
                   <a:txBody>
@@ -6962,9 +7057,10 @@
                         <a:buFontTx/>
                         <a:buNone/>
                       </a:pPr>
-                      <a:endParaRPr lang="ko-KR" altLang="en-US" kern="1200" dirty="0" smtClean="0" cap="none" b="0"/>
-                    </a:p>
-                  </a:txBody>
+                      <a:endParaRPr lang="ko-KR" altLang="en-US" b="0" kern="1200" cap="none" dirty="0"/>
+                    </a:p>
+                  </a:txBody>
+                  <a:tcPr/>
                 </a:tc>
                 <a:tc vMerge="1">
                   <a:txBody>
@@ -6975,9 +7071,10 @@
                         <a:buFontTx/>
                         <a:buNone/>
                       </a:pPr>
-                      <a:endParaRPr lang="ko-KR" altLang="en-US" kern="1200" dirty="0" smtClean="0" cap="none" b="0"/>
-                    </a:p>
-                  </a:txBody>
+                      <a:endParaRPr lang="ko-KR" altLang="en-US" b="0" kern="1200" cap="none" dirty="0"/>
+                    </a:p>
+                  </a:txBody>
+                  <a:tcPr/>
                 </a:tc>
                 <a:tc vMerge="1">
                   <a:txBody>
@@ -6988,9 +7085,10 @@
                         <a:buFontTx/>
                         <a:buNone/>
                       </a:pPr>
-                      <a:endParaRPr lang="ko-KR" altLang="en-US" kern="1200" dirty="0" smtClean="0" cap="none" b="0"/>
-                    </a:p>
-                  </a:txBody>
+                      <a:endParaRPr lang="ko-KR" altLang="en-US" b="0" kern="1200" cap="none" dirty="0"/>
+                    </a:p>
+                  </a:txBody>
+                  <a:tcPr/>
                 </a:tc>
                 <a:tc vMerge="1">
                   <a:txBody>
@@ -7001,9 +7099,10 @@
                         <a:buFontTx/>
                         <a:buNone/>
                       </a:pPr>
-                      <a:endParaRPr lang="ko-KR" altLang="en-US" kern="1200" dirty="0" smtClean="0" cap="none" b="0"/>
-                    </a:p>
-                  </a:txBody>
+                      <a:endParaRPr lang="ko-KR" altLang="en-US" b="0" kern="1200" cap="none" dirty="0"/>
+                    </a:p>
+                  </a:txBody>
+                  <a:tcPr/>
                 </a:tc>
                 <a:tc vMerge="1">
                   <a:txBody>
@@ -7014,9 +7113,10 @@
                         <a:buFontTx/>
                         <a:buNone/>
                       </a:pPr>
-                      <a:endParaRPr lang="ko-KR" altLang="en-US" kern="1200" dirty="0" smtClean="0" cap="none" b="0"/>
-                    </a:p>
-                  </a:txBody>
+                      <a:endParaRPr lang="ko-KR" altLang="en-US" b="0" kern="1200" cap="none" dirty="0"/>
+                    </a:p>
+                  </a:txBody>
+                  <a:tcPr/>
                 </a:tc>
                 <a:tc vMerge="1">
                   <a:txBody>
@@ -7027,9 +7127,10 @@
                         <a:buFontTx/>
                         <a:buNone/>
                       </a:pPr>
-                      <a:endParaRPr lang="ko-KR" altLang="en-US" kern="1200" dirty="0" smtClean="0" cap="none" b="0"/>
-                    </a:p>
-                  </a:txBody>
+                      <a:endParaRPr lang="ko-KR" altLang="en-US" b="0" kern="1200" cap="none" dirty="0"/>
+                    </a:p>
+                  </a:txBody>
+                  <a:tcPr/>
                 </a:tc>
                 <a:tc vMerge="1">
                   <a:txBody>
@@ -7040,9 +7141,10 @@
                         <a:buFontTx/>
                         <a:buNone/>
                       </a:pPr>
-                      <a:endParaRPr lang="ko-KR" altLang="en-US" kern="1200" dirty="0" smtClean="0" cap="none" b="0"/>
-                    </a:p>
-                  </a:txBody>
+                      <a:endParaRPr lang="ko-KR" altLang="en-US" b="0" kern="1200" cap="none" dirty="0"/>
+                    </a:p>
+                  </a:txBody>
+                  <a:tcPr/>
                 </a:tc>
                 <a:tc vMerge="1">
                   <a:txBody>
@@ -7053,10 +7155,16 @@
                         <a:buFontTx/>
                         <a:buNone/>
                       </a:pPr>
-                      <a:endParaRPr lang="ko-KR" altLang="en-US" kern="1200" dirty="0" smtClean="0" cap="none" b="0"/>
-                    </a:p>
-                  </a:txBody>
-                </a:tc>
+                      <a:endParaRPr lang="ko-KR" altLang="en-US" b="0" kern="1200" cap="none" dirty="0"/>
+                    </a:p>
+                  </a:txBody>
+                  <a:tcPr/>
+                </a:tc>
+                <a:extLst>
+                  <a:ext uri="{0D108BD9-81ED-4DB2-BD59-A6C34878D82A}">
+                    <a16:rowId xmlns:a16="http://schemas.microsoft.com/office/drawing/2014/main" val="10008"/>
+                  </a:ext>
+                </a:extLst>
               </a:tr>
               <a:tr h="421640">
                 <a:tc>
@@ -7064,7 +7172,7 @@
                     <a:bodyPr/>
                     <a:lstStyle/>
                     <a:p>
-                      <a:pPr marL="0" indent="0" algn="ctr" fontAlgn="auto" defTabSz="508000">
+                      <a:pPr marL="0" indent="0" algn="ctr" defTabSz="508000" fontAlgn="auto">
                         <a:lnSpc>
                           <a:spcPct val="100000"/>
                         </a:lnSpc>
@@ -7078,7 +7186,7 @@
                         <a:buNone/>
                       </a:pPr>
                       <a:r>
-                        <a:rPr lang="en-US" altLang="ko-KR" sz="1400" kern="1200" cap="none" dirty="0" smtClean="0" b="1">
+                        <a:rPr lang="en-US" altLang="ko-KR" sz="1400" b="1" kern="1200" cap="none" dirty="0">
                           <a:solidFill>
                             <a:schemeClr val="dk1"/>
                           </a:solidFill>
@@ -7087,7 +7195,7 @@
                         </a:rPr>
                         <a:t>서버 동기화</a:t>
                       </a:r>
-                      <a:endParaRPr lang="ko-KR" altLang="en-US" sz="1400" kern="1200" dirty="0" smtClean="0" cap="none" b="1">
+                      <a:endParaRPr lang="ko-KR" altLang="en-US" sz="1400" b="1" kern="1200" cap="none" dirty="0">
                         <a:solidFill>
                           <a:schemeClr val="dk1"/>
                         </a:solidFill>
@@ -7096,7 +7204,7 @@
                       </a:endParaRPr>
                     </a:p>
                   </a:txBody>
-                  <a:tcPr marL="90170" marR="90170" marT="46990" marB="46990" anchor="t"/>
+                  <a:tcPr marL="90170" marR="90170" marT="46990" marB="46990"/>
                 </a:tc>
                 <a:tc vMerge="1">
                   <a:txBody>
@@ -7107,9 +7215,10 @@
                         <a:buFontTx/>
                         <a:buNone/>
                       </a:pPr>
-                      <a:endParaRPr lang="ko-KR" altLang="en-US" kern="1200" dirty="0" smtClean="0" cap="none" b="0"/>
-                    </a:p>
-                  </a:txBody>
+                      <a:endParaRPr lang="ko-KR" altLang="en-US" b="0" kern="1200" cap="none" dirty="0"/>
+                    </a:p>
+                  </a:txBody>
+                  <a:tcPr/>
                 </a:tc>
                 <a:tc vMerge="1">
                   <a:txBody>
@@ -7120,9 +7229,10 @@
                         <a:buFontTx/>
                         <a:buNone/>
                       </a:pPr>
-                      <a:endParaRPr lang="ko-KR" altLang="en-US" kern="1200" dirty="0" smtClean="0" cap="none" b="0"/>
-                    </a:p>
-                  </a:txBody>
+                      <a:endParaRPr lang="ko-KR" altLang="en-US" b="0" kern="1200" cap="none" dirty="0"/>
+                    </a:p>
+                  </a:txBody>
+                  <a:tcPr/>
                 </a:tc>
                 <a:tc vMerge="1">
                   <a:txBody>
@@ -7133,9 +7243,10 @@
                         <a:buFontTx/>
                         <a:buNone/>
                       </a:pPr>
-                      <a:endParaRPr lang="ko-KR" altLang="en-US" kern="1200" dirty="0" smtClean="0" cap="none" b="0"/>
-                    </a:p>
-                  </a:txBody>
+                      <a:endParaRPr lang="ko-KR" altLang="en-US" b="0" kern="1200" cap="none" dirty="0"/>
+                    </a:p>
+                  </a:txBody>
+                  <a:tcPr/>
                 </a:tc>
                 <a:tc vMerge="1">
                   <a:txBody>
@@ -7146,9 +7257,10 @@
                         <a:buFontTx/>
                         <a:buNone/>
                       </a:pPr>
-                      <a:endParaRPr lang="ko-KR" altLang="en-US" kern="1200" dirty="0" smtClean="0" cap="none" b="0"/>
-                    </a:p>
-                  </a:txBody>
+                      <a:endParaRPr lang="ko-KR" altLang="en-US" b="0" kern="1200" cap="none" dirty="0"/>
+                    </a:p>
+                  </a:txBody>
+                  <a:tcPr/>
                 </a:tc>
                 <a:tc vMerge="1">
                   <a:txBody>
@@ -7159,9 +7271,10 @@
                         <a:buFontTx/>
                         <a:buNone/>
                       </a:pPr>
-                      <a:endParaRPr lang="ko-KR" altLang="en-US" kern="1200" dirty="0" smtClean="0" cap="none" b="0"/>
-                    </a:p>
-                  </a:txBody>
+                      <a:endParaRPr lang="ko-KR" altLang="en-US" b="0" kern="1200" cap="none" dirty="0"/>
+                    </a:p>
+                  </a:txBody>
+                  <a:tcPr/>
                 </a:tc>
                 <a:tc vMerge="1">
                   <a:txBody>
@@ -7172,9 +7285,10 @@
                         <a:buFontTx/>
                         <a:buNone/>
                       </a:pPr>
-                      <a:endParaRPr lang="ko-KR" altLang="en-US" kern="1200" dirty="0" smtClean="0" cap="none" b="0"/>
-                    </a:p>
-                  </a:txBody>
+                      <a:endParaRPr lang="ko-KR" altLang="en-US" b="0" kern="1200" cap="none" dirty="0"/>
+                    </a:p>
+                  </a:txBody>
+                  <a:tcPr/>
                 </a:tc>
                 <a:tc vMerge="1">
                   <a:txBody>
@@ -7185,9 +7299,10 @@
                         <a:buFontTx/>
                         <a:buNone/>
                       </a:pPr>
-                      <a:endParaRPr lang="ko-KR" altLang="en-US" kern="1200" dirty="0" smtClean="0" cap="none" b="0"/>
-                    </a:p>
-                  </a:txBody>
+                      <a:endParaRPr lang="ko-KR" altLang="en-US" b="0" kern="1200" cap="none" dirty="0"/>
+                    </a:p>
+                  </a:txBody>
+                  <a:tcPr/>
                 </a:tc>
                 <a:tc vMerge="1">
                   <a:txBody>
@@ -7198,10 +7313,16 @@
                         <a:buFontTx/>
                         <a:buNone/>
                       </a:pPr>
-                      <a:endParaRPr lang="ko-KR" altLang="en-US" kern="1200" dirty="0" smtClean="0" cap="none" b="0"/>
-                    </a:p>
-                  </a:txBody>
-                </a:tc>
+                      <a:endParaRPr lang="ko-KR" altLang="en-US" b="0" kern="1200" cap="none" dirty="0"/>
+                    </a:p>
+                  </a:txBody>
+                  <a:tcPr/>
+                </a:tc>
+                <a:extLst>
+                  <a:ext uri="{0D108BD9-81ED-4DB2-BD59-A6C34878D82A}">
+                    <a16:rowId xmlns:a16="http://schemas.microsoft.com/office/drawing/2014/main" val="10009"/>
+                  </a:ext>
+                </a:extLst>
               </a:tr>
               <a:tr h="393700">
                 <a:tc>
@@ -7209,7 +7330,7 @@
                     <a:bodyPr/>
                     <a:lstStyle/>
                     <a:p>
-                      <a:pPr marL="0" indent="0" algn="ctr" fontAlgn="auto" defTabSz="508000">
+                      <a:pPr marL="0" indent="0" algn="ctr" defTabSz="508000" fontAlgn="auto">
                         <a:lnSpc>
                           <a:spcPct val="100000"/>
                         </a:lnSpc>
@@ -7222,7 +7343,7 @@
                         <a:buFontTx/>
                         <a:buNone/>
                       </a:pPr>
-                      <a:endParaRPr lang="ko-KR" altLang="en-US" sz="1400" kern="1200" dirty="0" smtClean="0" cap="none" b="1">
+                      <a:endParaRPr lang="ko-KR" altLang="en-US" sz="1400" b="1" kern="1200" cap="none" dirty="0">
                         <a:solidFill>
                           <a:schemeClr val="dk1"/>
                         </a:solidFill>
@@ -7231,7 +7352,7 @@
                       </a:endParaRPr>
                     </a:p>
                   </a:txBody>
-                  <a:tcPr marL="90170" marR="90170" marT="46990" marB="46990" anchor="t"/>
+                  <a:tcPr marL="90170" marR="90170" marT="46990" marB="46990"/>
                 </a:tc>
                 <a:tc vMerge="1">
                   <a:txBody>
@@ -7242,9 +7363,10 @@
                         <a:buFontTx/>
                         <a:buNone/>
                       </a:pPr>
-                      <a:endParaRPr lang="ko-KR" altLang="en-US" kern="1200" dirty="0" smtClean="0" cap="none" b="0"/>
-                    </a:p>
-                  </a:txBody>
+                      <a:endParaRPr lang="ko-KR" altLang="en-US" b="0" kern="1200" cap="none" dirty="0"/>
+                    </a:p>
+                  </a:txBody>
+                  <a:tcPr/>
                 </a:tc>
                 <a:tc vMerge="1">
                   <a:txBody>
@@ -7255,9 +7377,10 @@
                         <a:buFontTx/>
                         <a:buNone/>
                       </a:pPr>
-                      <a:endParaRPr lang="ko-KR" altLang="en-US" kern="1200" dirty="0" smtClean="0" cap="none" b="0"/>
-                    </a:p>
-                  </a:txBody>
+                      <a:endParaRPr lang="ko-KR" altLang="en-US" b="0" kern="1200" cap="none" dirty="0"/>
+                    </a:p>
+                  </a:txBody>
+                  <a:tcPr/>
                 </a:tc>
                 <a:tc vMerge="1">
                   <a:txBody>
@@ -7268,9 +7391,10 @@
                         <a:buFontTx/>
                         <a:buNone/>
                       </a:pPr>
-                      <a:endParaRPr lang="ko-KR" altLang="en-US" kern="1200" dirty="0" smtClean="0" cap="none" b="0"/>
-                    </a:p>
-                  </a:txBody>
+                      <a:endParaRPr lang="ko-KR" altLang="en-US" b="0" kern="1200" cap="none" dirty="0"/>
+                    </a:p>
+                  </a:txBody>
+                  <a:tcPr/>
                 </a:tc>
                 <a:tc vMerge="1">
                   <a:txBody>
@@ -7281,9 +7405,10 @@
                         <a:buFontTx/>
                         <a:buNone/>
                       </a:pPr>
-                      <a:endParaRPr lang="ko-KR" altLang="en-US" kern="1200" dirty="0" smtClean="0" cap="none" b="0"/>
-                    </a:p>
-                  </a:txBody>
+                      <a:endParaRPr lang="ko-KR" altLang="en-US" b="0" kern="1200" cap="none" dirty="0"/>
+                    </a:p>
+                  </a:txBody>
+                  <a:tcPr/>
                 </a:tc>
                 <a:tc vMerge="1">
                   <a:txBody>
@@ -7294,9 +7419,10 @@
                         <a:buFontTx/>
                         <a:buNone/>
                       </a:pPr>
-                      <a:endParaRPr lang="ko-KR" altLang="en-US" kern="1200" dirty="0" smtClean="0" cap="none" b="0"/>
-                    </a:p>
-                  </a:txBody>
+                      <a:endParaRPr lang="ko-KR" altLang="en-US" b="0" kern="1200" cap="none" dirty="0"/>
+                    </a:p>
+                  </a:txBody>
+                  <a:tcPr/>
                 </a:tc>
                 <a:tc vMerge="1">
                   <a:txBody>
@@ -7307,9 +7433,10 @@
                         <a:buFontTx/>
                         <a:buNone/>
                       </a:pPr>
-                      <a:endParaRPr lang="ko-KR" altLang="en-US" kern="1200" dirty="0" smtClean="0" cap="none" b="0"/>
-                    </a:p>
-                  </a:txBody>
+                      <a:endParaRPr lang="ko-KR" altLang="en-US" b="0" kern="1200" cap="none" dirty="0"/>
+                    </a:p>
+                  </a:txBody>
+                  <a:tcPr/>
                 </a:tc>
                 <a:tc vMerge="1">
                   <a:txBody>
@@ -7320,9 +7447,10 @@
                         <a:buFontTx/>
                         <a:buNone/>
                       </a:pPr>
-                      <a:endParaRPr lang="ko-KR" altLang="en-US" kern="1200" dirty="0" smtClean="0" cap="none" b="0"/>
-                    </a:p>
-                  </a:txBody>
+                      <a:endParaRPr lang="ko-KR" altLang="en-US" b="0" kern="1200" cap="none" dirty="0"/>
+                    </a:p>
+                  </a:txBody>
+                  <a:tcPr/>
                 </a:tc>
                 <a:tc vMerge="1">
                   <a:txBody>
@@ -7333,10 +7461,16 @@
                         <a:buFontTx/>
                         <a:buNone/>
                       </a:pPr>
-                      <a:endParaRPr lang="ko-KR" altLang="en-US" kern="1200" dirty="0" smtClean="0" cap="none" b="0"/>
-                    </a:p>
-                  </a:txBody>
-                </a:tc>
+                      <a:endParaRPr lang="ko-KR" altLang="en-US" b="0" kern="1200" cap="none" dirty="0"/>
+                    </a:p>
+                  </a:txBody>
+                  <a:tcPr/>
+                </a:tc>
+                <a:extLst>
+                  <a:ext uri="{0D108BD9-81ED-4DB2-BD59-A6C34878D82A}">
+                    <a16:rowId xmlns:a16="http://schemas.microsoft.com/office/drawing/2014/main" val="10010"/>
+                  </a:ext>
+                </a:extLst>
               </a:tr>
             </a:tbl>
           </a:graphicData>
@@ -7351,20 +7485,22 @@
           <p:nvPr/>
         </p:nvSpPr>
         <p:spPr>
-          <a:xfrm rot="0">
+          <a:xfrm>
             <a:off x="1176655" y="910590"/>
             <a:ext cx="2452370" cy="338455"/>
           </a:xfrm>
-          <a:prstGeom prst="rect"/>
+          <a:prstGeom prst="rect">
+            <a:avLst/>
+          </a:prstGeom>
           <a:noFill/>
         </p:spPr>
         <p:txBody>
-          <a:bodyPr wrap="square" lIns="91440" tIns="45720" rIns="91440" bIns="45720" vert="horz" anchor="t">
+          <a:bodyPr vert="horz" wrap="square" lIns="91440" tIns="45720" rIns="91440" bIns="45720" anchor="t">
             <a:spAutoFit/>
           </a:bodyPr>
           <a:lstStyle/>
           <a:p>
-            <a:pPr marL="0" indent="0" algn="l" fontAlgn="auto" defTabSz="914400" eaLnBrk="0">
+            <a:pPr marL="0" indent="0" algn="l" defTabSz="914400" eaLnBrk="0" fontAlgn="auto">
               <a:lnSpc>
                 <a:spcPct val="100000"/>
               </a:lnSpc>
@@ -7378,7 +7514,7 @@
               <a:buNone/>
             </a:pPr>
             <a:r>
-              <a:rPr lang="en-US" altLang="ko-KR" sz="1600" cap="none" dirty="0" smtClean="0" b="0">
+              <a:rPr lang="en-US" altLang="ko-KR" sz="1600" b="0" cap="none" dirty="0">
                 <a:solidFill>
                   <a:srgbClr val="404040"/>
                 </a:solidFill>
@@ -7387,7 +7523,7 @@
               </a:rPr>
               <a:t>개발 일정 및 역할 분담</a:t>
             </a:r>
-            <a:endParaRPr lang="ko-KR" altLang="en-US" sz="1600" cap="none" dirty="0" smtClean="0" b="0">
+            <a:endParaRPr lang="ko-KR" altLang="en-US" sz="1600" b="0" cap="none" dirty="0">
               <a:solidFill>
                 <a:srgbClr val="404040"/>
               </a:solidFill>
@@ -7404,7 +7540,7 @@
           <p:nvPr/>
         </p:nvGrpSpPr>
         <p:grpSpPr>
-          <a:xfrm rot="0">
+          <a:xfrm>
             <a:off x="6970395" y="904240"/>
             <a:ext cx="3725545" cy="372745"/>
             <a:chOff x="6970395" y="904240"/>
@@ -7420,11 +7556,13 @@
             <p:nvPr/>
           </p:nvSpPr>
           <p:spPr>
-            <a:xfrm rot="0">
+            <a:xfrm>
               <a:off x="6970395" y="956945"/>
               <a:ext cx="286385" cy="286385"/>
             </a:xfrm>
-            <a:prstGeom prst="ellipse"/>
+            <a:prstGeom prst="ellipse">
+              <a:avLst/>
+            </a:prstGeom>
             <a:solidFill>
               <a:schemeClr val="accent4"/>
             </a:solidFill>
@@ -7446,12 +7584,12 @@
             </a:fontRef>
           </p:style>
           <p:txBody>
-            <a:bodyPr wrap="square" lIns="91440" tIns="45720" rIns="91440" bIns="45720" vert="horz" anchor="ctr">
+            <a:bodyPr vert="horz" wrap="square" lIns="91440" tIns="45720" rIns="91440" bIns="45720" anchor="ctr">
               <a:noAutofit/>
             </a:bodyPr>
             <a:lstStyle/>
             <a:p>
-              <a:pPr marL="0" indent="0" algn="ctr" fontAlgn="auto" defTabSz="508000">
+              <a:pPr marL="0" indent="0" algn="ctr" defTabSz="508000" fontAlgn="auto">
                 <a:lnSpc>
                   <a:spcPct val="100000"/>
                 </a:lnSpc>
@@ -7464,7 +7602,7 @@
                 <a:buFontTx/>
                 <a:buNone/>
               </a:pPr>
-              <a:endParaRPr lang="ko-KR" altLang="en-US" sz="1800" cap="none" dirty="0" smtClean="0" b="0">
+              <a:endParaRPr lang="ko-KR" altLang="en-US" sz="1800" b="0" cap="none" dirty="0">
                 <a:latin typeface="맑은 고딕" charset="0"/>
                 <a:ea typeface="맑은 고딕" charset="0"/>
               </a:endParaRPr>
@@ -7480,11 +7618,13 @@
             <p:nvPr/>
           </p:nvSpPr>
           <p:spPr>
-            <a:xfrm rot="0">
+            <a:xfrm>
               <a:off x="7268845" y="906780"/>
               <a:ext cx="1205865" cy="370205"/>
             </a:xfrm>
-            <a:prstGeom prst="rect"/>
+            <a:prstGeom prst="rect">
+              <a:avLst/>
+            </a:prstGeom>
             <a:noFill/>
             <a:ln w="0">
               <a:noFill/>
@@ -7492,12 +7632,12 @@
             </a:ln>
           </p:spPr>
           <p:txBody>
-            <a:bodyPr wrap="square" lIns="89535" tIns="46355" rIns="89535" bIns="46355" vert="horz" anchor="t">
+            <a:bodyPr vert="horz" wrap="square" lIns="89535" tIns="46355" rIns="89535" bIns="46355" anchor="t">
               <a:spAutoFit/>
             </a:bodyPr>
             <a:lstStyle/>
             <a:p>
-              <a:pPr marL="0" indent="0" algn="l" fontAlgn="auto" defTabSz="508000">
+              <a:pPr marL="0" indent="0" algn="l" defTabSz="508000" fontAlgn="auto">
                 <a:lnSpc>
                   <a:spcPct val="100000"/>
                 </a:lnSpc>
@@ -7511,13 +7651,13 @@
                 <a:buNone/>
               </a:pPr>
               <a:r>
-                <a:rPr lang="en-US" altLang="ko-KR" sz="1800" cap="none" dirty="0" smtClean="0" b="0">
+                <a:rPr lang="en-US" altLang="ko-KR" sz="1800" b="0" cap="none" dirty="0">
                   <a:latin typeface="맑은 고딕" charset="0"/>
                   <a:ea typeface="맑은 고딕" charset="0"/>
                 </a:rPr>
                 <a:t>양기석</a:t>
               </a:r>
-              <a:endParaRPr lang="ko-KR" altLang="en-US" sz="1800" cap="none" dirty="0" smtClean="0" b="0">
+              <a:endParaRPr lang="ko-KR" altLang="en-US" sz="1800" b="0" cap="none" dirty="0">
                 <a:latin typeface="맑은 고딕" charset="0"/>
                 <a:ea typeface="맑은 고딕" charset="0"/>
               </a:endParaRPr>
@@ -7533,11 +7673,13 @@
             <p:nvPr/>
           </p:nvSpPr>
           <p:spPr>
-            <a:xfrm rot="0">
+            <a:xfrm>
               <a:off x="9179560" y="954405"/>
               <a:ext cx="286385" cy="286385"/>
             </a:xfrm>
-            <a:prstGeom prst="ellipse"/>
+            <a:prstGeom prst="ellipse">
+              <a:avLst/>
+            </a:prstGeom>
             <a:solidFill>
               <a:srgbClr val="36B700"/>
             </a:solidFill>
@@ -7559,12 +7701,12 @@
             </a:fontRef>
           </p:style>
           <p:txBody>
-            <a:bodyPr wrap="square" lIns="91440" tIns="45720" rIns="91440" bIns="45720" vert="horz" anchor="ctr">
+            <a:bodyPr vert="horz" wrap="square" lIns="91440" tIns="45720" rIns="91440" bIns="45720" anchor="ctr">
               <a:noAutofit/>
             </a:bodyPr>
             <a:lstStyle/>
             <a:p>
-              <a:pPr marL="0" indent="0" algn="ctr" fontAlgn="auto" defTabSz="508000">
+              <a:pPr marL="0" indent="0" algn="ctr" defTabSz="508000" fontAlgn="auto">
                 <a:lnSpc>
                   <a:spcPct val="100000"/>
                 </a:lnSpc>
@@ -7577,7 +7719,7 @@
                 <a:buFontTx/>
                 <a:buNone/>
               </a:pPr>
-              <a:endParaRPr lang="ko-KR" altLang="en-US" sz="1800" cap="none" dirty="0" smtClean="0" b="0">
+              <a:endParaRPr lang="ko-KR" altLang="en-US" sz="1800" b="0" cap="none" dirty="0">
                 <a:latin typeface="맑은 고딕" charset="0"/>
                 <a:ea typeface="맑은 고딕" charset="0"/>
               </a:endParaRPr>
@@ -7593,11 +7735,13 @@
             <p:nvPr/>
           </p:nvSpPr>
           <p:spPr>
-            <a:xfrm rot="0">
+            <a:xfrm>
               <a:off x="9490075" y="904240"/>
               <a:ext cx="1205865" cy="370205"/>
             </a:xfrm>
-            <a:prstGeom prst="rect"/>
+            <a:prstGeom prst="rect">
+              <a:avLst/>
+            </a:prstGeom>
             <a:noFill/>
             <a:ln w="0">
               <a:noFill/>
@@ -7605,12 +7749,12 @@
             </a:ln>
           </p:spPr>
           <p:txBody>
-            <a:bodyPr wrap="square" lIns="89535" tIns="46355" rIns="89535" bIns="46355" vert="horz" anchor="t">
+            <a:bodyPr vert="horz" wrap="square" lIns="89535" tIns="46355" rIns="89535" bIns="46355" anchor="t">
               <a:spAutoFit/>
             </a:bodyPr>
             <a:lstStyle/>
             <a:p>
-              <a:pPr marL="0" indent="0" algn="l" fontAlgn="auto" defTabSz="508000">
+              <a:pPr marL="0" indent="0" algn="l" defTabSz="508000" fontAlgn="auto">
                 <a:lnSpc>
                   <a:spcPct val="100000"/>
                 </a:lnSpc>
@@ -7624,7 +7768,7 @@
                 <a:buNone/>
               </a:pPr>
               <a:r>
-                <a:rPr lang="en-US" altLang="ko-KR" sz="1800" cap="none" dirty="0" smtClean="0" b="0">
+                <a:rPr lang="en-US" altLang="ko-KR" sz="1800" b="0" cap="none" dirty="0">
                   <a:solidFill>
                     <a:srgbClr val="000000"/>
                   </a:solidFill>
@@ -7633,7 +7777,7 @@
                 </a:rPr>
                 <a:t>고동현</a:t>
               </a:r>
-              <a:endParaRPr lang="ko-KR" altLang="en-US" sz="1800" cap="none" dirty="0" smtClean="0" b="0">
+              <a:endParaRPr lang="ko-KR" altLang="en-US" sz="1800" b="0" cap="none" dirty="0">
                 <a:solidFill>
                   <a:srgbClr val="000000"/>
                 </a:solidFill>
@@ -7653,11 +7797,13 @@
           <p:nvPr/>
         </p:nvSpPr>
         <p:spPr>
-          <a:xfrm rot="0">
+          <a:xfrm>
             <a:off x="3081655" y="1913255"/>
             <a:ext cx="2808605" cy="249555"/>
           </a:xfrm>
-          <a:prstGeom prst="roundRect"/>
+          <a:prstGeom prst="roundRect">
+            <a:avLst/>
+          </a:prstGeom>
           <a:solidFill>
             <a:schemeClr val="accent4"/>
           </a:solidFill>
@@ -7679,12 +7825,12 @@
           </a:fontRef>
         </p:style>
         <p:txBody>
-          <a:bodyPr wrap="square" lIns="91440" tIns="45720" rIns="91440" bIns="45720" vert="horz" anchor="ctr">
+          <a:bodyPr vert="horz" wrap="square" lIns="91440" tIns="45720" rIns="91440" bIns="45720" anchor="ctr">
             <a:noAutofit/>
           </a:bodyPr>
           <a:lstStyle/>
           <a:p>
-            <a:pPr marL="0" indent="0" algn="ctr" fontAlgn="auto" defTabSz="508000">
+            <a:pPr marL="0" indent="0" algn="ctr" defTabSz="508000" fontAlgn="auto">
               <a:lnSpc>
                 <a:spcPct val="100000"/>
               </a:lnSpc>
@@ -7697,7 +7843,7 @@
               <a:buFontTx/>
               <a:buNone/>
             </a:pPr>
-            <a:endParaRPr lang="ko-KR" altLang="en-US" sz="1800" cap="none" dirty="0" smtClean="0" b="0">
+            <a:endParaRPr lang="ko-KR" altLang="en-US" sz="1800" b="0" cap="none" dirty="0">
               <a:latin typeface="맑은 고딕" charset="0"/>
               <a:ea typeface="맑은 고딕" charset="0"/>
             </a:endParaRPr>
@@ -7713,11 +7859,13 @@
           <p:nvPr/>
         </p:nvSpPr>
         <p:spPr>
-          <a:xfrm rot="0">
+          <a:xfrm>
             <a:off x="4980305" y="2358390"/>
             <a:ext cx="2848610" cy="249555"/>
           </a:xfrm>
-          <a:prstGeom prst="roundRect"/>
+          <a:prstGeom prst="roundRect">
+            <a:avLst/>
+          </a:prstGeom>
           <a:solidFill>
             <a:schemeClr val="accent4"/>
           </a:solidFill>
@@ -7739,12 +7887,12 @@
           </a:fontRef>
         </p:style>
         <p:txBody>
-          <a:bodyPr wrap="square" lIns="91440" tIns="45720" rIns="91440" bIns="45720" vert="horz" anchor="ctr">
+          <a:bodyPr vert="horz" wrap="square" lIns="91440" tIns="45720" rIns="91440" bIns="45720" anchor="ctr">
             <a:noAutofit/>
           </a:bodyPr>
           <a:lstStyle/>
           <a:p>
-            <a:pPr marL="0" indent="0" algn="ctr" fontAlgn="auto" defTabSz="508000">
+            <a:pPr marL="0" indent="0" algn="ctr" defTabSz="508000" fontAlgn="auto">
               <a:lnSpc>
                 <a:spcPct val="100000"/>
               </a:lnSpc>
@@ -7757,7 +7905,7 @@
               <a:buFontTx/>
               <a:buNone/>
             </a:pPr>
-            <a:endParaRPr lang="ko-KR" altLang="en-US" sz="1800" cap="none" dirty="0" smtClean="0" b="0">
+            <a:endParaRPr lang="ko-KR" altLang="en-US" sz="1800" b="0" cap="none" dirty="0">
               <a:latin typeface="맑은 고딕" charset="0"/>
               <a:ea typeface="맑은 고딕" charset="0"/>
             </a:endParaRPr>
@@ -7773,11 +7921,13 @@
           <p:nvPr/>
         </p:nvSpPr>
         <p:spPr>
-          <a:xfrm rot="0">
+          <a:xfrm>
             <a:off x="3081655" y="3361690"/>
             <a:ext cx="3802380" cy="249555"/>
           </a:xfrm>
-          <a:prstGeom prst="roundRect"/>
+          <a:prstGeom prst="roundRect">
+            <a:avLst/>
+          </a:prstGeom>
           <a:solidFill>
             <a:schemeClr val="accent4"/>
           </a:solidFill>
@@ -7799,12 +7949,12 @@
           </a:fontRef>
         </p:style>
         <p:txBody>
-          <a:bodyPr wrap="square" lIns="91440" tIns="45720" rIns="91440" bIns="45720" vert="horz" anchor="ctr">
+          <a:bodyPr vert="horz" wrap="square" lIns="91440" tIns="45720" rIns="91440" bIns="45720" anchor="ctr">
             <a:noAutofit/>
           </a:bodyPr>
           <a:lstStyle/>
           <a:p>
-            <a:pPr marL="0" indent="0" algn="ctr" fontAlgn="auto" defTabSz="508000">
+            <a:pPr marL="0" indent="0" algn="ctr" defTabSz="508000" fontAlgn="auto">
               <a:lnSpc>
                 <a:spcPct val="100000"/>
               </a:lnSpc>
@@ -7817,7 +7967,7 @@
               <a:buFontTx/>
               <a:buNone/>
             </a:pPr>
-            <a:endParaRPr lang="ko-KR" altLang="en-US" sz="1800" cap="none" dirty="0" smtClean="0" b="0">
+            <a:endParaRPr lang="ko-KR" altLang="en-US" sz="1800" b="0" cap="none" dirty="0">
               <a:latin typeface="맑은 고딕" charset="0"/>
               <a:ea typeface="맑은 고딕" charset="0"/>
             </a:endParaRPr>
@@ -7833,11 +7983,13 @@
           <p:nvPr/>
         </p:nvSpPr>
         <p:spPr>
-          <a:xfrm rot="0">
+          <a:xfrm>
             <a:off x="6883400" y="3830955"/>
             <a:ext cx="2883535" cy="249555"/>
           </a:xfrm>
-          <a:prstGeom prst="roundRect"/>
+          <a:prstGeom prst="roundRect">
+            <a:avLst/>
+          </a:prstGeom>
           <a:solidFill>
             <a:schemeClr val="accent4"/>
           </a:solidFill>
@@ -7859,12 +8011,12 @@
           </a:fontRef>
         </p:style>
         <p:txBody>
-          <a:bodyPr wrap="square" lIns="91440" tIns="45720" rIns="91440" bIns="45720" vert="horz" anchor="ctr">
+          <a:bodyPr vert="horz" wrap="square" lIns="91440" tIns="45720" rIns="91440" bIns="45720" anchor="ctr">
             <a:noAutofit/>
           </a:bodyPr>
           <a:lstStyle/>
           <a:p>
-            <a:pPr marL="0" indent="0" algn="ctr" fontAlgn="auto" defTabSz="508000">
+            <a:pPr marL="0" indent="0" algn="ctr" defTabSz="508000" fontAlgn="auto">
               <a:lnSpc>
                 <a:spcPct val="100000"/>
               </a:lnSpc>
@@ -7877,7 +8029,7 @@
               <a:buFontTx/>
               <a:buNone/>
             </a:pPr>
-            <a:endParaRPr lang="ko-KR" altLang="en-US" sz="1800" cap="none" dirty="0" smtClean="0" b="0">
+            <a:endParaRPr lang="ko-KR" altLang="en-US" sz="1800" b="0" cap="none" dirty="0">
               <a:latin typeface="맑은 고딕" charset="0"/>
               <a:ea typeface="맑은 고딕" charset="0"/>
             </a:endParaRPr>
@@ -7893,11 +8045,13 @@
           <p:nvPr/>
         </p:nvSpPr>
         <p:spPr>
-          <a:xfrm rot="0">
+          <a:xfrm>
             <a:off x="8834755" y="4361815"/>
             <a:ext cx="1876425" cy="249555"/>
           </a:xfrm>
-          <a:prstGeom prst="roundRect"/>
+          <a:prstGeom prst="roundRect">
+            <a:avLst/>
+          </a:prstGeom>
           <a:solidFill>
             <a:schemeClr val="accent4"/>
           </a:solidFill>
@@ -7919,12 +8073,12 @@
           </a:fontRef>
         </p:style>
         <p:txBody>
-          <a:bodyPr wrap="square" lIns="91440" tIns="45720" rIns="91440" bIns="45720" vert="horz" anchor="ctr">
+          <a:bodyPr vert="horz" wrap="square" lIns="91440" tIns="45720" rIns="91440" bIns="45720" anchor="ctr">
             <a:noAutofit/>
           </a:bodyPr>
           <a:lstStyle/>
           <a:p>
-            <a:pPr marL="0" indent="0" algn="ctr" fontAlgn="auto" defTabSz="508000">
+            <a:pPr marL="0" indent="0" algn="ctr" defTabSz="508000" fontAlgn="auto">
               <a:lnSpc>
                 <a:spcPct val="100000"/>
               </a:lnSpc>
@@ -7937,7 +8091,7 @@
               <a:buFontTx/>
               <a:buNone/>
             </a:pPr>
-            <a:endParaRPr lang="ko-KR" altLang="en-US" sz="1800" cap="none" dirty="0" smtClean="0" b="0">
+            <a:endParaRPr lang="ko-KR" altLang="en-US" sz="1800" b="0" cap="none" dirty="0">
               <a:latin typeface="맑은 고딕" charset="0"/>
               <a:ea typeface="맑은 고딕" charset="0"/>
             </a:endParaRPr>
@@ -7953,11 +8107,13 @@
           <p:nvPr/>
         </p:nvSpPr>
         <p:spPr>
-          <a:xfrm rot="0">
+          <a:xfrm>
             <a:off x="5958840" y="2852420"/>
             <a:ext cx="1869440" cy="249555"/>
           </a:xfrm>
-          <a:prstGeom prst="roundRect"/>
+          <a:prstGeom prst="roundRect">
+            <a:avLst/>
+          </a:prstGeom>
           <a:solidFill>
             <a:schemeClr val="accent4"/>
           </a:solidFill>
@@ -7979,12 +8135,12 @@
           </a:fontRef>
         </p:style>
         <p:txBody>
-          <a:bodyPr wrap="square" lIns="91440" tIns="45720" rIns="91440" bIns="45720" vert="horz" anchor="ctr">
+          <a:bodyPr vert="horz" wrap="square" lIns="91440" tIns="45720" rIns="91440" bIns="45720" anchor="ctr">
             <a:noAutofit/>
           </a:bodyPr>
           <a:lstStyle/>
           <a:p>
-            <a:pPr marL="0" indent="0" algn="ctr" fontAlgn="auto" defTabSz="508000">
+            <a:pPr marL="0" indent="0" algn="ctr" defTabSz="508000" fontAlgn="auto">
               <a:lnSpc>
                 <a:spcPct val="100000"/>
               </a:lnSpc>
@@ -7997,7 +8153,7 @@
               <a:buFontTx/>
               <a:buNone/>
             </a:pPr>
-            <a:endParaRPr lang="ko-KR" altLang="en-US" sz="1800" cap="none" dirty="0" smtClean="0" b="0">
+            <a:endParaRPr lang="ko-KR" altLang="en-US" sz="1800" b="0" cap="none" dirty="0">
               <a:latin typeface="맑은 고딕" charset="0"/>
               <a:ea typeface="맑은 고딕" charset="0"/>
             </a:endParaRPr>
@@ -8006,18 +8162,26 @@
       </p:sp>
       <p:sp>
         <p:nvSpPr>
-          <p:cNvPr id="15" name="도형 14"/>
+          <p:cNvPr id="16" name="도형 14">
+            <a:extLst>
+              <a:ext uri="{FF2B5EF4-FFF2-40B4-BE49-F238E27FC236}">
+                <a16:creationId xmlns:a16="http://schemas.microsoft.com/office/drawing/2014/main" id="{E6C53EEE-F5A7-4480-B4C4-FEFDAB724590}"/>
+              </a:ext>
+            </a:extLst>
+          </p:cNvPr>
           <p:cNvSpPr>
             <a:spLocks/>
           </p:cNvSpPr>
           <p:nvPr/>
         </p:nvSpPr>
         <p:spPr>
-          <a:xfrm rot="0">
-            <a:off x="3079115" y="4781550"/>
+          <a:xfrm>
+            <a:off x="5945187" y="5263113"/>
             <a:ext cx="1876425" cy="249555"/>
           </a:xfrm>
-          <a:prstGeom prst="roundRect"/>
+          <a:prstGeom prst="roundRect">
+            <a:avLst/>
+          </a:prstGeom>
           <a:solidFill>
             <a:schemeClr val="accent6"/>
           </a:solidFill>
@@ -8039,12 +8203,12 @@
           </a:fontRef>
         </p:style>
         <p:txBody>
-          <a:bodyPr wrap="square" lIns="91440" tIns="45720" rIns="91440" bIns="45720" vert="horz" anchor="ctr">
+          <a:bodyPr vert="horz" wrap="square" lIns="91440" tIns="45720" rIns="91440" bIns="45720" anchor="ctr">
             <a:noAutofit/>
           </a:bodyPr>
           <a:lstStyle/>
           <a:p>
-            <a:pPr marL="0" indent="0" algn="ctr" fontAlgn="auto" defTabSz="508000">
+            <a:pPr marL="0" indent="0" algn="ctr" defTabSz="508000" fontAlgn="auto">
               <a:lnSpc>
                 <a:spcPct val="100000"/>
               </a:lnSpc>
@@ -8057,7 +8221,143 @@
               <a:buFontTx/>
               <a:buNone/>
             </a:pPr>
-            <a:endParaRPr lang="ko-KR" altLang="en-US" sz="1800" cap="none" dirty="0" smtClean="0" b="0">
+            <a:endParaRPr lang="ko-KR" altLang="en-US" sz="1800" b="0" cap="none" dirty="0">
+              <a:latin typeface="맑은 고딕" charset="0"/>
+              <a:ea typeface="맑은 고딕" charset="0"/>
+            </a:endParaRPr>
+          </a:p>
+        </p:txBody>
+      </p:sp>
+      <p:sp>
+        <p:nvSpPr>
+          <p:cNvPr id="17" name="도형 10">
+            <a:extLst>
+              <a:ext uri="{FF2B5EF4-FFF2-40B4-BE49-F238E27FC236}">
+                <a16:creationId xmlns:a16="http://schemas.microsoft.com/office/drawing/2014/main" id="{C047BBF5-0ECC-4AB8-8F59-B12B29F0C778}"/>
+              </a:ext>
+            </a:extLst>
+          </p:cNvPr>
+          <p:cNvSpPr>
+            <a:spLocks/>
+          </p:cNvSpPr>
+          <p:nvPr/>
+        </p:nvSpPr>
+        <p:spPr>
+          <a:xfrm>
+            <a:off x="3081655" y="4758690"/>
+            <a:ext cx="3802380" cy="249555"/>
+          </a:xfrm>
+          <a:prstGeom prst="roundRect">
+            <a:avLst/>
+          </a:prstGeom>
+          <a:solidFill>
+            <a:schemeClr val="accent6"/>
+          </a:solidFill>
+        </p:spPr>
+        <p:style>
+          <a:lnRef idx="2">
+            <a:schemeClr val="accent1">
+              <a:shade val="50000"/>
+            </a:schemeClr>
+          </a:lnRef>
+          <a:fillRef idx="1">
+            <a:schemeClr val="accent1"/>
+          </a:fillRef>
+          <a:effectRef idx="0">
+            <a:schemeClr val="accent1"/>
+          </a:effectRef>
+          <a:fontRef idx="minor">
+            <a:schemeClr val="lt1"/>
+          </a:fontRef>
+        </p:style>
+        <p:txBody>
+          <a:bodyPr vert="horz" wrap="square" lIns="91440" tIns="45720" rIns="91440" bIns="45720" anchor="ctr">
+            <a:noAutofit/>
+          </a:bodyPr>
+          <a:lstStyle/>
+          <a:p>
+            <a:pPr marL="0" indent="0" algn="ctr" defTabSz="508000" fontAlgn="auto">
+              <a:lnSpc>
+                <a:spcPct val="100000"/>
+              </a:lnSpc>
+              <a:spcBef>
+                <a:spcPts val="0"/>
+              </a:spcBef>
+              <a:spcAft>
+                <a:spcPts val="0"/>
+              </a:spcAft>
+              <a:buFontTx/>
+              <a:buNone/>
+            </a:pPr>
+            <a:endParaRPr lang="ko-KR" altLang="en-US" sz="1800" b="0" cap="none" dirty="0">
+              <a:latin typeface="맑은 고딕" charset="0"/>
+              <a:ea typeface="맑은 고딕" charset="0"/>
+            </a:endParaRPr>
+          </a:p>
+        </p:txBody>
+      </p:sp>
+      <p:sp>
+        <p:nvSpPr>
+          <p:cNvPr id="18" name="도형 14">
+            <a:extLst>
+              <a:ext uri="{FF2B5EF4-FFF2-40B4-BE49-F238E27FC236}">
+                <a16:creationId xmlns:a16="http://schemas.microsoft.com/office/drawing/2014/main" id="{1C28C65C-0225-45AA-B82E-5188B4712B0F}"/>
+              </a:ext>
+            </a:extLst>
+          </p:cNvPr>
+          <p:cNvSpPr>
+            <a:spLocks/>
+          </p:cNvSpPr>
+          <p:nvPr/>
+        </p:nvSpPr>
+        <p:spPr>
+          <a:xfrm>
+            <a:off x="8835499" y="5512668"/>
+            <a:ext cx="1876425" cy="249555"/>
+          </a:xfrm>
+          <a:prstGeom prst="roundRect">
+            <a:avLst/>
+          </a:prstGeom>
+          <a:solidFill>
+            <a:schemeClr val="accent6"/>
+          </a:solidFill>
+        </p:spPr>
+        <p:style>
+          <a:lnRef idx="2">
+            <a:schemeClr val="accent1">
+              <a:shade val="50000"/>
+            </a:schemeClr>
+          </a:lnRef>
+          <a:fillRef idx="1">
+            <a:schemeClr val="accent1"/>
+          </a:fillRef>
+          <a:effectRef idx="0">
+            <a:schemeClr val="accent1"/>
+          </a:effectRef>
+          <a:fontRef idx="minor">
+            <a:schemeClr val="lt1"/>
+          </a:fontRef>
+        </p:style>
+        <p:txBody>
+          <a:bodyPr vert="horz" wrap="square" lIns="91440" tIns="45720" rIns="91440" bIns="45720" anchor="ctr">
+            <a:noAutofit/>
+          </a:bodyPr>
+          <a:lstStyle/>
+          <a:p>
+            <a:pPr marL="0" indent="0" algn="ctr" defTabSz="508000" fontAlgn="auto">
+              <a:lnSpc>
+                <a:spcPct val="100000"/>
+              </a:lnSpc>
+              <a:spcBef>
+                <a:spcPts val="0"/>
+              </a:spcBef>
+              <a:spcAft>
+                <a:spcPts val="0"/>
+              </a:spcAft>
+              <a:buFontTx/>
+              <a:buNone/>
+            </a:pPr>
+            <a:endParaRPr lang="ko-KR" altLang="en-US" sz="1800" b="0" cap="none" dirty="0">
               <a:latin typeface="맑은 고딕" charset="0"/>
               <a:ea typeface="맑은 고딕" charset="0"/>
             </a:endParaRPr>
@@ -8069,11 +8369,11 @@
   <p:clrMapOvr>
     <a:masterClrMapping/>
   </p:clrMapOvr>
-  <mc:AlternateContent xmlns:mc="http://schemas.openxmlformats.org/markup-compatibility/2006">
-    <mc:Choice xmlns:p14="http://schemas.microsoft.com/office/powerpoint/2010/main" Requires="p14">
-      <p:transition spd="slow" p14:dur="500"/>
+  <mc:AlternateContent xmlns:mc="http://schemas.openxmlformats.org/markup-compatibility/2006" xmlns:p14="http://schemas.microsoft.com/office/powerpoint/2010/main">
+    <mc:Choice Requires="p14">
+      <p:transition/>
     </mc:Choice>
-    <mc:Fallback>
+    <mc:Fallback xmlns="">
       <p:transition spd="slow"/>
     </mc:Fallback>
   </mc:AlternateContent>
